--- a/ex/416-F23/staging/416-F23/lectures/02-cpuvirt.pptx
+++ b/ex/416-F23/staging/416-F23/lectures/02-cpuvirt.pptx
@@ -5,7 +5,7 @@
     <p:sldMasterId id="2147483648" r:id="rId1"/>
   </p:sldMasterIdLst>
   <p:notesMasterIdLst>
-    <p:notesMasterId r:id="rId67"/>
+    <p:notesMasterId r:id="rId48"/>
   </p:notesMasterIdLst>
   <p:sldIdLst>
     <p:sldId id="421" r:id="rId2"/>
@@ -54,25 +54,6 @@
     <p:sldId id="316" r:id="rId45"/>
     <p:sldId id="317" r:id="rId46"/>
     <p:sldId id="318" r:id="rId47"/>
-    <p:sldId id="320" r:id="rId48"/>
-    <p:sldId id="321" r:id="rId49"/>
-    <p:sldId id="322" r:id="rId50"/>
-    <p:sldId id="522" r:id="rId51"/>
-    <p:sldId id="297" r:id="rId52"/>
-    <p:sldId id="298" r:id="rId53"/>
-    <p:sldId id="523" r:id="rId54"/>
-    <p:sldId id="300" r:id="rId55"/>
-    <p:sldId id="301" r:id="rId56"/>
-    <p:sldId id="303" r:id="rId57"/>
-    <p:sldId id="304" r:id="rId58"/>
-    <p:sldId id="302" r:id="rId59"/>
-    <p:sldId id="305" r:id="rId60"/>
-    <p:sldId id="306" r:id="rId61"/>
-    <p:sldId id="307" r:id="rId62"/>
-    <p:sldId id="308" r:id="rId63"/>
-    <p:sldId id="309" r:id="rId64"/>
-    <p:sldId id="310" r:id="rId65"/>
-    <p:sldId id="319" r:id="rId66"/>
   </p:sldIdLst>
   <p:sldSz cx="12192000" cy="6858000"/>
   <p:notesSz cx="6858000" cy="9144000"/>
@@ -264,7 +245,7 @@
           <a:p>
             <a:fld id="{973C490B-630B-7F46-B6FE-05D0FD1689A8}" type="datetimeFigureOut">
               <a:rPr lang="en-US" smtClean="0"/>
-              <a:t>9/13/23</a:t>
+              <a:t>10/10/23</a:t>
             </a:fld>
             <a:endParaRPr lang="en-US"/>
           </a:p>
@@ -4806,12 +4787,12 @@
 </p:notes>
 </file>
 
-<file path=ppt/notesSlides/notesSlide46.xml><?xml version="1.0" encoding="utf-8"?>
+<file path=ppt/notesSlides/notesSlide5.xml><?xml version="1.0" encoding="utf-8"?>
 <p:notes xmlns:a="http://schemas.openxmlformats.org/drawingml/2006/main" xmlns:r="http://schemas.openxmlformats.org/officeDocument/2006/relationships" xmlns:p="http://schemas.openxmlformats.org/presentationml/2006/main" showMasterSp="0" showMasterPhAnim="0">
   <p:cSld>
     <p:spTree>
       <p:nvGrpSpPr>
-        <p:cNvPr id="1" name="Shape 790"/>
+        <p:cNvPr id="1" name="Shape 184"/>
         <p:cNvGrpSpPr/>
         <p:nvPr/>
       </p:nvGrpSpPr>
@@ -4825,7 +4806,7 @@
       </p:grpSpPr>
       <p:sp>
         <p:nvSpPr>
-          <p:cNvPr id="791" name="Google Shape;791;p65:notes"/>
+          <p:cNvPr id="185" name="Google Shape;185;p7:notes"/>
           <p:cNvSpPr txBox="1">
             <a:spLocks noGrp="1"/>
           </p:cNvSpPr>
@@ -4863,7 +4844,7 @@
       </p:sp>
       <p:sp>
         <p:nvSpPr>
-          <p:cNvPr id="792" name="Google Shape;792;p65:notes"/>
+          <p:cNvPr id="186" name="Google Shape;186;p7:notes"/>
           <p:cNvSpPr>
             <a:spLocks noGrp="1" noRot="1" noChangeAspect="1"/>
           </p:cNvSpPr>
@@ -4901,2137 +4882,6 @@
             </a:pathLst>
           </a:custGeom>
         </p:spPr>
-      </p:sp>
-    </p:spTree>
-    <p:extLst>
-      <p:ext uri="{BB962C8B-B14F-4D97-AF65-F5344CB8AC3E}">
-        <p14:creationId xmlns:p14="http://schemas.microsoft.com/office/powerpoint/2010/main" val="1906423007"/>
-      </p:ext>
-    </p:extLst>
-  </p:cSld>
-  <p:clrMapOvr>
-    <a:masterClrMapping/>
-  </p:clrMapOvr>
-</p:notes>
-</file>
-
-<file path=ppt/notesSlides/notesSlide47.xml><?xml version="1.0" encoding="utf-8"?>
-<p:notes xmlns:a="http://schemas.openxmlformats.org/drawingml/2006/main" xmlns:r="http://schemas.openxmlformats.org/officeDocument/2006/relationships" xmlns:p="http://schemas.openxmlformats.org/presentationml/2006/main" showMasterSp="0" showMasterPhAnim="0">
-  <p:cSld>
-    <p:spTree>
-      <p:nvGrpSpPr>
-        <p:cNvPr id="1" name="Shape 796"/>
-        <p:cNvGrpSpPr/>
-        <p:nvPr/>
-      </p:nvGrpSpPr>
-      <p:grpSpPr>
-        <a:xfrm>
-          <a:off x="0" y="0"/>
-          <a:ext cx="0" cy="0"/>
-          <a:chOff x="0" y="0"/>
-          <a:chExt cx="0" cy="0"/>
-        </a:xfrm>
-      </p:grpSpPr>
-      <p:sp>
-        <p:nvSpPr>
-          <p:cNvPr id="797" name="Google Shape;797;p66:notes"/>
-          <p:cNvSpPr txBox="1">
-            <a:spLocks noGrp="1"/>
-          </p:cNvSpPr>
-          <p:nvPr>
-            <p:ph type="body" idx="1"/>
-          </p:nvPr>
-        </p:nvSpPr>
-        <p:spPr>
-          <a:xfrm>
-            <a:off x="914400" y="3257550"/>
-            <a:ext cx="7315200" cy="3086100"/>
-          </a:xfrm>
-          <a:prstGeom prst="rect">
-            <a:avLst/>
-          </a:prstGeom>
-        </p:spPr>
-        <p:txBody>
-          <a:bodyPr spcFirstLastPara="1" wrap="square" lIns="91425" tIns="45700" rIns="91425" bIns="45700" anchor="t" anchorCtr="0">
-            <a:noAutofit/>
-          </a:bodyPr>
-          <a:lstStyle/>
-          <a:p>
-            <a:pPr marL="0" lvl="0" indent="0" algn="l" rtl="0">
-              <a:spcBef>
-                <a:spcPts val="0"/>
-              </a:spcBef>
-              <a:spcAft>
-                <a:spcPts val="0"/>
-              </a:spcAft>
-              <a:buNone/>
-            </a:pPr>
-            <a:endParaRPr/>
-          </a:p>
-        </p:txBody>
-      </p:sp>
-      <p:sp>
-        <p:nvSpPr>
-          <p:cNvPr id="798" name="Google Shape;798;p66:notes"/>
-          <p:cNvSpPr>
-            <a:spLocks noGrp="1" noRot="1" noChangeAspect="1"/>
-          </p:cNvSpPr>
-          <p:nvPr>
-            <p:ph type="sldImg" idx="2"/>
-          </p:nvPr>
-        </p:nvSpPr>
-        <p:spPr>
-          <a:xfrm>
-            <a:off x="2286000" y="514350"/>
-            <a:ext cx="4572000" cy="2571750"/>
-          </a:xfrm>
-          <a:custGeom>
-            <a:avLst/>
-            <a:gdLst/>
-            <a:ahLst/>
-            <a:cxnLst/>
-            <a:rect l="l" t="t" r="r" b="b"/>
-            <a:pathLst>
-              <a:path w="120000" h="120000" extrusionOk="0">
-                <a:moveTo>
-                  <a:pt x="0" y="0"/>
-                </a:moveTo>
-                <a:lnTo>
-                  <a:pt x="120000" y="0"/>
-                </a:lnTo>
-                <a:lnTo>
-                  <a:pt x="120000" y="120000"/>
-                </a:lnTo>
-                <a:lnTo>
-                  <a:pt x="0" y="120000"/>
-                </a:lnTo>
-                <a:close/>
-              </a:path>
-            </a:pathLst>
-          </a:custGeom>
-        </p:spPr>
-      </p:sp>
-    </p:spTree>
-    <p:extLst>
-      <p:ext uri="{BB962C8B-B14F-4D97-AF65-F5344CB8AC3E}">
-        <p14:creationId xmlns:p14="http://schemas.microsoft.com/office/powerpoint/2010/main" val="865547639"/>
-      </p:ext>
-    </p:extLst>
-  </p:cSld>
-  <p:clrMapOvr>
-    <a:masterClrMapping/>
-  </p:clrMapOvr>
-</p:notes>
-</file>
-
-<file path=ppt/notesSlides/notesSlide48.xml><?xml version="1.0" encoding="utf-8"?>
-<p:notes xmlns:a="http://schemas.openxmlformats.org/drawingml/2006/main" xmlns:r="http://schemas.openxmlformats.org/officeDocument/2006/relationships" xmlns:p="http://schemas.openxmlformats.org/presentationml/2006/main" showMasterSp="0" showMasterPhAnim="0">
-  <p:cSld>
-    <p:spTree>
-      <p:nvGrpSpPr>
-        <p:cNvPr id="1" name="Shape 802"/>
-        <p:cNvGrpSpPr/>
-        <p:nvPr/>
-      </p:nvGrpSpPr>
-      <p:grpSpPr>
-        <a:xfrm>
-          <a:off x="0" y="0"/>
-          <a:ext cx="0" cy="0"/>
-          <a:chOff x="0" y="0"/>
-          <a:chExt cx="0" cy="0"/>
-        </a:xfrm>
-      </p:grpSpPr>
-      <p:sp>
-        <p:nvSpPr>
-          <p:cNvPr id="803" name="Google Shape;803;p67:notes"/>
-          <p:cNvSpPr txBox="1">
-            <a:spLocks noGrp="1"/>
-          </p:cNvSpPr>
-          <p:nvPr>
-            <p:ph type="body" idx="1"/>
-          </p:nvPr>
-        </p:nvSpPr>
-        <p:spPr>
-          <a:xfrm>
-            <a:off x="914400" y="3257550"/>
-            <a:ext cx="7315200" cy="3086100"/>
-          </a:xfrm>
-          <a:prstGeom prst="rect">
-            <a:avLst/>
-          </a:prstGeom>
-        </p:spPr>
-        <p:txBody>
-          <a:bodyPr spcFirstLastPara="1" wrap="square" lIns="91425" tIns="45700" rIns="91425" bIns="45700" anchor="t" anchorCtr="0">
-            <a:noAutofit/>
-          </a:bodyPr>
-          <a:lstStyle/>
-          <a:p>
-            <a:pPr marL="0" lvl="0" indent="0" algn="l" rtl="0">
-              <a:spcBef>
-                <a:spcPts val="0"/>
-              </a:spcBef>
-              <a:spcAft>
-                <a:spcPts val="0"/>
-              </a:spcAft>
-              <a:buNone/>
-            </a:pPr>
-            <a:endParaRPr/>
-          </a:p>
-        </p:txBody>
-      </p:sp>
-      <p:sp>
-        <p:nvSpPr>
-          <p:cNvPr id="804" name="Google Shape;804;p67:notes"/>
-          <p:cNvSpPr>
-            <a:spLocks noGrp="1" noRot="1" noChangeAspect="1"/>
-          </p:cNvSpPr>
-          <p:nvPr>
-            <p:ph type="sldImg" idx="2"/>
-          </p:nvPr>
-        </p:nvSpPr>
-        <p:spPr>
-          <a:xfrm>
-            <a:off x="2286000" y="514350"/>
-            <a:ext cx="4572000" cy="2571750"/>
-          </a:xfrm>
-          <a:custGeom>
-            <a:avLst/>
-            <a:gdLst/>
-            <a:ahLst/>
-            <a:cxnLst/>
-            <a:rect l="l" t="t" r="r" b="b"/>
-            <a:pathLst>
-              <a:path w="120000" h="120000" extrusionOk="0">
-                <a:moveTo>
-                  <a:pt x="0" y="0"/>
-                </a:moveTo>
-                <a:lnTo>
-                  <a:pt x="120000" y="0"/>
-                </a:lnTo>
-                <a:lnTo>
-                  <a:pt x="120000" y="120000"/>
-                </a:lnTo>
-                <a:lnTo>
-                  <a:pt x="0" y="120000"/>
-                </a:lnTo>
-                <a:close/>
-              </a:path>
-            </a:pathLst>
-          </a:custGeom>
-        </p:spPr>
-      </p:sp>
-    </p:spTree>
-    <p:extLst>
-      <p:ext uri="{BB962C8B-B14F-4D97-AF65-F5344CB8AC3E}">
-        <p14:creationId xmlns:p14="http://schemas.microsoft.com/office/powerpoint/2010/main" val="1105767731"/>
-      </p:ext>
-    </p:extLst>
-  </p:cSld>
-  <p:clrMapOvr>
-    <a:masterClrMapping/>
-  </p:clrMapOvr>
-</p:notes>
-</file>
-
-<file path=ppt/notesSlides/notesSlide49.xml><?xml version="1.0" encoding="utf-8"?>
-<p:notes xmlns:a="http://schemas.openxmlformats.org/drawingml/2006/main" xmlns:r="http://schemas.openxmlformats.org/officeDocument/2006/relationships" xmlns:p="http://schemas.openxmlformats.org/presentationml/2006/main" showMasterSp="0" showMasterPhAnim="0">
-  <p:cSld>
-    <p:spTree>
-      <p:nvGrpSpPr>
-        <p:cNvPr id="1" name="Shape 592"/>
-        <p:cNvGrpSpPr/>
-        <p:nvPr/>
-      </p:nvGrpSpPr>
-      <p:grpSpPr>
-        <a:xfrm>
-          <a:off x="0" y="0"/>
-          <a:ext cx="0" cy="0"/>
-          <a:chOff x="0" y="0"/>
-          <a:chExt cx="0" cy="0"/>
-        </a:xfrm>
-      </p:grpSpPr>
-      <p:sp>
-        <p:nvSpPr>
-          <p:cNvPr id="593" name="Google Shape;593;p41:notes"/>
-          <p:cNvSpPr>
-            <a:spLocks noGrp="1" noRot="1" noChangeAspect="1"/>
-          </p:cNvSpPr>
-          <p:nvPr>
-            <p:ph type="sldImg" idx="2"/>
-          </p:nvPr>
-        </p:nvSpPr>
-        <p:spPr>
-          <a:xfrm>
-            <a:off x="2286000" y="514350"/>
-            <a:ext cx="4572000" cy="2571750"/>
-          </a:xfrm>
-          <a:custGeom>
-            <a:avLst/>
-            <a:gdLst/>
-            <a:ahLst/>
-            <a:cxnLst/>
-            <a:rect l="l" t="t" r="r" b="b"/>
-            <a:pathLst>
-              <a:path w="120000" h="120000" extrusionOk="0">
-                <a:moveTo>
-                  <a:pt x="0" y="0"/>
-                </a:moveTo>
-                <a:lnTo>
-                  <a:pt x="120000" y="0"/>
-                </a:lnTo>
-                <a:lnTo>
-                  <a:pt x="120000" y="120000"/>
-                </a:lnTo>
-                <a:lnTo>
-                  <a:pt x="0" y="120000"/>
-                </a:lnTo>
-                <a:close/>
-              </a:path>
-            </a:pathLst>
-          </a:custGeom>
-          <a:noFill/>
-          <a:ln w="12700" cap="flat" cmpd="sng">
-            <a:solidFill>
-              <a:srgbClr val="000000"/>
-            </a:solidFill>
-            <a:prstDash val="solid"/>
-            <a:round/>
-            <a:headEnd type="none" w="sm" len="sm"/>
-            <a:tailEnd type="none" w="sm" len="sm"/>
-          </a:ln>
-        </p:spPr>
-      </p:sp>
-      <p:sp>
-        <p:nvSpPr>
-          <p:cNvPr id="594" name="Google Shape;594;p41:notes"/>
-          <p:cNvSpPr txBox="1">
-            <a:spLocks noGrp="1"/>
-          </p:cNvSpPr>
-          <p:nvPr>
-            <p:ph type="body" idx="1"/>
-          </p:nvPr>
-        </p:nvSpPr>
-        <p:spPr>
-          <a:xfrm>
-            <a:off x="914400" y="3257550"/>
-            <a:ext cx="7315200" cy="3086100"/>
-          </a:xfrm>
-          <a:prstGeom prst="rect">
-            <a:avLst/>
-          </a:prstGeom>
-          <a:noFill/>
-          <a:ln>
-            <a:noFill/>
-          </a:ln>
-        </p:spPr>
-        <p:txBody>
-          <a:bodyPr spcFirstLastPara="1" wrap="square" lIns="91425" tIns="45700" rIns="91425" bIns="45700" anchor="t" anchorCtr="0">
-            <a:normAutofit/>
-          </a:bodyPr>
-          <a:lstStyle/>
-          <a:p>
-            <a:pPr marL="0" lvl="0" indent="0" algn="l" rtl="0">
-              <a:spcBef>
-                <a:spcPts val="0"/>
-              </a:spcBef>
-              <a:spcAft>
-                <a:spcPts val="0"/>
-              </a:spcAft>
-              <a:buNone/>
-            </a:pPr>
-            <a:endParaRPr/>
-          </a:p>
-        </p:txBody>
-      </p:sp>
-      <p:sp>
-        <p:nvSpPr>
-          <p:cNvPr id="595" name="Google Shape;595;p41:notes"/>
-          <p:cNvSpPr txBox="1">
-            <a:spLocks noGrp="1"/>
-          </p:cNvSpPr>
-          <p:nvPr>
-            <p:ph type="sldNum" idx="12"/>
-          </p:nvPr>
-        </p:nvSpPr>
-        <p:spPr>
-          <a:xfrm>
-            <a:off x="5180013" y="6513513"/>
-            <a:ext cx="3962400" cy="342900"/>
-          </a:xfrm>
-          <a:prstGeom prst="rect">
-            <a:avLst/>
-          </a:prstGeom>
-          <a:noFill/>
-          <a:ln>
-            <a:noFill/>
-          </a:ln>
-        </p:spPr>
-        <p:txBody>
-          <a:bodyPr spcFirstLastPara="1" wrap="square" lIns="91425" tIns="45700" rIns="91425" bIns="45700" anchor="b" anchorCtr="0">
-            <a:noAutofit/>
-          </a:bodyPr>
-          <a:lstStyle/>
-          <a:p>
-            <a:pPr marL="0" lvl="0" indent="0" algn="r" rtl="0">
-              <a:spcBef>
-                <a:spcPts val="0"/>
-              </a:spcBef>
-              <a:spcAft>
-                <a:spcPts val="0"/>
-              </a:spcAft>
-              <a:buNone/>
-            </a:pPr>
-            <a:fld id="{00000000-1234-1234-1234-123412341234}" type="slidenum">
-              <a:rPr lang="en-US"/>
-              <a:t>50</a:t>
-            </a:fld>
-            <a:endParaRPr/>
-          </a:p>
-        </p:txBody>
-      </p:sp>
-    </p:spTree>
-  </p:cSld>
-  <p:clrMapOvr>
-    <a:masterClrMapping/>
-  </p:clrMapOvr>
-</p:notes>
-</file>
-
-<file path=ppt/notesSlides/notesSlide5.xml><?xml version="1.0" encoding="utf-8"?>
-<p:notes xmlns:a="http://schemas.openxmlformats.org/drawingml/2006/main" xmlns:r="http://schemas.openxmlformats.org/officeDocument/2006/relationships" xmlns:p="http://schemas.openxmlformats.org/presentationml/2006/main" showMasterSp="0" showMasterPhAnim="0">
-  <p:cSld>
-    <p:spTree>
-      <p:nvGrpSpPr>
-        <p:cNvPr id="1" name="Shape 184"/>
-        <p:cNvGrpSpPr/>
-        <p:nvPr/>
-      </p:nvGrpSpPr>
-      <p:grpSpPr>
-        <a:xfrm>
-          <a:off x="0" y="0"/>
-          <a:ext cx="0" cy="0"/>
-          <a:chOff x="0" y="0"/>
-          <a:chExt cx="0" cy="0"/>
-        </a:xfrm>
-      </p:grpSpPr>
-      <p:sp>
-        <p:nvSpPr>
-          <p:cNvPr id="185" name="Google Shape;185;p7:notes"/>
-          <p:cNvSpPr txBox="1">
-            <a:spLocks noGrp="1"/>
-          </p:cNvSpPr>
-          <p:nvPr>
-            <p:ph type="body" idx="1"/>
-          </p:nvPr>
-        </p:nvSpPr>
-        <p:spPr>
-          <a:xfrm>
-            <a:off x="914400" y="3257550"/>
-            <a:ext cx="7315200" cy="3086100"/>
-          </a:xfrm>
-          <a:prstGeom prst="rect">
-            <a:avLst/>
-          </a:prstGeom>
-        </p:spPr>
-        <p:txBody>
-          <a:bodyPr spcFirstLastPara="1" wrap="square" lIns="91425" tIns="45700" rIns="91425" bIns="45700" anchor="t" anchorCtr="0">
-            <a:noAutofit/>
-          </a:bodyPr>
-          <a:lstStyle/>
-          <a:p>
-            <a:pPr marL="0" lvl="0" indent="0" algn="l" rtl="0">
-              <a:spcBef>
-                <a:spcPts val="0"/>
-              </a:spcBef>
-              <a:spcAft>
-                <a:spcPts val="0"/>
-              </a:spcAft>
-              <a:buNone/>
-            </a:pPr>
-            <a:endParaRPr/>
-          </a:p>
-        </p:txBody>
-      </p:sp>
-      <p:sp>
-        <p:nvSpPr>
-          <p:cNvPr id="186" name="Google Shape;186;p7:notes"/>
-          <p:cNvSpPr>
-            <a:spLocks noGrp="1" noRot="1" noChangeAspect="1"/>
-          </p:cNvSpPr>
-          <p:nvPr>
-            <p:ph type="sldImg" idx="2"/>
-          </p:nvPr>
-        </p:nvSpPr>
-        <p:spPr>
-          <a:xfrm>
-            <a:off x="2286000" y="514350"/>
-            <a:ext cx="4572000" cy="2571750"/>
-          </a:xfrm>
-          <a:custGeom>
-            <a:avLst/>
-            <a:gdLst/>
-            <a:ahLst/>
-            <a:cxnLst/>
-            <a:rect l="l" t="t" r="r" b="b"/>
-            <a:pathLst>
-              <a:path w="120000" h="120000" extrusionOk="0">
-                <a:moveTo>
-                  <a:pt x="0" y="0"/>
-                </a:moveTo>
-                <a:lnTo>
-                  <a:pt x="120000" y="0"/>
-                </a:lnTo>
-                <a:lnTo>
-                  <a:pt x="120000" y="120000"/>
-                </a:lnTo>
-                <a:lnTo>
-                  <a:pt x="0" y="120000"/>
-                </a:lnTo>
-                <a:close/>
-              </a:path>
-            </a:pathLst>
-          </a:custGeom>
-        </p:spPr>
-      </p:sp>
-    </p:spTree>
-  </p:cSld>
-  <p:clrMapOvr>
-    <a:masterClrMapping/>
-  </p:clrMapOvr>
-</p:notes>
-</file>
-
-<file path=ppt/notesSlides/notesSlide50.xml><?xml version="1.0" encoding="utf-8"?>
-<p:notes xmlns:a="http://schemas.openxmlformats.org/drawingml/2006/main" xmlns:r="http://schemas.openxmlformats.org/officeDocument/2006/relationships" xmlns:p="http://schemas.openxmlformats.org/presentationml/2006/main" showMasterSp="0" showMasterPhAnim="0">
-  <p:cSld>
-    <p:spTree>
-      <p:nvGrpSpPr>
-        <p:cNvPr id="1" name="Shape 599"/>
-        <p:cNvGrpSpPr/>
-        <p:nvPr/>
-      </p:nvGrpSpPr>
-      <p:grpSpPr>
-        <a:xfrm>
-          <a:off x="0" y="0"/>
-          <a:ext cx="0" cy="0"/>
-          <a:chOff x="0" y="0"/>
-          <a:chExt cx="0" cy="0"/>
-        </a:xfrm>
-      </p:grpSpPr>
-      <p:sp>
-        <p:nvSpPr>
-          <p:cNvPr id="600" name="Google Shape;600;p42:notes"/>
-          <p:cNvSpPr>
-            <a:spLocks noGrp="1" noRot="1" noChangeAspect="1"/>
-          </p:cNvSpPr>
-          <p:nvPr>
-            <p:ph type="sldImg" idx="2"/>
-          </p:nvPr>
-        </p:nvSpPr>
-        <p:spPr>
-          <a:xfrm>
-            <a:off x="2286000" y="514350"/>
-            <a:ext cx="4572000" cy="2571750"/>
-          </a:xfrm>
-          <a:custGeom>
-            <a:avLst/>
-            <a:gdLst/>
-            <a:ahLst/>
-            <a:cxnLst/>
-            <a:rect l="l" t="t" r="r" b="b"/>
-            <a:pathLst>
-              <a:path w="120000" h="120000" extrusionOk="0">
-                <a:moveTo>
-                  <a:pt x="0" y="0"/>
-                </a:moveTo>
-                <a:lnTo>
-                  <a:pt x="120000" y="0"/>
-                </a:lnTo>
-                <a:lnTo>
-                  <a:pt x="120000" y="120000"/>
-                </a:lnTo>
-                <a:lnTo>
-                  <a:pt x="0" y="120000"/>
-                </a:lnTo>
-                <a:close/>
-              </a:path>
-            </a:pathLst>
-          </a:custGeom>
-          <a:noFill/>
-          <a:ln w="12700" cap="flat" cmpd="sng">
-            <a:solidFill>
-              <a:srgbClr val="000000"/>
-            </a:solidFill>
-            <a:prstDash val="solid"/>
-            <a:round/>
-            <a:headEnd type="none" w="sm" len="sm"/>
-            <a:tailEnd type="none" w="sm" len="sm"/>
-          </a:ln>
-        </p:spPr>
-      </p:sp>
-      <p:sp>
-        <p:nvSpPr>
-          <p:cNvPr id="601" name="Google Shape;601;p42:notes"/>
-          <p:cNvSpPr txBox="1">
-            <a:spLocks noGrp="1"/>
-          </p:cNvSpPr>
-          <p:nvPr>
-            <p:ph type="body" idx="1"/>
-          </p:nvPr>
-        </p:nvSpPr>
-        <p:spPr>
-          <a:xfrm>
-            <a:off x="914400" y="3257550"/>
-            <a:ext cx="7315200" cy="3086100"/>
-          </a:xfrm>
-          <a:prstGeom prst="rect">
-            <a:avLst/>
-          </a:prstGeom>
-          <a:noFill/>
-          <a:ln>
-            <a:noFill/>
-          </a:ln>
-        </p:spPr>
-        <p:txBody>
-          <a:bodyPr spcFirstLastPara="1" wrap="square" lIns="91425" tIns="45700" rIns="91425" bIns="45700" anchor="t" anchorCtr="0">
-            <a:normAutofit/>
-          </a:bodyPr>
-          <a:lstStyle/>
-          <a:p>
-            <a:pPr marL="0" lvl="0" indent="0" algn="l" rtl="0">
-              <a:spcBef>
-                <a:spcPts val="0"/>
-              </a:spcBef>
-              <a:spcAft>
-                <a:spcPts val="0"/>
-              </a:spcAft>
-              <a:buNone/>
-            </a:pPr>
-            <a:endParaRPr/>
-          </a:p>
-        </p:txBody>
-      </p:sp>
-      <p:sp>
-        <p:nvSpPr>
-          <p:cNvPr id="602" name="Google Shape;602;p42:notes"/>
-          <p:cNvSpPr txBox="1">
-            <a:spLocks noGrp="1"/>
-          </p:cNvSpPr>
-          <p:nvPr>
-            <p:ph type="sldNum" idx="12"/>
-          </p:nvPr>
-        </p:nvSpPr>
-        <p:spPr>
-          <a:xfrm>
-            <a:off x="5180013" y="6513513"/>
-            <a:ext cx="3962400" cy="342900"/>
-          </a:xfrm>
-          <a:prstGeom prst="rect">
-            <a:avLst/>
-          </a:prstGeom>
-          <a:noFill/>
-          <a:ln>
-            <a:noFill/>
-          </a:ln>
-        </p:spPr>
-        <p:txBody>
-          <a:bodyPr spcFirstLastPara="1" wrap="square" lIns="91425" tIns="45700" rIns="91425" bIns="45700" anchor="b" anchorCtr="0">
-            <a:noAutofit/>
-          </a:bodyPr>
-          <a:lstStyle/>
-          <a:p>
-            <a:pPr marL="0" lvl="0" indent="0" algn="r" rtl="0">
-              <a:spcBef>
-                <a:spcPts val="0"/>
-              </a:spcBef>
-              <a:spcAft>
-                <a:spcPts val="0"/>
-              </a:spcAft>
-              <a:buNone/>
-            </a:pPr>
-            <a:fld id="{00000000-1234-1234-1234-123412341234}" type="slidenum">
-              <a:rPr lang="en-US"/>
-              <a:t>51</a:t>
-            </a:fld>
-            <a:endParaRPr/>
-          </a:p>
-        </p:txBody>
-      </p:sp>
-    </p:spTree>
-  </p:cSld>
-  <p:clrMapOvr>
-    <a:masterClrMapping/>
-  </p:clrMapOvr>
-</p:notes>
-</file>
-
-<file path=ppt/notesSlides/notesSlide51.xml><?xml version="1.0" encoding="utf-8"?>
-<p:notes xmlns:a="http://schemas.openxmlformats.org/drawingml/2006/main" xmlns:r="http://schemas.openxmlformats.org/officeDocument/2006/relationships" xmlns:p="http://schemas.openxmlformats.org/presentationml/2006/main" showMasterSp="0" showMasterPhAnim="0">
-  <p:cSld>
-    <p:spTree>
-      <p:nvGrpSpPr>
-        <p:cNvPr id="1" name="Shape 607"/>
-        <p:cNvGrpSpPr/>
-        <p:nvPr/>
-      </p:nvGrpSpPr>
-      <p:grpSpPr>
-        <a:xfrm>
-          <a:off x="0" y="0"/>
-          <a:ext cx="0" cy="0"/>
-          <a:chOff x="0" y="0"/>
-          <a:chExt cx="0" cy="0"/>
-        </a:xfrm>
-      </p:grpSpPr>
-      <p:sp>
-        <p:nvSpPr>
-          <p:cNvPr id="608" name="Google Shape;608;p43:notes"/>
-          <p:cNvSpPr>
-            <a:spLocks noGrp="1" noRot="1" noChangeAspect="1"/>
-          </p:cNvSpPr>
-          <p:nvPr>
-            <p:ph type="sldImg" idx="2"/>
-          </p:nvPr>
-        </p:nvSpPr>
-        <p:spPr>
-          <a:xfrm>
-            <a:off x="2286000" y="514350"/>
-            <a:ext cx="4572000" cy="2571750"/>
-          </a:xfrm>
-          <a:custGeom>
-            <a:avLst/>
-            <a:gdLst/>
-            <a:ahLst/>
-            <a:cxnLst/>
-            <a:rect l="l" t="t" r="r" b="b"/>
-            <a:pathLst>
-              <a:path w="120000" h="120000" extrusionOk="0">
-                <a:moveTo>
-                  <a:pt x="0" y="0"/>
-                </a:moveTo>
-                <a:lnTo>
-                  <a:pt x="120000" y="0"/>
-                </a:lnTo>
-                <a:lnTo>
-                  <a:pt x="120000" y="120000"/>
-                </a:lnTo>
-                <a:lnTo>
-                  <a:pt x="0" y="120000"/>
-                </a:lnTo>
-                <a:close/>
-              </a:path>
-            </a:pathLst>
-          </a:custGeom>
-          <a:noFill/>
-          <a:ln w="12700" cap="flat" cmpd="sng">
-            <a:solidFill>
-              <a:srgbClr val="000000"/>
-            </a:solidFill>
-            <a:prstDash val="solid"/>
-            <a:round/>
-            <a:headEnd type="none" w="sm" len="sm"/>
-            <a:tailEnd type="none" w="sm" len="sm"/>
-          </a:ln>
-        </p:spPr>
-      </p:sp>
-      <p:sp>
-        <p:nvSpPr>
-          <p:cNvPr id="609" name="Google Shape;609;p43:notes"/>
-          <p:cNvSpPr txBox="1">
-            <a:spLocks noGrp="1"/>
-          </p:cNvSpPr>
-          <p:nvPr>
-            <p:ph type="body" idx="1"/>
-          </p:nvPr>
-        </p:nvSpPr>
-        <p:spPr>
-          <a:xfrm>
-            <a:off x="914400" y="3257550"/>
-            <a:ext cx="7315200" cy="3086100"/>
-          </a:xfrm>
-          <a:prstGeom prst="rect">
-            <a:avLst/>
-          </a:prstGeom>
-          <a:noFill/>
-          <a:ln>
-            <a:noFill/>
-          </a:ln>
-        </p:spPr>
-        <p:txBody>
-          <a:bodyPr spcFirstLastPara="1" wrap="square" lIns="91425" tIns="45700" rIns="91425" bIns="45700" anchor="t" anchorCtr="0">
-            <a:normAutofit/>
-          </a:bodyPr>
-          <a:lstStyle/>
-          <a:p>
-            <a:pPr marL="0" lvl="0" indent="0" algn="l" rtl="0">
-              <a:spcBef>
-                <a:spcPts val="0"/>
-              </a:spcBef>
-              <a:spcAft>
-                <a:spcPts val="0"/>
-              </a:spcAft>
-              <a:buNone/>
-            </a:pPr>
-            <a:endParaRPr/>
-          </a:p>
-        </p:txBody>
-      </p:sp>
-      <p:sp>
-        <p:nvSpPr>
-          <p:cNvPr id="610" name="Google Shape;610;p43:notes"/>
-          <p:cNvSpPr txBox="1">
-            <a:spLocks noGrp="1"/>
-          </p:cNvSpPr>
-          <p:nvPr>
-            <p:ph type="sldNum" idx="12"/>
-          </p:nvPr>
-        </p:nvSpPr>
-        <p:spPr>
-          <a:xfrm>
-            <a:off x="5180013" y="6513513"/>
-            <a:ext cx="3962400" cy="342900"/>
-          </a:xfrm>
-          <a:prstGeom prst="rect">
-            <a:avLst/>
-          </a:prstGeom>
-          <a:noFill/>
-          <a:ln>
-            <a:noFill/>
-          </a:ln>
-        </p:spPr>
-        <p:txBody>
-          <a:bodyPr spcFirstLastPara="1" wrap="square" lIns="91425" tIns="45700" rIns="91425" bIns="45700" anchor="b" anchorCtr="0">
-            <a:noAutofit/>
-          </a:bodyPr>
-          <a:lstStyle/>
-          <a:p>
-            <a:pPr marL="0" lvl="0" indent="0" algn="r" rtl="0">
-              <a:spcBef>
-                <a:spcPts val="0"/>
-              </a:spcBef>
-              <a:spcAft>
-                <a:spcPts val="0"/>
-              </a:spcAft>
-              <a:buNone/>
-            </a:pPr>
-            <a:fld id="{00000000-1234-1234-1234-123412341234}" type="slidenum">
-              <a:rPr lang="en-US"/>
-              <a:t>52</a:t>
-            </a:fld>
-            <a:endParaRPr/>
-          </a:p>
-        </p:txBody>
-      </p:sp>
-    </p:spTree>
-  </p:cSld>
-  <p:clrMapOvr>
-    <a:masterClrMapping/>
-  </p:clrMapOvr>
-</p:notes>
-</file>
-
-<file path=ppt/notesSlides/notesSlide52.xml><?xml version="1.0" encoding="utf-8"?>
-<p:notes xmlns:a="http://schemas.openxmlformats.org/drawingml/2006/main" xmlns:r="http://schemas.openxmlformats.org/officeDocument/2006/relationships" xmlns:p="http://schemas.openxmlformats.org/presentationml/2006/main" showMasterSp="0" showMasterPhAnim="0">
-  <p:cSld>
-    <p:spTree>
-      <p:nvGrpSpPr>
-        <p:cNvPr id="1" name="Shape 615"/>
-        <p:cNvGrpSpPr/>
-        <p:nvPr/>
-      </p:nvGrpSpPr>
-      <p:grpSpPr>
-        <a:xfrm>
-          <a:off x="0" y="0"/>
-          <a:ext cx="0" cy="0"/>
-          <a:chOff x="0" y="0"/>
-          <a:chExt cx="0" cy="0"/>
-        </a:xfrm>
-      </p:grpSpPr>
-      <p:sp>
-        <p:nvSpPr>
-          <p:cNvPr id="616" name="Google Shape;616;p44:notes"/>
-          <p:cNvSpPr>
-            <a:spLocks noGrp="1" noRot="1" noChangeAspect="1"/>
-          </p:cNvSpPr>
-          <p:nvPr>
-            <p:ph type="sldImg" idx="2"/>
-          </p:nvPr>
-        </p:nvSpPr>
-        <p:spPr>
-          <a:xfrm>
-            <a:off x="2286000" y="514350"/>
-            <a:ext cx="4572000" cy="2571750"/>
-          </a:xfrm>
-          <a:custGeom>
-            <a:avLst/>
-            <a:gdLst/>
-            <a:ahLst/>
-            <a:cxnLst/>
-            <a:rect l="l" t="t" r="r" b="b"/>
-            <a:pathLst>
-              <a:path w="120000" h="120000" extrusionOk="0">
-                <a:moveTo>
-                  <a:pt x="0" y="0"/>
-                </a:moveTo>
-                <a:lnTo>
-                  <a:pt x="120000" y="0"/>
-                </a:lnTo>
-                <a:lnTo>
-                  <a:pt x="120000" y="120000"/>
-                </a:lnTo>
-                <a:lnTo>
-                  <a:pt x="0" y="120000"/>
-                </a:lnTo>
-                <a:close/>
-              </a:path>
-            </a:pathLst>
-          </a:custGeom>
-          <a:noFill/>
-          <a:ln w="12700" cap="flat" cmpd="sng">
-            <a:solidFill>
-              <a:srgbClr val="000000"/>
-            </a:solidFill>
-            <a:prstDash val="solid"/>
-            <a:round/>
-            <a:headEnd type="none" w="sm" len="sm"/>
-            <a:tailEnd type="none" w="sm" len="sm"/>
-          </a:ln>
-        </p:spPr>
-      </p:sp>
-      <p:sp>
-        <p:nvSpPr>
-          <p:cNvPr id="617" name="Google Shape;617;p44:notes"/>
-          <p:cNvSpPr txBox="1">
-            <a:spLocks noGrp="1"/>
-          </p:cNvSpPr>
-          <p:nvPr>
-            <p:ph type="body" idx="1"/>
-          </p:nvPr>
-        </p:nvSpPr>
-        <p:spPr>
-          <a:xfrm>
-            <a:off x="914400" y="3257550"/>
-            <a:ext cx="7315200" cy="3086100"/>
-          </a:xfrm>
-          <a:prstGeom prst="rect">
-            <a:avLst/>
-          </a:prstGeom>
-          <a:noFill/>
-          <a:ln>
-            <a:noFill/>
-          </a:ln>
-        </p:spPr>
-        <p:txBody>
-          <a:bodyPr spcFirstLastPara="1" wrap="square" lIns="91425" tIns="45700" rIns="91425" bIns="45700" anchor="t" anchorCtr="0">
-            <a:normAutofit/>
-          </a:bodyPr>
-          <a:lstStyle/>
-          <a:p>
-            <a:pPr marL="0" lvl="0" indent="0" algn="l" rtl="0">
-              <a:spcBef>
-                <a:spcPts val="0"/>
-              </a:spcBef>
-              <a:spcAft>
-                <a:spcPts val="0"/>
-              </a:spcAft>
-              <a:buNone/>
-            </a:pPr>
-            <a:endParaRPr/>
-          </a:p>
-        </p:txBody>
-      </p:sp>
-      <p:sp>
-        <p:nvSpPr>
-          <p:cNvPr id="618" name="Google Shape;618;p44:notes"/>
-          <p:cNvSpPr txBox="1">
-            <a:spLocks noGrp="1"/>
-          </p:cNvSpPr>
-          <p:nvPr>
-            <p:ph type="sldNum" idx="12"/>
-          </p:nvPr>
-        </p:nvSpPr>
-        <p:spPr>
-          <a:xfrm>
-            <a:off x="5180013" y="6513513"/>
-            <a:ext cx="3962400" cy="342900"/>
-          </a:xfrm>
-          <a:prstGeom prst="rect">
-            <a:avLst/>
-          </a:prstGeom>
-          <a:noFill/>
-          <a:ln>
-            <a:noFill/>
-          </a:ln>
-        </p:spPr>
-        <p:txBody>
-          <a:bodyPr spcFirstLastPara="1" wrap="square" lIns="91425" tIns="45700" rIns="91425" bIns="45700" anchor="b" anchorCtr="0">
-            <a:noAutofit/>
-          </a:bodyPr>
-          <a:lstStyle/>
-          <a:p>
-            <a:pPr marL="0" lvl="0" indent="0" algn="r" rtl="0">
-              <a:spcBef>
-                <a:spcPts val="0"/>
-              </a:spcBef>
-              <a:spcAft>
-                <a:spcPts val="0"/>
-              </a:spcAft>
-              <a:buNone/>
-            </a:pPr>
-            <a:fld id="{00000000-1234-1234-1234-123412341234}" type="slidenum">
-              <a:rPr lang="en-US"/>
-              <a:t>53</a:t>
-            </a:fld>
-            <a:endParaRPr/>
-          </a:p>
-        </p:txBody>
-      </p:sp>
-    </p:spTree>
-  </p:cSld>
-  <p:clrMapOvr>
-    <a:masterClrMapping/>
-  </p:clrMapOvr>
-</p:notes>
-</file>
-
-<file path=ppt/notesSlides/notesSlide53.xml><?xml version="1.0" encoding="utf-8"?>
-<p:notes xmlns:a="http://schemas.openxmlformats.org/drawingml/2006/main" xmlns:r="http://schemas.openxmlformats.org/officeDocument/2006/relationships" xmlns:p="http://schemas.openxmlformats.org/presentationml/2006/main" showMasterSp="0" showMasterPhAnim="0">
-  <p:cSld>
-    <p:spTree>
-      <p:nvGrpSpPr>
-        <p:cNvPr id="1" name="Shape 622"/>
-        <p:cNvGrpSpPr/>
-        <p:nvPr/>
-      </p:nvGrpSpPr>
-      <p:grpSpPr>
-        <a:xfrm>
-          <a:off x="0" y="0"/>
-          <a:ext cx="0" cy="0"/>
-          <a:chOff x="0" y="0"/>
-          <a:chExt cx="0" cy="0"/>
-        </a:xfrm>
-      </p:grpSpPr>
-      <p:sp>
-        <p:nvSpPr>
-          <p:cNvPr id="623" name="Google Shape;623;p45:notes"/>
-          <p:cNvSpPr>
-            <a:spLocks noGrp="1" noRot="1" noChangeAspect="1"/>
-          </p:cNvSpPr>
-          <p:nvPr>
-            <p:ph type="sldImg" idx="2"/>
-          </p:nvPr>
-        </p:nvSpPr>
-        <p:spPr>
-          <a:xfrm>
-            <a:off x="2286000" y="514350"/>
-            <a:ext cx="4572000" cy="2571750"/>
-          </a:xfrm>
-          <a:custGeom>
-            <a:avLst/>
-            <a:gdLst/>
-            <a:ahLst/>
-            <a:cxnLst/>
-            <a:rect l="l" t="t" r="r" b="b"/>
-            <a:pathLst>
-              <a:path w="120000" h="120000" extrusionOk="0">
-                <a:moveTo>
-                  <a:pt x="0" y="0"/>
-                </a:moveTo>
-                <a:lnTo>
-                  <a:pt x="120000" y="0"/>
-                </a:lnTo>
-                <a:lnTo>
-                  <a:pt x="120000" y="120000"/>
-                </a:lnTo>
-                <a:lnTo>
-                  <a:pt x="0" y="120000"/>
-                </a:lnTo>
-                <a:close/>
-              </a:path>
-            </a:pathLst>
-          </a:custGeom>
-          <a:noFill/>
-          <a:ln w="12700" cap="flat" cmpd="sng">
-            <a:solidFill>
-              <a:srgbClr val="000000"/>
-            </a:solidFill>
-            <a:prstDash val="solid"/>
-            <a:round/>
-            <a:headEnd type="none" w="sm" len="sm"/>
-            <a:tailEnd type="none" w="sm" len="sm"/>
-          </a:ln>
-        </p:spPr>
-      </p:sp>
-      <p:sp>
-        <p:nvSpPr>
-          <p:cNvPr id="624" name="Google Shape;624;p45:notes"/>
-          <p:cNvSpPr txBox="1">
-            <a:spLocks noGrp="1"/>
-          </p:cNvSpPr>
-          <p:nvPr>
-            <p:ph type="body" idx="1"/>
-          </p:nvPr>
-        </p:nvSpPr>
-        <p:spPr>
-          <a:xfrm>
-            <a:off x="914400" y="3257550"/>
-            <a:ext cx="7315200" cy="3086100"/>
-          </a:xfrm>
-          <a:prstGeom prst="rect">
-            <a:avLst/>
-          </a:prstGeom>
-          <a:noFill/>
-          <a:ln>
-            <a:noFill/>
-          </a:ln>
-        </p:spPr>
-        <p:txBody>
-          <a:bodyPr spcFirstLastPara="1" wrap="square" lIns="91425" tIns="45700" rIns="91425" bIns="45700" anchor="t" anchorCtr="0">
-            <a:normAutofit/>
-          </a:bodyPr>
-          <a:lstStyle/>
-          <a:p>
-            <a:pPr marL="0" lvl="0" indent="0" algn="l" rtl="0">
-              <a:spcBef>
-                <a:spcPts val="0"/>
-              </a:spcBef>
-              <a:spcAft>
-                <a:spcPts val="0"/>
-              </a:spcAft>
-              <a:buNone/>
-            </a:pPr>
-            <a:endParaRPr/>
-          </a:p>
-        </p:txBody>
-      </p:sp>
-      <p:sp>
-        <p:nvSpPr>
-          <p:cNvPr id="625" name="Google Shape;625;p45:notes"/>
-          <p:cNvSpPr txBox="1">
-            <a:spLocks noGrp="1"/>
-          </p:cNvSpPr>
-          <p:nvPr>
-            <p:ph type="sldNum" idx="12"/>
-          </p:nvPr>
-        </p:nvSpPr>
-        <p:spPr>
-          <a:xfrm>
-            <a:off x="5180013" y="6513513"/>
-            <a:ext cx="3962400" cy="342900"/>
-          </a:xfrm>
-          <a:prstGeom prst="rect">
-            <a:avLst/>
-          </a:prstGeom>
-          <a:noFill/>
-          <a:ln>
-            <a:noFill/>
-          </a:ln>
-        </p:spPr>
-        <p:txBody>
-          <a:bodyPr spcFirstLastPara="1" wrap="square" lIns="91425" tIns="45700" rIns="91425" bIns="45700" anchor="b" anchorCtr="0">
-            <a:noAutofit/>
-          </a:bodyPr>
-          <a:lstStyle/>
-          <a:p>
-            <a:pPr marL="0" lvl="0" indent="0" algn="r" rtl="0">
-              <a:spcBef>
-                <a:spcPts val="0"/>
-              </a:spcBef>
-              <a:spcAft>
-                <a:spcPts val="0"/>
-              </a:spcAft>
-              <a:buNone/>
-            </a:pPr>
-            <a:fld id="{00000000-1234-1234-1234-123412341234}" type="slidenum">
-              <a:rPr lang="en-US"/>
-              <a:t>54</a:t>
-            </a:fld>
-            <a:endParaRPr/>
-          </a:p>
-        </p:txBody>
-      </p:sp>
-    </p:spTree>
-  </p:cSld>
-  <p:clrMapOvr>
-    <a:masterClrMapping/>
-  </p:clrMapOvr>
-</p:notes>
-</file>
-
-<file path=ppt/notesSlides/notesSlide54.xml><?xml version="1.0" encoding="utf-8"?>
-<p:notes xmlns:a="http://schemas.openxmlformats.org/drawingml/2006/main" xmlns:r="http://schemas.openxmlformats.org/officeDocument/2006/relationships" xmlns:p="http://schemas.openxmlformats.org/presentationml/2006/main" showMasterSp="0" showMasterPhAnim="0">
-  <p:cSld>
-    <p:spTree>
-      <p:nvGrpSpPr>
-        <p:cNvPr id="1" name="Shape 629"/>
-        <p:cNvGrpSpPr/>
-        <p:nvPr/>
-      </p:nvGrpSpPr>
-      <p:grpSpPr>
-        <a:xfrm>
-          <a:off x="0" y="0"/>
-          <a:ext cx="0" cy="0"/>
-          <a:chOff x="0" y="0"/>
-          <a:chExt cx="0" cy="0"/>
-        </a:xfrm>
-      </p:grpSpPr>
-      <p:sp>
-        <p:nvSpPr>
-          <p:cNvPr id="630" name="Google Shape;630;p46:notes"/>
-          <p:cNvSpPr>
-            <a:spLocks noGrp="1" noRot="1" noChangeAspect="1"/>
-          </p:cNvSpPr>
-          <p:nvPr>
-            <p:ph type="sldImg" idx="2"/>
-          </p:nvPr>
-        </p:nvSpPr>
-        <p:spPr>
-          <a:xfrm>
-            <a:off x="2286000" y="514350"/>
-            <a:ext cx="4572000" cy="2571750"/>
-          </a:xfrm>
-          <a:custGeom>
-            <a:avLst/>
-            <a:gdLst/>
-            <a:ahLst/>
-            <a:cxnLst/>
-            <a:rect l="l" t="t" r="r" b="b"/>
-            <a:pathLst>
-              <a:path w="120000" h="120000" extrusionOk="0">
-                <a:moveTo>
-                  <a:pt x="0" y="0"/>
-                </a:moveTo>
-                <a:lnTo>
-                  <a:pt x="120000" y="0"/>
-                </a:lnTo>
-                <a:lnTo>
-                  <a:pt x="120000" y="120000"/>
-                </a:lnTo>
-                <a:lnTo>
-                  <a:pt x="0" y="120000"/>
-                </a:lnTo>
-                <a:close/>
-              </a:path>
-            </a:pathLst>
-          </a:custGeom>
-          <a:noFill/>
-          <a:ln w="12700" cap="flat" cmpd="sng">
-            <a:solidFill>
-              <a:srgbClr val="000000"/>
-            </a:solidFill>
-            <a:prstDash val="solid"/>
-            <a:round/>
-            <a:headEnd type="none" w="sm" len="sm"/>
-            <a:tailEnd type="none" w="sm" len="sm"/>
-          </a:ln>
-        </p:spPr>
-      </p:sp>
-      <p:sp>
-        <p:nvSpPr>
-          <p:cNvPr id="631" name="Google Shape;631;p46:notes"/>
-          <p:cNvSpPr txBox="1">
-            <a:spLocks noGrp="1"/>
-          </p:cNvSpPr>
-          <p:nvPr>
-            <p:ph type="body" idx="1"/>
-          </p:nvPr>
-        </p:nvSpPr>
-        <p:spPr>
-          <a:xfrm>
-            <a:off x="914400" y="3257550"/>
-            <a:ext cx="7315200" cy="3086100"/>
-          </a:xfrm>
-          <a:prstGeom prst="rect">
-            <a:avLst/>
-          </a:prstGeom>
-          <a:noFill/>
-          <a:ln>
-            <a:noFill/>
-          </a:ln>
-        </p:spPr>
-        <p:txBody>
-          <a:bodyPr spcFirstLastPara="1" wrap="square" lIns="91425" tIns="45700" rIns="91425" bIns="45700" anchor="t" anchorCtr="0">
-            <a:normAutofit/>
-          </a:bodyPr>
-          <a:lstStyle/>
-          <a:p>
-            <a:pPr marL="0" lvl="0" indent="0" algn="l" rtl="0">
-              <a:spcBef>
-                <a:spcPts val="0"/>
-              </a:spcBef>
-              <a:spcAft>
-                <a:spcPts val="0"/>
-              </a:spcAft>
-              <a:buNone/>
-            </a:pPr>
-            <a:endParaRPr/>
-          </a:p>
-        </p:txBody>
-      </p:sp>
-      <p:sp>
-        <p:nvSpPr>
-          <p:cNvPr id="632" name="Google Shape;632;p46:notes"/>
-          <p:cNvSpPr txBox="1">
-            <a:spLocks noGrp="1"/>
-          </p:cNvSpPr>
-          <p:nvPr>
-            <p:ph type="sldNum" idx="12"/>
-          </p:nvPr>
-        </p:nvSpPr>
-        <p:spPr>
-          <a:xfrm>
-            <a:off x="5180013" y="6513513"/>
-            <a:ext cx="3962400" cy="342900"/>
-          </a:xfrm>
-          <a:prstGeom prst="rect">
-            <a:avLst/>
-          </a:prstGeom>
-          <a:noFill/>
-          <a:ln>
-            <a:noFill/>
-          </a:ln>
-        </p:spPr>
-        <p:txBody>
-          <a:bodyPr spcFirstLastPara="1" wrap="square" lIns="91425" tIns="45700" rIns="91425" bIns="45700" anchor="b" anchorCtr="0">
-            <a:noAutofit/>
-          </a:bodyPr>
-          <a:lstStyle/>
-          <a:p>
-            <a:pPr marL="0" lvl="0" indent="0" algn="r" rtl="0">
-              <a:spcBef>
-                <a:spcPts val="0"/>
-              </a:spcBef>
-              <a:spcAft>
-                <a:spcPts val="0"/>
-              </a:spcAft>
-              <a:buNone/>
-            </a:pPr>
-            <a:fld id="{00000000-1234-1234-1234-123412341234}" type="slidenum">
-              <a:rPr lang="en-US"/>
-              <a:t>55</a:t>
-            </a:fld>
-            <a:endParaRPr/>
-          </a:p>
-        </p:txBody>
-      </p:sp>
-    </p:spTree>
-  </p:cSld>
-  <p:clrMapOvr>
-    <a:masterClrMapping/>
-  </p:clrMapOvr>
-</p:notes>
-</file>
-
-<file path=ppt/notesSlides/notesSlide55.xml><?xml version="1.0" encoding="utf-8"?>
-<p:notes xmlns:a="http://schemas.openxmlformats.org/drawingml/2006/main" xmlns:r="http://schemas.openxmlformats.org/officeDocument/2006/relationships" xmlns:p="http://schemas.openxmlformats.org/presentationml/2006/main" showMasterSp="0" showMasterPhAnim="0">
-  <p:cSld>
-    <p:spTree>
-      <p:nvGrpSpPr>
-        <p:cNvPr id="1" name="Shape 643"/>
-        <p:cNvGrpSpPr/>
-        <p:nvPr/>
-      </p:nvGrpSpPr>
-      <p:grpSpPr>
-        <a:xfrm>
-          <a:off x="0" y="0"/>
-          <a:ext cx="0" cy="0"/>
-          <a:chOff x="0" y="0"/>
-          <a:chExt cx="0" cy="0"/>
-        </a:xfrm>
-      </p:grpSpPr>
-      <p:sp>
-        <p:nvSpPr>
-          <p:cNvPr id="644" name="Google Shape;644;p48:notes"/>
-          <p:cNvSpPr>
-            <a:spLocks noGrp="1" noRot="1" noChangeAspect="1"/>
-          </p:cNvSpPr>
-          <p:nvPr>
-            <p:ph type="sldImg" idx="2"/>
-          </p:nvPr>
-        </p:nvSpPr>
-        <p:spPr>
-          <a:xfrm>
-            <a:off x="2286000" y="514350"/>
-            <a:ext cx="4572000" cy="2571750"/>
-          </a:xfrm>
-          <a:custGeom>
-            <a:avLst/>
-            <a:gdLst/>
-            <a:ahLst/>
-            <a:cxnLst/>
-            <a:rect l="l" t="t" r="r" b="b"/>
-            <a:pathLst>
-              <a:path w="120000" h="120000" extrusionOk="0">
-                <a:moveTo>
-                  <a:pt x="0" y="0"/>
-                </a:moveTo>
-                <a:lnTo>
-                  <a:pt x="120000" y="0"/>
-                </a:lnTo>
-                <a:lnTo>
-                  <a:pt x="120000" y="120000"/>
-                </a:lnTo>
-                <a:lnTo>
-                  <a:pt x="0" y="120000"/>
-                </a:lnTo>
-                <a:close/>
-              </a:path>
-            </a:pathLst>
-          </a:custGeom>
-          <a:noFill/>
-          <a:ln w="12700" cap="flat" cmpd="sng">
-            <a:solidFill>
-              <a:srgbClr val="000000"/>
-            </a:solidFill>
-            <a:prstDash val="solid"/>
-            <a:round/>
-            <a:headEnd type="none" w="sm" len="sm"/>
-            <a:tailEnd type="none" w="sm" len="sm"/>
-          </a:ln>
-        </p:spPr>
-      </p:sp>
-      <p:sp>
-        <p:nvSpPr>
-          <p:cNvPr id="645" name="Google Shape;645;p48:notes"/>
-          <p:cNvSpPr txBox="1">
-            <a:spLocks noGrp="1"/>
-          </p:cNvSpPr>
-          <p:nvPr>
-            <p:ph type="body" idx="1"/>
-          </p:nvPr>
-        </p:nvSpPr>
-        <p:spPr>
-          <a:xfrm>
-            <a:off x="914400" y="3257550"/>
-            <a:ext cx="7315200" cy="3086100"/>
-          </a:xfrm>
-          <a:prstGeom prst="rect">
-            <a:avLst/>
-          </a:prstGeom>
-          <a:noFill/>
-          <a:ln>
-            <a:noFill/>
-          </a:ln>
-        </p:spPr>
-        <p:txBody>
-          <a:bodyPr spcFirstLastPara="1" wrap="square" lIns="91425" tIns="45700" rIns="91425" bIns="45700" anchor="t" anchorCtr="0">
-            <a:normAutofit/>
-          </a:bodyPr>
-          <a:lstStyle/>
-          <a:p>
-            <a:pPr marL="0" lvl="0" indent="0" algn="l" rtl="0">
-              <a:spcBef>
-                <a:spcPts val="0"/>
-              </a:spcBef>
-              <a:spcAft>
-                <a:spcPts val="0"/>
-              </a:spcAft>
-              <a:buNone/>
-            </a:pPr>
-            <a:endParaRPr/>
-          </a:p>
-        </p:txBody>
-      </p:sp>
-      <p:sp>
-        <p:nvSpPr>
-          <p:cNvPr id="646" name="Google Shape;646;p48:notes"/>
-          <p:cNvSpPr txBox="1">
-            <a:spLocks noGrp="1"/>
-          </p:cNvSpPr>
-          <p:nvPr>
-            <p:ph type="sldNum" idx="12"/>
-          </p:nvPr>
-        </p:nvSpPr>
-        <p:spPr>
-          <a:xfrm>
-            <a:off x="5180013" y="6513513"/>
-            <a:ext cx="3962400" cy="342900"/>
-          </a:xfrm>
-          <a:prstGeom prst="rect">
-            <a:avLst/>
-          </a:prstGeom>
-          <a:noFill/>
-          <a:ln>
-            <a:noFill/>
-          </a:ln>
-        </p:spPr>
-        <p:txBody>
-          <a:bodyPr spcFirstLastPara="1" wrap="square" lIns="91425" tIns="45700" rIns="91425" bIns="45700" anchor="b" anchorCtr="0">
-            <a:noAutofit/>
-          </a:bodyPr>
-          <a:lstStyle/>
-          <a:p>
-            <a:pPr marL="0" lvl="0" indent="0" algn="r" rtl="0">
-              <a:spcBef>
-                <a:spcPts val="0"/>
-              </a:spcBef>
-              <a:spcAft>
-                <a:spcPts val="0"/>
-              </a:spcAft>
-              <a:buNone/>
-            </a:pPr>
-            <a:fld id="{00000000-1234-1234-1234-123412341234}" type="slidenum">
-              <a:rPr lang="en-US"/>
-              <a:t>56</a:t>
-            </a:fld>
-            <a:endParaRPr/>
-          </a:p>
-        </p:txBody>
-      </p:sp>
-    </p:spTree>
-  </p:cSld>
-  <p:clrMapOvr>
-    <a:masterClrMapping/>
-  </p:clrMapOvr>
-</p:notes>
-</file>
-
-<file path=ppt/notesSlides/notesSlide56.xml><?xml version="1.0" encoding="utf-8"?>
-<p:notes xmlns:a="http://schemas.openxmlformats.org/drawingml/2006/main" xmlns:r="http://schemas.openxmlformats.org/officeDocument/2006/relationships" xmlns:p="http://schemas.openxmlformats.org/presentationml/2006/main" showMasterSp="0" showMasterPhAnim="0">
-  <p:cSld>
-    <p:spTree>
-      <p:nvGrpSpPr>
-        <p:cNvPr id="1" name="Shape 650"/>
-        <p:cNvGrpSpPr/>
-        <p:nvPr/>
-      </p:nvGrpSpPr>
-      <p:grpSpPr>
-        <a:xfrm>
-          <a:off x="0" y="0"/>
-          <a:ext cx="0" cy="0"/>
-          <a:chOff x="0" y="0"/>
-          <a:chExt cx="0" cy="0"/>
-        </a:xfrm>
-      </p:grpSpPr>
-      <p:sp>
-        <p:nvSpPr>
-          <p:cNvPr id="651" name="Google Shape;651;p49:notes"/>
-          <p:cNvSpPr>
-            <a:spLocks noGrp="1" noRot="1" noChangeAspect="1"/>
-          </p:cNvSpPr>
-          <p:nvPr>
-            <p:ph type="sldImg" idx="2"/>
-          </p:nvPr>
-        </p:nvSpPr>
-        <p:spPr>
-          <a:xfrm>
-            <a:off x="2286000" y="514350"/>
-            <a:ext cx="4572000" cy="2571750"/>
-          </a:xfrm>
-          <a:custGeom>
-            <a:avLst/>
-            <a:gdLst/>
-            <a:ahLst/>
-            <a:cxnLst/>
-            <a:rect l="l" t="t" r="r" b="b"/>
-            <a:pathLst>
-              <a:path w="120000" h="120000" extrusionOk="0">
-                <a:moveTo>
-                  <a:pt x="0" y="0"/>
-                </a:moveTo>
-                <a:lnTo>
-                  <a:pt x="120000" y="0"/>
-                </a:lnTo>
-                <a:lnTo>
-                  <a:pt x="120000" y="120000"/>
-                </a:lnTo>
-                <a:lnTo>
-                  <a:pt x="0" y="120000"/>
-                </a:lnTo>
-                <a:close/>
-              </a:path>
-            </a:pathLst>
-          </a:custGeom>
-          <a:noFill/>
-          <a:ln w="12700" cap="flat" cmpd="sng">
-            <a:solidFill>
-              <a:srgbClr val="000000"/>
-            </a:solidFill>
-            <a:prstDash val="solid"/>
-            <a:round/>
-            <a:headEnd type="none" w="sm" len="sm"/>
-            <a:tailEnd type="none" w="sm" len="sm"/>
-          </a:ln>
-        </p:spPr>
-      </p:sp>
-      <p:sp>
-        <p:nvSpPr>
-          <p:cNvPr id="652" name="Google Shape;652;p49:notes"/>
-          <p:cNvSpPr txBox="1">
-            <a:spLocks noGrp="1"/>
-          </p:cNvSpPr>
-          <p:nvPr>
-            <p:ph type="body" idx="1"/>
-          </p:nvPr>
-        </p:nvSpPr>
-        <p:spPr>
-          <a:xfrm>
-            <a:off x="914400" y="3257550"/>
-            <a:ext cx="7315200" cy="3086100"/>
-          </a:xfrm>
-          <a:prstGeom prst="rect">
-            <a:avLst/>
-          </a:prstGeom>
-          <a:noFill/>
-          <a:ln>
-            <a:noFill/>
-          </a:ln>
-        </p:spPr>
-        <p:txBody>
-          <a:bodyPr spcFirstLastPara="1" wrap="square" lIns="91425" tIns="45700" rIns="91425" bIns="45700" anchor="t" anchorCtr="0">
-            <a:normAutofit/>
-          </a:bodyPr>
-          <a:lstStyle/>
-          <a:p>
-            <a:pPr marL="0" lvl="0" indent="0" algn="l" rtl="0">
-              <a:spcBef>
-                <a:spcPts val="0"/>
-              </a:spcBef>
-              <a:spcAft>
-                <a:spcPts val="0"/>
-              </a:spcAft>
-              <a:buNone/>
-            </a:pPr>
-            <a:endParaRPr/>
-          </a:p>
-        </p:txBody>
-      </p:sp>
-      <p:sp>
-        <p:nvSpPr>
-          <p:cNvPr id="653" name="Google Shape;653;p49:notes"/>
-          <p:cNvSpPr txBox="1">
-            <a:spLocks noGrp="1"/>
-          </p:cNvSpPr>
-          <p:nvPr>
-            <p:ph type="sldNum" idx="12"/>
-          </p:nvPr>
-        </p:nvSpPr>
-        <p:spPr>
-          <a:xfrm>
-            <a:off x="5180013" y="6513513"/>
-            <a:ext cx="3962400" cy="342900"/>
-          </a:xfrm>
-          <a:prstGeom prst="rect">
-            <a:avLst/>
-          </a:prstGeom>
-          <a:noFill/>
-          <a:ln>
-            <a:noFill/>
-          </a:ln>
-        </p:spPr>
-        <p:txBody>
-          <a:bodyPr spcFirstLastPara="1" wrap="square" lIns="91425" tIns="45700" rIns="91425" bIns="45700" anchor="b" anchorCtr="0">
-            <a:noAutofit/>
-          </a:bodyPr>
-          <a:lstStyle/>
-          <a:p>
-            <a:pPr marL="0" lvl="0" indent="0" algn="r" rtl="0">
-              <a:spcBef>
-                <a:spcPts val="0"/>
-              </a:spcBef>
-              <a:spcAft>
-                <a:spcPts val="0"/>
-              </a:spcAft>
-              <a:buNone/>
-            </a:pPr>
-            <a:fld id="{00000000-1234-1234-1234-123412341234}" type="slidenum">
-              <a:rPr lang="en-US"/>
-              <a:t>57</a:t>
-            </a:fld>
-            <a:endParaRPr/>
-          </a:p>
-        </p:txBody>
-      </p:sp>
-    </p:spTree>
-  </p:cSld>
-  <p:clrMapOvr>
-    <a:masterClrMapping/>
-  </p:clrMapOvr>
-</p:notes>
-</file>
-
-<file path=ppt/notesSlides/notesSlide57.xml><?xml version="1.0" encoding="utf-8"?>
-<p:notes xmlns:a="http://schemas.openxmlformats.org/drawingml/2006/main" xmlns:r="http://schemas.openxmlformats.org/officeDocument/2006/relationships" xmlns:p="http://schemas.openxmlformats.org/presentationml/2006/main" showMasterSp="0" showMasterPhAnim="0">
-  <p:cSld>
-    <p:spTree>
-      <p:nvGrpSpPr>
-        <p:cNvPr id="1" name="Shape 636"/>
-        <p:cNvGrpSpPr/>
-        <p:nvPr/>
-      </p:nvGrpSpPr>
-      <p:grpSpPr>
-        <a:xfrm>
-          <a:off x="0" y="0"/>
-          <a:ext cx="0" cy="0"/>
-          <a:chOff x="0" y="0"/>
-          <a:chExt cx="0" cy="0"/>
-        </a:xfrm>
-      </p:grpSpPr>
-      <p:sp>
-        <p:nvSpPr>
-          <p:cNvPr id="637" name="Google Shape;637;p47:notes"/>
-          <p:cNvSpPr>
-            <a:spLocks noGrp="1" noRot="1" noChangeAspect="1"/>
-          </p:cNvSpPr>
-          <p:nvPr>
-            <p:ph type="sldImg" idx="2"/>
-          </p:nvPr>
-        </p:nvSpPr>
-        <p:spPr>
-          <a:xfrm>
-            <a:off x="2286000" y="514350"/>
-            <a:ext cx="4572000" cy="2571750"/>
-          </a:xfrm>
-          <a:custGeom>
-            <a:avLst/>
-            <a:gdLst/>
-            <a:ahLst/>
-            <a:cxnLst/>
-            <a:rect l="l" t="t" r="r" b="b"/>
-            <a:pathLst>
-              <a:path w="120000" h="120000" extrusionOk="0">
-                <a:moveTo>
-                  <a:pt x="0" y="0"/>
-                </a:moveTo>
-                <a:lnTo>
-                  <a:pt x="120000" y="0"/>
-                </a:lnTo>
-                <a:lnTo>
-                  <a:pt x="120000" y="120000"/>
-                </a:lnTo>
-                <a:lnTo>
-                  <a:pt x="0" y="120000"/>
-                </a:lnTo>
-                <a:close/>
-              </a:path>
-            </a:pathLst>
-          </a:custGeom>
-          <a:noFill/>
-          <a:ln w="12700" cap="flat" cmpd="sng">
-            <a:solidFill>
-              <a:srgbClr val="000000"/>
-            </a:solidFill>
-            <a:prstDash val="solid"/>
-            <a:round/>
-            <a:headEnd type="none" w="sm" len="sm"/>
-            <a:tailEnd type="none" w="sm" len="sm"/>
-          </a:ln>
-        </p:spPr>
-      </p:sp>
-      <p:sp>
-        <p:nvSpPr>
-          <p:cNvPr id="638" name="Google Shape;638;p47:notes"/>
-          <p:cNvSpPr txBox="1">
-            <a:spLocks noGrp="1"/>
-          </p:cNvSpPr>
-          <p:nvPr>
-            <p:ph type="body" idx="1"/>
-          </p:nvPr>
-        </p:nvSpPr>
-        <p:spPr>
-          <a:xfrm>
-            <a:off x="914400" y="3257550"/>
-            <a:ext cx="7315200" cy="3086100"/>
-          </a:xfrm>
-          <a:prstGeom prst="rect">
-            <a:avLst/>
-          </a:prstGeom>
-          <a:noFill/>
-          <a:ln>
-            <a:noFill/>
-          </a:ln>
-        </p:spPr>
-        <p:txBody>
-          <a:bodyPr spcFirstLastPara="1" wrap="square" lIns="91425" tIns="45700" rIns="91425" bIns="45700" anchor="t" anchorCtr="0">
-            <a:normAutofit/>
-          </a:bodyPr>
-          <a:lstStyle/>
-          <a:p>
-            <a:pPr marL="0" lvl="0" indent="0" algn="l" rtl="0">
-              <a:spcBef>
-                <a:spcPts val="0"/>
-              </a:spcBef>
-              <a:spcAft>
-                <a:spcPts val="0"/>
-              </a:spcAft>
-              <a:buNone/>
-            </a:pPr>
-            <a:endParaRPr/>
-          </a:p>
-        </p:txBody>
-      </p:sp>
-      <p:sp>
-        <p:nvSpPr>
-          <p:cNvPr id="639" name="Google Shape;639;p47:notes"/>
-          <p:cNvSpPr txBox="1">
-            <a:spLocks noGrp="1"/>
-          </p:cNvSpPr>
-          <p:nvPr>
-            <p:ph type="sldNum" idx="12"/>
-          </p:nvPr>
-        </p:nvSpPr>
-        <p:spPr>
-          <a:xfrm>
-            <a:off x="5180013" y="6513513"/>
-            <a:ext cx="3962400" cy="342900"/>
-          </a:xfrm>
-          <a:prstGeom prst="rect">
-            <a:avLst/>
-          </a:prstGeom>
-          <a:noFill/>
-          <a:ln>
-            <a:noFill/>
-          </a:ln>
-        </p:spPr>
-        <p:txBody>
-          <a:bodyPr spcFirstLastPara="1" wrap="square" lIns="91425" tIns="45700" rIns="91425" bIns="45700" anchor="b" anchorCtr="0">
-            <a:noAutofit/>
-          </a:bodyPr>
-          <a:lstStyle/>
-          <a:p>
-            <a:pPr marL="0" lvl="0" indent="0" algn="r" rtl="0">
-              <a:spcBef>
-                <a:spcPts val="0"/>
-              </a:spcBef>
-              <a:spcAft>
-                <a:spcPts val="0"/>
-              </a:spcAft>
-              <a:buNone/>
-            </a:pPr>
-            <a:fld id="{00000000-1234-1234-1234-123412341234}" type="slidenum">
-              <a:rPr lang="en-US"/>
-              <a:t>58</a:t>
-            </a:fld>
-            <a:endParaRPr/>
-          </a:p>
-        </p:txBody>
-      </p:sp>
-    </p:spTree>
-  </p:cSld>
-  <p:clrMapOvr>
-    <a:masterClrMapping/>
-  </p:clrMapOvr>
-</p:notes>
-</file>
-
-<file path=ppt/notesSlides/notesSlide58.xml><?xml version="1.0" encoding="utf-8"?>
-<p:notes xmlns:a="http://schemas.openxmlformats.org/drawingml/2006/main" xmlns:r="http://schemas.openxmlformats.org/officeDocument/2006/relationships" xmlns:p="http://schemas.openxmlformats.org/presentationml/2006/main" showMasterSp="0" showMasterPhAnim="0">
-  <p:cSld>
-    <p:spTree>
-      <p:nvGrpSpPr>
-        <p:cNvPr id="1" name="Shape 657"/>
-        <p:cNvGrpSpPr/>
-        <p:nvPr/>
-      </p:nvGrpSpPr>
-      <p:grpSpPr>
-        <a:xfrm>
-          <a:off x="0" y="0"/>
-          <a:ext cx="0" cy="0"/>
-          <a:chOff x="0" y="0"/>
-          <a:chExt cx="0" cy="0"/>
-        </a:xfrm>
-      </p:grpSpPr>
-      <p:sp>
-        <p:nvSpPr>
-          <p:cNvPr id="658" name="Google Shape;658;p50:notes"/>
-          <p:cNvSpPr>
-            <a:spLocks noGrp="1" noRot="1" noChangeAspect="1"/>
-          </p:cNvSpPr>
-          <p:nvPr>
-            <p:ph type="sldImg" idx="2"/>
-          </p:nvPr>
-        </p:nvSpPr>
-        <p:spPr>
-          <a:xfrm>
-            <a:off x="2286000" y="514350"/>
-            <a:ext cx="4572000" cy="2571750"/>
-          </a:xfrm>
-          <a:custGeom>
-            <a:avLst/>
-            <a:gdLst/>
-            <a:ahLst/>
-            <a:cxnLst/>
-            <a:rect l="l" t="t" r="r" b="b"/>
-            <a:pathLst>
-              <a:path w="120000" h="120000" extrusionOk="0">
-                <a:moveTo>
-                  <a:pt x="0" y="0"/>
-                </a:moveTo>
-                <a:lnTo>
-                  <a:pt x="120000" y="0"/>
-                </a:lnTo>
-                <a:lnTo>
-                  <a:pt x="120000" y="120000"/>
-                </a:lnTo>
-                <a:lnTo>
-                  <a:pt x="0" y="120000"/>
-                </a:lnTo>
-                <a:close/>
-              </a:path>
-            </a:pathLst>
-          </a:custGeom>
-          <a:noFill/>
-          <a:ln w="12700" cap="flat" cmpd="sng">
-            <a:solidFill>
-              <a:srgbClr val="000000"/>
-            </a:solidFill>
-            <a:prstDash val="solid"/>
-            <a:round/>
-            <a:headEnd type="none" w="sm" len="sm"/>
-            <a:tailEnd type="none" w="sm" len="sm"/>
-          </a:ln>
-        </p:spPr>
-      </p:sp>
-      <p:sp>
-        <p:nvSpPr>
-          <p:cNvPr id="659" name="Google Shape;659;p50:notes"/>
-          <p:cNvSpPr txBox="1">
-            <a:spLocks noGrp="1"/>
-          </p:cNvSpPr>
-          <p:nvPr>
-            <p:ph type="body" idx="1"/>
-          </p:nvPr>
-        </p:nvSpPr>
-        <p:spPr>
-          <a:xfrm>
-            <a:off x="914400" y="3257550"/>
-            <a:ext cx="7315200" cy="3086100"/>
-          </a:xfrm>
-          <a:prstGeom prst="rect">
-            <a:avLst/>
-          </a:prstGeom>
-          <a:noFill/>
-          <a:ln>
-            <a:noFill/>
-          </a:ln>
-        </p:spPr>
-        <p:txBody>
-          <a:bodyPr spcFirstLastPara="1" wrap="square" lIns="91425" tIns="45700" rIns="91425" bIns="45700" anchor="t" anchorCtr="0">
-            <a:normAutofit/>
-          </a:bodyPr>
-          <a:lstStyle/>
-          <a:p>
-            <a:pPr marL="0" lvl="0" indent="0" algn="l" rtl="0">
-              <a:spcBef>
-                <a:spcPts val="0"/>
-              </a:spcBef>
-              <a:spcAft>
-                <a:spcPts val="0"/>
-              </a:spcAft>
-              <a:buNone/>
-            </a:pPr>
-            <a:endParaRPr/>
-          </a:p>
-        </p:txBody>
-      </p:sp>
-      <p:sp>
-        <p:nvSpPr>
-          <p:cNvPr id="660" name="Google Shape;660;p50:notes"/>
-          <p:cNvSpPr txBox="1">
-            <a:spLocks noGrp="1"/>
-          </p:cNvSpPr>
-          <p:nvPr>
-            <p:ph type="sldNum" idx="12"/>
-          </p:nvPr>
-        </p:nvSpPr>
-        <p:spPr>
-          <a:xfrm>
-            <a:off x="5180013" y="6513513"/>
-            <a:ext cx="3962400" cy="342900"/>
-          </a:xfrm>
-          <a:prstGeom prst="rect">
-            <a:avLst/>
-          </a:prstGeom>
-          <a:noFill/>
-          <a:ln>
-            <a:noFill/>
-          </a:ln>
-        </p:spPr>
-        <p:txBody>
-          <a:bodyPr spcFirstLastPara="1" wrap="square" lIns="91425" tIns="45700" rIns="91425" bIns="45700" anchor="b" anchorCtr="0">
-            <a:noAutofit/>
-          </a:bodyPr>
-          <a:lstStyle/>
-          <a:p>
-            <a:pPr marL="0" lvl="0" indent="0" algn="r" rtl="0">
-              <a:spcBef>
-                <a:spcPts val="0"/>
-              </a:spcBef>
-              <a:spcAft>
-                <a:spcPts val="0"/>
-              </a:spcAft>
-              <a:buNone/>
-            </a:pPr>
-            <a:fld id="{00000000-1234-1234-1234-123412341234}" type="slidenum">
-              <a:rPr lang="en-US"/>
-              <a:t>59</a:t>
-            </a:fld>
-            <a:endParaRPr/>
-          </a:p>
-        </p:txBody>
-      </p:sp>
-    </p:spTree>
-  </p:cSld>
-  <p:clrMapOvr>
-    <a:masterClrMapping/>
-  </p:clrMapOvr>
-</p:notes>
-</file>
-
-<file path=ppt/notesSlides/notesSlide59.xml><?xml version="1.0" encoding="utf-8"?>
-<p:notes xmlns:a="http://schemas.openxmlformats.org/drawingml/2006/main" xmlns:r="http://schemas.openxmlformats.org/officeDocument/2006/relationships" xmlns:p="http://schemas.openxmlformats.org/presentationml/2006/main" showMasterSp="0" showMasterPhAnim="0">
-  <p:cSld>
-    <p:spTree>
-      <p:nvGrpSpPr>
-        <p:cNvPr id="1" name="Shape 664"/>
-        <p:cNvGrpSpPr/>
-        <p:nvPr/>
-      </p:nvGrpSpPr>
-      <p:grpSpPr>
-        <a:xfrm>
-          <a:off x="0" y="0"/>
-          <a:ext cx="0" cy="0"/>
-          <a:chOff x="0" y="0"/>
-          <a:chExt cx="0" cy="0"/>
-        </a:xfrm>
-      </p:grpSpPr>
-      <p:sp>
-        <p:nvSpPr>
-          <p:cNvPr id="665" name="Google Shape;665;p51:notes"/>
-          <p:cNvSpPr>
-            <a:spLocks noGrp="1" noRot="1" noChangeAspect="1"/>
-          </p:cNvSpPr>
-          <p:nvPr>
-            <p:ph type="sldImg" idx="2"/>
-          </p:nvPr>
-        </p:nvSpPr>
-        <p:spPr>
-          <a:xfrm>
-            <a:off x="2286000" y="514350"/>
-            <a:ext cx="4572000" cy="2571750"/>
-          </a:xfrm>
-          <a:custGeom>
-            <a:avLst/>
-            <a:gdLst/>
-            <a:ahLst/>
-            <a:cxnLst/>
-            <a:rect l="l" t="t" r="r" b="b"/>
-            <a:pathLst>
-              <a:path w="120000" h="120000" extrusionOk="0">
-                <a:moveTo>
-                  <a:pt x="0" y="0"/>
-                </a:moveTo>
-                <a:lnTo>
-                  <a:pt x="120000" y="0"/>
-                </a:lnTo>
-                <a:lnTo>
-                  <a:pt x="120000" y="120000"/>
-                </a:lnTo>
-                <a:lnTo>
-                  <a:pt x="0" y="120000"/>
-                </a:lnTo>
-                <a:close/>
-              </a:path>
-            </a:pathLst>
-          </a:custGeom>
-          <a:noFill/>
-          <a:ln w="12700" cap="flat" cmpd="sng">
-            <a:solidFill>
-              <a:srgbClr val="000000"/>
-            </a:solidFill>
-            <a:prstDash val="solid"/>
-            <a:round/>
-            <a:headEnd type="none" w="sm" len="sm"/>
-            <a:tailEnd type="none" w="sm" len="sm"/>
-          </a:ln>
-        </p:spPr>
-      </p:sp>
-      <p:sp>
-        <p:nvSpPr>
-          <p:cNvPr id="666" name="Google Shape;666;p51:notes"/>
-          <p:cNvSpPr txBox="1">
-            <a:spLocks noGrp="1"/>
-          </p:cNvSpPr>
-          <p:nvPr>
-            <p:ph type="body" idx="1"/>
-          </p:nvPr>
-        </p:nvSpPr>
-        <p:spPr>
-          <a:xfrm>
-            <a:off x="914400" y="3257550"/>
-            <a:ext cx="7315200" cy="3086100"/>
-          </a:xfrm>
-          <a:prstGeom prst="rect">
-            <a:avLst/>
-          </a:prstGeom>
-          <a:noFill/>
-          <a:ln>
-            <a:noFill/>
-          </a:ln>
-        </p:spPr>
-        <p:txBody>
-          <a:bodyPr spcFirstLastPara="1" wrap="square" lIns="91425" tIns="45700" rIns="91425" bIns="45700" anchor="t" anchorCtr="0">
-            <a:normAutofit/>
-          </a:bodyPr>
-          <a:lstStyle/>
-          <a:p>
-            <a:pPr marL="0" lvl="0" indent="0" algn="l" rtl="0">
-              <a:spcBef>
-                <a:spcPts val="0"/>
-              </a:spcBef>
-              <a:spcAft>
-                <a:spcPts val="0"/>
-              </a:spcAft>
-              <a:buNone/>
-            </a:pPr>
-            <a:endParaRPr/>
-          </a:p>
-        </p:txBody>
-      </p:sp>
-      <p:sp>
-        <p:nvSpPr>
-          <p:cNvPr id="667" name="Google Shape;667;p51:notes"/>
-          <p:cNvSpPr txBox="1">
-            <a:spLocks noGrp="1"/>
-          </p:cNvSpPr>
-          <p:nvPr>
-            <p:ph type="sldNum" idx="12"/>
-          </p:nvPr>
-        </p:nvSpPr>
-        <p:spPr>
-          <a:xfrm>
-            <a:off x="5180013" y="6513513"/>
-            <a:ext cx="3962400" cy="342900"/>
-          </a:xfrm>
-          <a:prstGeom prst="rect">
-            <a:avLst/>
-          </a:prstGeom>
-          <a:noFill/>
-          <a:ln>
-            <a:noFill/>
-          </a:ln>
-        </p:spPr>
-        <p:txBody>
-          <a:bodyPr spcFirstLastPara="1" wrap="square" lIns="91425" tIns="45700" rIns="91425" bIns="45700" anchor="b" anchorCtr="0">
-            <a:noAutofit/>
-          </a:bodyPr>
-          <a:lstStyle/>
-          <a:p>
-            <a:pPr marL="0" lvl="0" indent="0" algn="r" rtl="0">
-              <a:spcBef>
-                <a:spcPts val="0"/>
-              </a:spcBef>
-              <a:spcAft>
-                <a:spcPts val="0"/>
-              </a:spcAft>
-              <a:buNone/>
-            </a:pPr>
-            <a:fld id="{00000000-1234-1234-1234-123412341234}" type="slidenum">
-              <a:rPr lang="en-US"/>
-              <a:t>60</a:t>
-            </a:fld>
-            <a:endParaRPr/>
-          </a:p>
-        </p:txBody>
       </p:sp>
     </p:spTree>
   </p:cSld>
@@ -7138,591 +4988,6 @@
         </p:spPr>
       </p:sp>
     </p:spTree>
-  </p:cSld>
-  <p:clrMapOvr>
-    <a:masterClrMapping/>
-  </p:clrMapOvr>
-</p:notes>
-</file>
-
-<file path=ppt/notesSlides/notesSlide60.xml><?xml version="1.0" encoding="utf-8"?>
-<p:notes xmlns:a="http://schemas.openxmlformats.org/drawingml/2006/main" xmlns:r="http://schemas.openxmlformats.org/officeDocument/2006/relationships" xmlns:p="http://schemas.openxmlformats.org/presentationml/2006/main" showMasterSp="0" showMasterPhAnim="0">
-  <p:cSld>
-    <p:spTree>
-      <p:nvGrpSpPr>
-        <p:cNvPr id="1" name="Shape 671"/>
-        <p:cNvGrpSpPr/>
-        <p:nvPr/>
-      </p:nvGrpSpPr>
-      <p:grpSpPr>
-        <a:xfrm>
-          <a:off x="0" y="0"/>
-          <a:ext cx="0" cy="0"/>
-          <a:chOff x="0" y="0"/>
-          <a:chExt cx="0" cy="0"/>
-        </a:xfrm>
-      </p:grpSpPr>
-      <p:sp>
-        <p:nvSpPr>
-          <p:cNvPr id="672" name="Google Shape;672;p52:notes"/>
-          <p:cNvSpPr>
-            <a:spLocks noGrp="1" noRot="1" noChangeAspect="1"/>
-          </p:cNvSpPr>
-          <p:nvPr>
-            <p:ph type="sldImg" idx="2"/>
-          </p:nvPr>
-        </p:nvSpPr>
-        <p:spPr>
-          <a:xfrm>
-            <a:off x="2286000" y="514350"/>
-            <a:ext cx="4572000" cy="2571750"/>
-          </a:xfrm>
-          <a:custGeom>
-            <a:avLst/>
-            <a:gdLst/>
-            <a:ahLst/>
-            <a:cxnLst/>
-            <a:rect l="l" t="t" r="r" b="b"/>
-            <a:pathLst>
-              <a:path w="120000" h="120000" extrusionOk="0">
-                <a:moveTo>
-                  <a:pt x="0" y="0"/>
-                </a:moveTo>
-                <a:lnTo>
-                  <a:pt x="120000" y="0"/>
-                </a:lnTo>
-                <a:lnTo>
-                  <a:pt x="120000" y="120000"/>
-                </a:lnTo>
-                <a:lnTo>
-                  <a:pt x="0" y="120000"/>
-                </a:lnTo>
-                <a:close/>
-              </a:path>
-            </a:pathLst>
-          </a:custGeom>
-          <a:noFill/>
-          <a:ln w="12700" cap="flat" cmpd="sng">
-            <a:solidFill>
-              <a:srgbClr val="000000"/>
-            </a:solidFill>
-            <a:prstDash val="solid"/>
-            <a:round/>
-            <a:headEnd type="none" w="sm" len="sm"/>
-            <a:tailEnd type="none" w="sm" len="sm"/>
-          </a:ln>
-        </p:spPr>
-      </p:sp>
-      <p:sp>
-        <p:nvSpPr>
-          <p:cNvPr id="673" name="Google Shape;673;p52:notes"/>
-          <p:cNvSpPr txBox="1">
-            <a:spLocks noGrp="1"/>
-          </p:cNvSpPr>
-          <p:nvPr>
-            <p:ph type="body" idx="1"/>
-          </p:nvPr>
-        </p:nvSpPr>
-        <p:spPr>
-          <a:xfrm>
-            <a:off x="914400" y="3257550"/>
-            <a:ext cx="7315200" cy="3086100"/>
-          </a:xfrm>
-          <a:prstGeom prst="rect">
-            <a:avLst/>
-          </a:prstGeom>
-          <a:noFill/>
-          <a:ln>
-            <a:noFill/>
-          </a:ln>
-        </p:spPr>
-        <p:txBody>
-          <a:bodyPr spcFirstLastPara="1" wrap="square" lIns="91425" tIns="45700" rIns="91425" bIns="45700" anchor="t" anchorCtr="0">
-            <a:normAutofit/>
-          </a:bodyPr>
-          <a:lstStyle/>
-          <a:p>
-            <a:pPr marL="0" lvl="0" indent="0" algn="l" rtl="0">
-              <a:spcBef>
-                <a:spcPts val="0"/>
-              </a:spcBef>
-              <a:spcAft>
-                <a:spcPts val="0"/>
-              </a:spcAft>
-              <a:buNone/>
-            </a:pPr>
-            <a:endParaRPr/>
-          </a:p>
-        </p:txBody>
-      </p:sp>
-      <p:sp>
-        <p:nvSpPr>
-          <p:cNvPr id="674" name="Google Shape;674;p52:notes"/>
-          <p:cNvSpPr txBox="1">
-            <a:spLocks noGrp="1"/>
-          </p:cNvSpPr>
-          <p:nvPr>
-            <p:ph type="sldNum" idx="12"/>
-          </p:nvPr>
-        </p:nvSpPr>
-        <p:spPr>
-          <a:xfrm>
-            <a:off x="5180013" y="6513513"/>
-            <a:ext cx="3962400" cy="342900"/>
-          </a:xfrm>
-          <a:prstGeom prst="rect">
-            <a:avLst/>
-          </a:prstGeom>
-          <a:noFill/>
-          <a:ln>
-            <a:noFill/>
-          </a:ln>
-        </p:spPr>
-        <p:txBody>
-          <a:bodyPr spcFirstLastPara="1" wrap="square" lIns="91425" tIns="45700" rIns="91425" bIns="45700" anchor="b" anchorCtr="0">
-            <a:noAutofit/>
-          </a:bodyPr>
-          <a:lstStyle/>
-          <a:p>
-            <a:pPr marL="0" lvl="0" indent="0" algn="r" rtl="0">
-              <a:spcBef>
-                <a:spcPts val="0"/>
-              </a:spcBef>
-              <a:spcAft>
-                <a:spcPts val="0"/>
-              </a:spcAft>
-              <a:buNone/>
-            </a:pPr>
-            <a:fld id="{00000000-1234-1234-1234-123412341234}" type="slidenum">
-              <a:rPr lang="en-US"/>
-              <a:t>61</a:t>
-            </a:fld>
-            <a:endParaRPr/>
-          </a:p>
-        </p:txBody>
-      </p:sp>
-    </p:spTree>
-  </p:cSld>
-  <p:clrMapOvr>
-    <a:masterClrMapping/>
-  </p:clrMapOvr>
-</p:notes>
-</file>
-
-<file path=ppt/notesSlides/notesSlide61.xml><?xml version="1.0" encoding="utf-8"?>
-<p:notes xmlns:a="http://schemas.openxmlformats.org/drawingml/2006/main" xmlns:r="http://schemas.openxmlformats.org/officeDocument/2006/relationships" xmlns:p="http://schemas.openxmlformats.org/presentationml/2006/main" showMasterSp="0" showMasterPhAnim="0">
-  <p:cSld>
-    <p:spTree>
-      <p:nvGrpSpPr>
-        <p:cNvPr id="1" name="Shape 678"/>
-        <p:cNvGrpSpPr/>
-        <p:nvPr/>
-      </p:nvGrpSpPr>
-      <p:grpSpPr>
-        <a:xfrm>
-          <a:off x="0" y="0"/>
-          <a:ext cx="0" cy="0"/>
-          <a:chOff x="0" y="0"/>
-          <a:chExt cx="0" cy="0"/>
-        </a:xfrm>
-      </p:grpSpPr>
-      <p:sp>
-        <p:nvSpPr>
-          <p:cNvPr id="679" name="Google Shape;679;p53:notes"/>
-          <p:cNvSpPr txBox="1">
-            <a:spLocks noGrp="1"/>
-          </p:cNvSpPr>
-          <p:nvPr>
-            <p:ph type="body" idx="1"/>
-          </p:nvPr>
-        </p:nvSpPr>
-        <p:spPr>
-          <a:xfrm>
-            <a:off x="914400" y="3257550"/>
-            <a:ext cx="7315200" cy="3086100"/>
-          </a:xfrm>
-          <a:prstGeom prst="rect">
-            <a:avLst/>
-          </a:prstGeom>
-        </p:spPr>
-        <p:txBody>
-          <a:bodyPr spcFirstLastPara="1" wrap="square" lIns="91425" tIns="45700" rIns="91425" bIns="45700" anchor="t" anchorCtr="0">
-            <a:noAutofit/>
-          </a:bodyPr>
-          <a:lstStyle/>
-          <a:p>
-            <a:pPr marL="0" lvl="0" indent="0" algn="l" rtl="0">
-              <a:spcBef>
-                <a:spcPts val="0"/>
-              </a:spcBef>
-              <a:spcAft>
-                <a:spcPts val="0"/>
-              </a:spcAft>
-              <a:buNone/>
-            </a:pPr>
-            <a:endParaRPr/>
-          </a:p>
-        </p:txBody>
-      </p:sp>
-      <p:sp>
-        <p:nvSpPr>
-          <p:cNvPr id="680" name="Google Shape;680;p53:notes"/>
-          <p:cNvSpPr>
-            <a:spLocks noGrp="1" noRot="1" noChangeAspect="1"/>
-          </p:cNvSpPr>
-          <p:nvPr>
-            <p:ph type="sldImg" idx="2"/>
-          </p:nvPr>
-        </p:nvSpPr>
-        <p:spPr>
-          <a:xfrm>
-            <a:off x="2286000" y="514350"/>
-            <a:ext cx="4572000" cy="2571750"/>
-          </a:xfrm>
-          <a:custGeom>
-            <a:avLst/>
-            <a:gdLst/>
-            <a:ahLst/>
-            <a:cxnLst/>
-            <a:rect l="l" t="t" r="r" b="b"/>
-            <a:pathLst>
-              <a:path w="120000" h="120000" extrusionOk="0">
-                <a:moveTo>
-                  <a:pt x="0" y="0"/>
-                </a:moveTo>
-                <a:lnTo>
-                  <a:pt x="120000" y="0"/>
-                </a:lnTo>
-                <a:lnTo>
-                  <a:pt x="120000" y="120000"/>
-                </a:lnTo>
-                <a:lnTo>
-                  <a:pt x="0" y="120000"/>
-                </a:lnTo>
-                <a:close/>
-              </a:path>
-            </a:pathLst>
-          </a:custGeom>
-        </p:spPr>
-      </p:sp>
-    </p:spTree>
-  </p:cSld>
-  <p:clrMapOvr>
-    <a:masterClrMapping/>
-  </p:clrMapOvr>
-</p:notes>
-</file>
-
-<file path=ppt/notesSlides/notesSlide62.xml><?xml version="1.0" encoding="utf-8"?>
-<p:notes xmlns:a="http://schemas.openxmlformats.org/drawingml/2006/main" xmlns:r="http://schemas.openxmlformats.org/officeDocument/2006/relationships" xmlns:p="http://schemas.openxmlformats.org/presentationml/2006/main" showMasterSp="0" showMasterPhAnim="0">
-  <p:cSld>
-    <p:spTree>
-      <p:nvGrpSpPr>
-        <p:cNvPr id="1" name="Shape 684"/>
-        <p:cNvGrpSpPr/>
-        <p:nvPr/>
-      </p:nvGrpSpPr>
-      <p:grpSpPr>
-        <a:xfrm>
-          <a:off x="0" y="0"/>
-          <a:ext cx="0" cy="0"/>
-          <a:chOff x="0" y="0"/>
-          <a:chExt cx="0" cy="0"/>
-        </a:xfrm>
-      </p:grpSpPr>
-      <p:sp>
-        <p:nvSpPr>
-          <p:cNvPr id="685" name="Google Shape;685;p54:notes"/>
-          <p:cNvSpPr txBox="1">
-            <a:spLocks noGrp="1"/>
-          </p:cNvSpPr>
-          <p:nvPr>
-            <p:ph type="body" idx="1"/>
-          </p:nvPr>
-        </p:nvSpPr>
-        <p:spPr>
-          <a:xfrm>
-            <a:off x="914400" y="3257550"/>
-            <a:ext cx="7315200" cy="3086100"/>
-          </a:xfrm>
-          <a:prstGeom prst="rect">
-            <a:avLst/>
-          </a:prstGeom>
-        </p:spPr>
-        <p:txBody>
-          <a:bodyPr spcFirstLastPara="1" wrap="square" lIns="91425" tIns="45700" rIns="91425" bIns="45700" anchor="t" anchorCtr="0">
-            <a:noAutofit/>
-          </a:bodyPr>
-          <a:lstStyle/>
-          <a:p>
-            <a:pPr marL="0" lvl="0" indent="0" algn="l" rtl="0">
-              <a:spcBef>
-                <a:spcPts val="0"/>
-              </a:spcBef>
-              <a:spcAft>
-                <a:spcPts val="0"/>
-              </a:spcAft>
-              <a:buNone/>
-            </a:pPr>
-            <a:endParaRPr/>
-          </a:p>
-        </p:txBody>
-      </p:sp>
-      <p:sp>
-        <p:nvSpPr>
-          <p:cNvPr id="686" name="Google Shape;686;p54:notes"/>
-          <p:cNvSpPr>
-            <a:spLocks noGrp="1" noRot="1" noChangeAspect="1"/>
-          </p:cNvSpPr>
-          <p:nvPr>
-            <p:ph type="sldImg" idx="2"/>
-          </p:nvPr>
-        </p:nvSpPr>
-        <p:spPr>
-          <a:xfrm>
-            <a:off x="2286000" y="514350"/>
-            <a:ext cx="4572000" cy="2571750"/>
-          </a:xfrm>
-          <a:custGeom>
-            <a:avLst/>
-            <a:gdLst/>
-            <a:ahLst/>
-            <a:cxnLst/>
-            <a:rect l="l" t="t" r="r" b="b"/>
-            <a:pathLst>
-              <a:path w="120000" h="120000" extrusionOk="0">
-                <a:moveTo>
-                  <a:pt x="0" y="0"/>
-                </a:moveTo>
-                <a:lnTo>
-                  <a:pt x="120000" y="0"/>
-                </a:lnTo>
-                <a:lnTo>
-                  <a:pt x="120000" y="120000"/>
-                </a:lnTo>
-                <a:lnTo>
-                  <a:pt x="0" y="120000"/>
-                </a:lnTo>
-                <a:close/>
-              </a:path>
-            </a:pathLst>
-          </a:custGeom>
-        </p:spPr>
-      </p:sp>
-    </p:spTree>
-  </p:cSld>
-  <p:clrMapOvr>
-    <a:masterClrMapping/>
-  </p:clrMapOvr>
-</p:notes>
-</file>
-
-<file path=ppt/notesSlides/notesSlide63.xml><?xml version="1.0" encoding="utf-8"?>
-<p:notes xmlns:a="http://schemas.openxmlformats.org/drawingml/2006/main" xmlns:r="http://schemas.openxmlformats.org/officeDocument/2006/relationships" xmlns:p="http://schemas.openxmlformats.org/presentationml/2006/main" showMasterSp="0" showMasterPhAnim="0">
-  <p:cSld>
-    <p:spTree>
-      <p:nvGrpSpPr>
-        <p:cNvPr id="1" name="Shape 690"/>
-        <p:cNvGrpSpPr/>
-        <p:nvPr/>
-      </p:nvGrpSpPr>
-      <p:grpSpPr>
-        <a:xfrm>
-          <a:off x="0" y="0"/>
-          <a:ext cx="0" cy="0"/>
-          <a:chOff x="0" y="0"/>
-          <a:chExt cx="0" cy="0"/>
-        </a:xfrm>
-      </p:grpSpPr>
-      <p:sp>
-        <p:nvSpPr>
-          <p:cNvPr id="691" name="Google Shape;691;p55:notes"/>
-          <p:cNvSpPr txBox="1">
-            <a:spLocks noGrp="1"/>
-          </p:cNvSpPr>
-          <p:nvPr>
-            <p:ph type="body" idx="1"/>
-          </p:nvPr>
-        </p:nvSpPr>
-        <p:spPr>
-          <a:xfrm>
-            <a:off x="914400" y="3257550"/>
-            <a:ext cx="7315200" cy="3086100"/>
-          </a:xfrm>
-          <a:prstGeom prst="rect">
-            <a:avLst/>
-          </a:prstGeom>
-        </p:spPr>
-        <p:txBody>
-          <a:bodyPr spcFirstLastPara="1" wrap="square" lIns="91425" tIns="45700" rIns="91425" bIns="45700" anchor="t" anchorCtr="0">
-            <a:noAutofit/>
-          </a:bodyPr>
-          <a:lstStyle/>
-          <a:p>
-            <a:pPr marL="0" lvl="0" indent="0" algn="l" rtl="0">
-              <a:spcBef>
-                <a:spcPts val="0"/>
-              </a:spcBef>
-              <a:spcAft>
-                <a:spcPts val="0"/>
-              </a:spcAft>
-              <a:buNone/>
-            </a:pPr>
-            <a:endParaRPr/>
-          </a:p>
-        </p:txBody>
-      </p:sp>
-      <p:sp>
-        <p:nvSpPr>
-          <p:cNvPr id="692" name="Google Shape;692;p55:notes"/>
-          <p:cNvSpPr>
-            <a:spLocks noGrp="1" noRot="1" noChangeAspect="1"/>
-          </p:cNvSpPr>
-          <p:nvPr>
-            <p:ph type="sldImg" idx="2"/>
-          </p:nvPr>
-        </p:nvSpPr>
-        <p:spPr>
-          <a:xfrm>
-            <a:off x="2286000" y="514350"/>
-            <a:ext cx="4572000" cy="2571750"/>
-          </a:xfrm>
-          <a:custGeom>
-            <a:avLst/>
-            <a:gdLst/>
-            <a:ahLst/>
-            <a:cxnLst/>
-            <a:rect l="l" t="t" r="r" b="b"/>
-            <a:pathLst>
-              <a:path w="120000" h="120000" extrusionOk="0">
-                <a:moveTo>
-                  <a:pt x="0" y="0"/>
-                </a:moveTo>
-                <a:lnTo>
-                  <a:pt x="120000" y="0"/>
-                </a:lnTo>
-                <a:lnTo>
-                  <a:pt x="120000" y="120000"/>
-                </a:lnTo>
-                <a:lnTo>
-                  <a:pt x="0" y="120000"/>
-                </a:lnTo>
-                <a:close/>
-              </a:path>
-            </a:pathLst>
-          </a:custGeom>
-        </p:spPr>
-      </p:sp>
-    </p:spTree>
-  </p:cSld>
-  <p:clrMapOvr>
-    <a:masterClrMapping/>
-  </p:clrMapOvr>
-</p:notes>
-</file>
-
-<file path=ppt/notesSlides/notesSlide64.xml><?xml version="1.0" encoding="utf-8"?>
-<p:notes xmlns:a="http://schemas.openxmlformats.org/drawingml/2006/main" xmlns:r="http://schemas.openxmlformats.org/officeDocument/2006/relationships" xmlns:p="http://schemas.openxmlformats.org/presentationml/2006/main" showMasterSp="0" showMasterPhAnim="0">
-  <p:cSld>
-    <p:spTree>
-      <p:nvGrpSpPr>
-        <p:cNvPr id="1" name="Shape 780"/>
-        <p:cNvGrpSpPr/>
-        <p:nvPr/>
-      </p:nvGrpSpPr>
-      <p:grpSpPr>
-        <a:xfrm>
-          <a:off x="0" y="0"/>
-          <a:ext cx="0" cy="0"/>
-          <a:chOff x="0" y="0"/>
-          <a:chExt cx="0" cy="0"/>
-        </a:xfrm>
-      </p:grpSpPr>
-      <p:sp>
-        <p:nvSpPr>
-          <p:cNvPr id="781" name="Google Shape;781;p64:notes"/>
-          <p:cNvSpPr txBox="1">
-            <a:spLocks noGrp="1"/>
-          </p:cNvSpPr>
-          <p:nvPr>
-            <p:ph type="body" idx="1"/>
-          </p:nvPr>
-        </p:nvSpPr>
-        <p:spPr>
-          <a:xfrm>
-            <a:off x="914400" y="3257550"/>
-            <a:ext cx="7315200" cy="3086100"/>
-          </a:xfrm>
-          <a:prstGeom prst="rect">
-            <a:avLst/>
-          </a:prstGeom>
-        </p:spPr>
-        <p:txBody>
-          <a:bodyPr spcFirstLastPara="1" wrap="square" lIns="91425" tIns="45700" rIns="91425" bIns="45700" anchor="t" anchorCtr="0">
-            <a:noAutofit/>
-          </a:bodyPr>
-          <a:lstStyle/>
-          <a:p>
-            <a:pPr marL="0" lvl="0" indent="0" algn="l" rtl="0">
-              <a:spcBef>
-                <a:spcPts val="0"/>
-              </a:spcBef>
-              <a:spcAft>
-                <a:spcPts val="0"/>
-              </a:spcAft>
-              <a:buNone/>
-            </a:pPr>
-            <a:endParaRPr/>
-          </a:p>
-        </p:txBody>
-      </p:sp>
-      <p:sp>
-        <p:nvSpPr>
-          <p:cNvPr id="782" name="Google Shape;782;p64:notes"/>
-          <p:cNvSpPr>
-            <a:spLocks noGrp="1" noRot="1" noChangeAspect="1"/>
-          </p:cNvSpPr>
-          <p:nvPr>
-            <p:ph type="sldImg" idx="2"/>
-          </p:nvPr>
-        </p:nvSpPr>
-        <p:spPr>
-          <a:xfrm>
-            <a:off x="2286000" y="514350"/>
-            <a:ext cx="4572000" cy="2571750"/>
-          </a:xfrm>
-          <a:custGeom>
-            <a:avLst/>
-            <a:gdLst/>
-            <a:ahLst/>
-            <a:cxnLst/>
-            <a:rect l="l" t="t" r="r" b="b"/>
-            <a:pathLst>
-              <a:path w="120000" h="120000" extrusionOk="0">
-                <a:moveTo>
-                  <a:pt x="0" y="0"/>
-                </a:moveTo>
-                <a:lnTo>
-                  <a:pt x="120000" y="0"/>
-                </a:lnTo>
-                <a:lnTo>
-                  <a:pt x="120000" y="120000"/>
-                </a:lnTo>
-                <a:lnTo>
-                  <a:pt x="0" y="120000"/>
-                </a:lnTo>
-                <a:close/>
-              </a:path>
-            </a:pathLst>
-          </a:custGeom>
-        </p:spPr>
-      </p:sp>
-    </p:spTree>
-    <p:extLst>
-      <p:ext uri="{BB962C8B-B14F-4D97-AF65-F5344CB8AC3E}">
-        <p14:creationId xmlns:p14="http://schemas.microsoft.com/office/powerpoint/2010/main" val="3617089384"/>
-      </p:ext>
-    </p:extLst>
   </p:cSld>
   <p:clrMapOvr>
     <a:masterClrMapping/>
@@ -8189,7 +5454,7 @@
           <a:p>
             <a:fld id="{DEDCE603-2B12-5844-BEA7-E98E825B38C7}" type="datetimeFigureOut">
               <a:rPr lang="en-US" smtClean="0"/>
-              <a:t>9/13/23</a:t>
+              <a:t>10/10/23</a:t>
             </a:fld>
             <a:endParaRPr lang="en-US"/>
           </a:p>
@@ -8387,7 +5652,7 @@
           <a:p>
             <a:fld id="{DEDCE603-2B12-5844-BEA7-E98E825B38C7}" type="datetimeFigureOut">
               <a:rPr lang="en-US" smtClean="0"/>
-              <a:t>9/13/23</a:t>
+              <a:t>10/10/23</a:t>
             </a:fld>
             <a:endParaRPr lang="en-US"/>
           </a:p>
@@ -8595,7 +5860,7 @@
           <a:p>
             <a:fld id="{DEDCE603-2B12-5844-BEA7-E98E825B38C7}" type="datetimeFigureOut">
               <a:rPr lang="en-US" smtClean="0"/>
-              <a:t>9/13/23</a:t>
+              <a:t>10/10/23</a:t>
             </a:fld>
             <a:endParaRPr lang="en-US"/>
           </a:p>
@@ -9141,7 +6406,7 @@
           <a:p>
             <a:fld id="{DEDCE603-2B12-5844-BEA7-E98E825B38C7}" type="datetimeFigureOut">
               <a:rPr lang="en-US" smtClean="0"/>
-              <a:t>9/13/23</a:t>
+              <a:t>10/10/23</a:t>
             </a:fld>
             <a:endParaRPr lang="en-US"/>
           </a:p>
@@ -9416,7 +6681,7 @@
           <a:p>
             <a:fld id="{DEDCE603-2B12-5844-BEA7-E98E825B38C7}" type="datetimeFigureOut">
               <a:rPr lang="en-US" smtClean="0"/>
-              <a:t>9/13/23</a:t>
+              <a:t>10/10/23</a:t>
             </a:fld>
             <a:endParaRPr lang="en-US"/>
           </a:p>
@@ -9681,7 +6946,7 @@
           <a:p>
             <a:fld id="{DEDCE603-2B12-5844-BEA7-E98E825B38C7}" type="datetimeFigureOut">
               <a:rPr lang="en-US" smtClean="0"/>
-              <a:t>9/13/23</a:t>
+              <a:t>10/10/23</a:t>
             </a:fld>
             <a:endParaRPr lang="en-US"/>
           </a:p>
@@ -10093,7 +7358,7 @@
           <a:p>
             <a:fld id="{DEDCE603-2B12-5844-BEA7-E98E825B38C7}" type="datetimeFigureOut">
               <a:rPr lang="en-US" smtClean="0"/>
-              <a:t>9/13/23</a:t>
+              <a:t>10/10/23</a:t>
             </a:fld>
             <a:endParaRPr lang="en-US"/>
           </a:p>
@@ -10234,7 +7499,7 @@
           <a:p>
             <a:fld id="{DEDCE603-2B12-5844-BEA7-E98E825B38C7}" type="datetimeFigureOut">
               <a:rPr lang="en-US" smtClean="0"/>
-              <a:t>9/13/23</a:t>
+              <a:t>10/10/23</a:t>
             </a:fld>
             <a:endParaRPr lang="en-US"/>
           </a:p>
@@ -10347,7 +7612,7 @@
           <a:p>
             <a:fld id="{DEDCE603-2B12-5844-BEA7-E98E825B38C7}" type="datetimeFigureOut">
               <a:rPr lang="en-US" smtClean="0"/>
-              <a:t>9/13/23</a:t>
+              <a:t>10/10/23</a:t>
             </a:fld>
             <a:endParaRPr lang="en-US"/>
           </a:p>
@@ -10658,7 +7923,7 @@
           <a:p>
             <a:fld id="{DEDCE603-2B12-5844-BEA7-E98E825B38C7}" type="datetimeFigureOut">
               <a:rPr lang="en-US" smtClean="0"/>
-              <a:t>9/13/23</a:t>
+              <a:t>10/10/23</a:t>
             </a:fld>
             <a:endParaRPr lang="en-US"/>
           </a:p>
@@ -10946,7 +8211,7 @@
           <a:p>
             <a:fld id="{DEDCE603-2B12-5844-BEA7-E98E825B38C7}" type="datetimeFigureOut">
               <a:rPr lang="en-US" smtClean="0"/>
-              <a:t>9/13/23</a:t>
+              <a:t>10/10/23</a:t>
             </a:fld>
             <a:endParaRPr lang="en-US"/>
           </a:p>
@@ -11187,7 +8452,7 @@
           <a:p>
             <a:fld id="{DEDCE603-2B12-5844-BEA7-E98E825B38C7}" type="datetimeFigureOut">
               <a:rPr lang="en-US" smtClean="0"/>
-              <a:t>9/13/23</a:t>
+              <a:t>10/10/23</a:t>
             </a:fld>
             <a:endParaRPr lang="en-US"/>
           </a:p>
@@ -41045,2659 +38310,6 @@
 </p:sld>
 </file>
 
-<file path=ppt/slides/slide47.xml><?xml version="1.0" encoding="utf-8"?>
-<p:sld xmlns:a="http://schemas.openxmlformats.org/drawingml/2006/main" xmlns:r="http://schemas.openxmlformats.org/officeDocument/2006/relationships" xmlns:p="http://schemas.openxmlformats.org/presentationml/2006/main">
-  <p:cSld>
-    <p:spTree>
-      <p:nvGrpSpPr>
-        <p:cNvPr id="1" name="Shape 793"/>
-        <p:cNvGrpSpPr/>
-        <p:nvPr/>
-      </p:nvGrpSpPr>
-      <p:grpSpPr>
-        <a:xfrm>
-          <a:off x="0" y="0"/>
-          <a:ext cx="0" cy="0"/>
-          <a:chOff x="0" y="0"/>
-          <a:chExt cx="0" cy="0"/>
-        </a:xfrm>
-      </p:grpSpPr>
-      <p:sp>
-        <p:nvSpPr>
-          <p:cNvPr id="794" name="Google Shape;794;p65"/>
-          <p:cNvSpPr txBox="1">
-            <a:spLocks noGrp="1"/>
-          </p:cNvSpPr>
-          <p:nvPr>
-            <p:ph type="title"/>
-          </p:nvPr>
-        </p:nvSpPr>
-        <p:spPr>
-          <a:xfrm>
-            <a:off x="2303464" y="63500"/>
-            <a:ext cx="7583487" cy="1282700"/>
-          </a:xfrm>
-          <a:prstGeom prst="rect">
-            <a:avLst/>
-          </a:prstGeom>
-          <a:noFill/>
-          <a:ln>
-            <a:noFill/>
-          </a:ln>
-        </p:spPr>
-        <p:txBody>
-          <a:bodyPr spcFirstLastPara="1" vert="horz" wrap="square" lIns="91425" tIns="45700" rIns="91425" bIns="45700" rtlCol="0" anchor="ctr" anchorCtr="0">
-            <a:noAutofit/>
-          </a:bodyPr>
-          <a:lstStyle/>
-          <a:p>
-            <a:pPr algn="ctr">
-              <a:spcBef>
-                <a:spcPts val="0"/>
-              </a:spcBef>
-            </a:pPr>
-            <a:r>
-              <a:rPr lang="en-US"/>
-              <a:t>Process Creation</a:t>
-            </a:r>
-            <a:endParaRPr/>
-          </a:p>
-        </p:txBody>
-      </p:sp>
-      <p:sp>
-        <p:nvSpPr>
-          <p:cNvPr id="795" name="Google Shape;795;p65"/>
-          <p:cNvSpPr txBox="1">
-            <a:spLocks noGrp="1"/>
-          </p:cNvSpPr>
-          <p:nvPr>
-            <p:ph type="body" idx="1"/>
-          </p:nvPr>
-        </p:nvSpPr>
-        <p:spPr>
-          <a:xfrm>
-            <a:off x="1116281" y="1524000"/>
-            <a:ext cx="9915896" cy="5029200"/>
-          </a:xfrm>
-          <a:prstGeom prst="rect">
-            <a:avLst/>
-          </a:prstGeom>
-          <a:noFill/>
-          <a:ln>
-            <a:noFill/>
-          </a:ln>
-        </p:spPr>
-        <p:txBody>
-          <a:bodyPr spcFirstLastPara="1" vert="horz" wrap="square" lIns="91425" tIns="45700" rIns="91425" bIns="45700" rtlCol="0" anchor="t" anchorCtr="0">
-            <a:normAutofit/>
-          </a:bodyPr>
-          <a:lstStyle/>
-          <a:p>
-            <a:pPr marL="282575" indent="-282575">
-              <a:spcBef>
-                <a:spcPts val="0"/>
-              </a:spcBef>
-              <a:buClr>
-                <a:schemeClr val="dk2"/>
-              </a:buClr>
-              <a:buSzPts val="2400"/>
-              <a:buNone/>
-            </a:pPr>
-            <a:r>
-              <a:rPr lang="en-US" sz="2400" dirty="0"/>
-              <a:t>Two ways to create a process</a:t>
-            </a:r>
-            <a:endParaRPr dirty="0"/>
-          </a:p>
-          <a:p>
-            <a:pPr marL="577850" lvl="1" indent="-295275">
-              <a:spcBef>
-                <a:spcPts val="600"/>
-              </a:spcBef>
-              <a:buSzPts val="2000"/>
-            </a:pPr>
-            <a:r>
-              <a:rPr lang="en-US" sz="2000" dirty="0"/>
-              <a:t>Build a new empty process from scratch</a:t>
-            </a:r>
-            <a:endParaRPr dirty="0"/>
-          </a:p>
-          <a:p>
-            <a:pPr marL="577850" lvl="1" indent="-295275">
-              <a:spcBef>
-                <a:spcPts val="600"/>
-              </a:spcBef>
-              <a:buSzPts val="2000"/>
-            </a:pPr>
-            <a:r>
-              <a:rPr lang="en-US" sz="2000" dirty="0"/>
-              <a:t>Copy an existing process and change it appropriately</a:t>
-            </a:r>
-            <a:endParaRPr dirty="0"/>
-          </a:p>
-          <a:p>
-            <a:pPr marL="282575" indent="-282575">
-              <a:spcBef>
-                <a:spcPts val="2000"/>
-              </a:spcBef>
-              <a:buClr>
-                <a:schemeClr val="dk2"/>
-              </a:buClr>
-              <a:buSzPts val="2400"/>
-              <a:buNone/>
-            </a:pPr>
-            <a:r>
-              <a:rPr lang="en-US" sz="2400" dirty="0"/>
-              <a:t>Option 1: </a:t>
-            </a:r>
-            <a:r>
-              <a:rPr lang="en-US" sz="2400" dirty="0">
-                <a:solidFill>
-                  <a:srgbClr val="C00000"/>
-                </a:solidFill>
-              </a:rPr>
-              <a:t>New process from scratch</a:t>
-            </a:r>
-            <a:endParaRPr dirty="0">
-              <a:solidFill>
-                <a:srgbClr val="C00000"/>
-              </a:solidFill>
-            </a:endParaRPr>
-          </a:p>
-          <a:p>
-            <a:pPr marL="577850" lvl="1" indent="-295275">
-              <a:spcBef>
-                <a:spcPts val="600"/>
-              </a:spcBef>
-              <a:buSzPts val="2000"/>
-            </a:pPr>
-            <a:r>
-              <a:rPr lang="en-US" sz="2000" dirty="0"/>
-              <a:t>Steps</a:t>
-            </a:r>
-            <a:endParaRPr dirty="0"/>
-          </a:p>
-          <a:p>
-            <a:pPr marL="860425" lvl="2" indent="-282575">
-              <a:spcBef>
-                <a:spcPts val="600"/>
-              </a:spcBef>
-              <a:buClr>
-                <a:schemeClr val="dk2"/>
-              </a:buClr>
-              <a:buSzPts val="1800"/>
-            </a:pPr>
-            <a:r>
-              <a:rPr lang="en-US" sz="1800" dirty="0"/>
-              <a:t>Load specified code and data into memory;  Create empty call stack</a:t>
-            </a:r>
-            <a:endParaRPr dirty="0"/>
-          </a:p>
-          <a:p>
-            <a:pPr marL="860425" lvl="2" indent="-282575">
-              <a:spcBef>
-                <a:spcPts val="600"/>
-              </a:spcBef>
-              <a:buClr>
-                <a:schemeClr val="dk2"/>
-              </a:buClr>
-              <a:buSzPts val="1800"/>
-            </a:pPr>
-            <a:r>
-              <a:rPr lang="en-US" sz="1800" dirty="0"/>
-              <a:t>Create and initialize PCB </a:t>
-            </a:r>
-            <a:r>
-              <a:rPr lang="en-US" sz="1800" dirty="0">
-                <a:solidFill>
-                  <a:srgbClr val="C00000"/>
-                </a:solidFill>
-              </a:rPr>
-              <a:t>(make it look like context-switch)</a:t>
-            </a:r>
-            <a:endParaRPr dirty="0">
-              <a:solidFill>
-                <a:srgbClr val="C00000"/>
-              </a:solidFill>
-            </a:endParaRPr>
-          </a:p>
-          <a:p>
-            <a:pPr marL="860425" lvl="2" indent="-282575">
-              <a:spcBef>
-                <a:spcPts val="600"/>
-              </a:spcBef>
-              <a:buClr>
-                <a:schemeClr val="dk2"/>
-              </a:buClr>
-              <a:buSzPts val="1800"/>
-            </a:pPr>
-            <a:r>
-              <a:rPr lang="en-US" sz="1800" dirty="0"/>
-              <a:t>Put process on ready list</a:t>
-            </a:r>
-            <a:endParaRPr dirty="0"/>
-          </a:p>
-          <a:p>
-            <a:pPr marL="577850" lvl="1" indent="-295275">
-              <a:spcBef>
-                <a:spcPts val="600"/>
-              </a:spcBef>
-              <a:buSzPts val="2000"/>
-            </a:pPr>
-            <a:r>
-              <a:rPr lang="en-US" sz="2000" dirty="0"/>
-              <a:t>Advantages: No wasted work (compared to option 2)</a:t>
-            </a:r>
-            <a:endParaRPr dirty="0"/>
-          </a:p>
-          <a:p>
-            <a:pPr marL="577850" lvl="1" indent="-295275">
-              <a:spcBef>
-                <a:spcPts val="600"/>
-              </a:spcBef>
-              <a:buSzPts val="2000"/>
-            </a:pPr>
-            <a:r>
-              <a:rPr lang="en-US" sz="2000" dirty="0"/>
-              <a:t>Disadvantages: Difficult to express all possible options for setup, complex</a:t>
-            </a:r>
-            <a:endParaRPr dirty="0"/>
-          </a:p>
-          <a:p>
-            <a:pPr marL="860425" lvl="2" indent="-282575">
-              <a:spcBef>
-                <a:spcPts val="600"/>
-              </a:spcBef>
-              <a:buClr>
-                <a:schemeClr val="dk2"/>
-              </a:buClr>
-              <a:buSzPts val="1800"/>
-            </a:pPr>
-            <a:r>
-              <a:rPr lang="en-US" sz="1800" dirty="0"/>
-              <a:t>Process permissions, where to write I/O, environment variables</a:t>
-            </a:r>
-            <a:endParaRPr dirty="0"/>
-          </a:p>
-          <a:p>
-            <a:pPr marL="860425" lvl="2" indent="-282575">
-              <a:spcBef>
-                <a:spcPts val="600"/>
-              </a:spcBef>
-              <a:buClr>
-                <a:schemeClr val="dk2"/>
-              </a:buClr>
-              <a:buSzPts val="1800"/>
-            </a:pPr>
-            <a:r>
-              <a:rPr lang="en-US" sz="1800" dirty="0"/>
-              <a:t>Example: </a:t>
-            </a:r>
-            <a:r>
-              <a:rPr lang="en-US" sz="1800" dirty="0" err="1"/>
-              <a:t>WindowsNT</a:t>
-            </a:r>
-            <a:r>
-              <a:rPr lang="en-US" sz="1800" dirty="0"/>
-              <a:t> has call with 10 arguments</a:t>
-            </a:r>
-            <a:endParaRPr dirty="0"/>
-          </a:p>
-          <a:p>
-            <a:pPr marL="577850" lvl="1" indent="-295275">
-              <a:spcBef>
-                <a:spcPts val="600"/>
-              </a:spcBef>
-              <a:buSzPts val="2000"/>
-              <a:buNone/>
-            </a:pPr>
-            <a:endParaRPr sz="2000" dirty="0"/>
-          </a:p>
-        </p:txBody>
-      </p:sp>
-    </p:spTree>
-    <p:extLst>
-      <p:ext uri="{BB962C8B-B14F-4D97-AF65-F5344CB8AC3E}">
-        <p14:creationId xmlns:p14="http://schemas.microsoft.com/office/powerpoint/2010/main" val="3736058573"/>
-      </p:ext>
-    </p:extLst>
-  </p:cSld>
-  <p:clrMapOvr>
-    <a:masterClrMapping/>
-  </p:clrMapOvr>
-  <p:timing>
-    <p:tnLst>
-      <p:par>
-        <p:cTn id="1" dur="indefinite" restart="never" nodeType="tmRoot">
-          <p:childTnLst>
-            <p:seq concurrent="1" nextAc="seek">
-              <p:cTn id="2" dur="indefinite" nodeType="mainSeq">
-                <p:childTnLst>
-                  <p:par>
-                    <p:cTn id="3" fill="hold">
-                      <p:stCondLst>
-                        <p:cond delay="indefinite"/>
-                      </p:stCondLst>
-                      <p:childTnLst>
-                        <p:par>
-                          <p:cTn id="4" fill="hold">
-                            <p:stCondLst>
-                              <p:cond delay="0"/>
-                            </p:stCondLst>
-                            <p:childTnLst>
-                              <p:par>
-                                <p:cTn id="5" presetID="1" presetClass="entr" presetSubtype="0" fill="hold" nodeType="clickEffect">
-                                  <p:stCondLst>
-                                    <p:cond delay="0"/>
-                                  </p:stCondLst>
-                                  <p:childTnLst>
-                                    <p:set>
-                                      <p:cBhvr>
-                                        <p:cTn id="6" dur="1" fill="hold">
-                                          <p:stCondLst>
-                                            <p:cond delay="0"/>
-                                          </p:stCondLst>
-                                        </p:cTn>
-                                        <p:tgtEl>
-                                          <p:spTgt spid="795">
-                                            <p:txEl>
-                                              <p:pRg st="0" end="0"/>
-                                            </p:txEl>
-                                          </p:spTgt>
-                                        </p:tgtEl>
-                                        <p:attrNameLst>
-                                          <p:attrName>style.visibility</p:attrName>
-                                        </p:attrNameLst>
-                                      </p:cBhvr>
-                                      <p:to>
-                                        <p:strVal val="visible"/>
-                                      </p:to>
-                                    </p:set>
-                                  </p:childTnLst>
-                                </p:cTn>
-                              </p:par>
-                            </p:childTnLst>
-                          </p:cTn>
-                        </p:par>
-                      </p:childTnLst>
-                    </p:cTn>
-                  </p:par>
-                  <p:par>
-                    <p:cTn id="7" fill="hold">
-                      <p:stCondLst>
-                        <p:cond delay="indefinite"/>
-                      </p:stCondLst>
-                      <p:childTnLst>
-                        <p:par>
-                          <p:cTn id="8" fill="hold">
-                            <p:stCondLst>
-                              <p:cond delay="0"/>
-                            </p:stCondLst>
-                            <p:childTnLst>
-                              <p:par>
-                                <p:cTn id="9" presetID="1" presetClass="entr" presetSubtype="0" fill="hold" nodeType="clickEffect">
-                                  <p:stCondLst>
-                                    <p:cond delay="0"/>
-                                  </p:stCondLst>
-                                  <p:childTnLst>
-                                    <p:set>
-                                      <p:cBhvr>
-                                        <p:cTn id="10" dur="1" fill="hold">
-                                          <p:stCondLst>
-                                            <p:cond delay="0"/>
-                                          </p:stCondLst>
-                                        </p:cTn>
-                                        <p:tgtEl>
-                                          <p:spTgt spid="795">
-                                            <p:txEl>
-                                              <p:pRg st="1" end="1"/>
-                                            </p:txEl>
-                                          </p:spTgt>
-                                        </p:tgtEl>
-                                        <p:attrNameLst>
-                                          <p:attrName>style.visibility</p:attrName>
-                                        </p:attrNameLst>
-                                      </p:cBhvr>
-                                      <p:to>
-                                        <p:strVal val="visible"/>
-                                      </p:to>
-                                    </p:set>
-                                  </p:childTnLst>
-                                </p:cTn>
-                              </p:par>
-                            </p:childTnLst>
-                          </p:cTn>
-                        </p:par>
-                      </p:childTnLst>
-                    </p:cTn>
-                  </p:par>
-                  <p:par>
-                    <p:cTn id="11" fill="hold">
-                      <p:stCondLst>
-                        <p:cond delay="indefinite"/>
-                      </p:stCondLst>
-                      <p:childTnLst>
-                        <p:par>
-                          <p:cTn id="12" fill="hold">
-                            <p:stCondLst>
-                              <p:cond delay="0"/>
-                            </p:stCondLst>
-                            <p:childTnLst>
-                              <p:par>
-                                <p:cTn id="13" presetID="1" presetClass="entr" presetSubtype="0" fill="hold" nodeType="clickEffect">
-                                  <p:stCondLst>
-                                    <p:cond delay="0"/>
-                                  </p:stCondLst>
-                                  <p:childTnLst>
-                                    <p:set>
-                                      <p:cBhvr>
-                                        <p:cTn id="14" dur="1" fill="hold">
-                                          <p:stCondLst>
-                                            <p:cond delay="0"/>
-                                          </p:stCondLst>
-                                        </p:cTn>
-                                        <p:tgtEl>
-                                          <p:spTgt spid="795">
-                                            <p:txEl>
-                                              <p:pRg st="2" end="2"/>
-                                            </p:txEl>
-                                          </p:spTgt>
-                                        </p:tgtEl>
-                                        <p:attrNameLst>
-                                          <p:attrName>style.visibility</p:attrName>
-                                        </p:attrNameLst>
-                                      </p:cBhvr>
-                                      <p:to>
-                                        <p:strVal val="visible"/>
-                                      </p:to>
-                                    </p:set>
-                                  </p:childTnLst>
-                                </p:cTn>
-                              </p:par>
-                            </p:childTnLst>
-                          </p:cTn>
-                        </p:par>
-                      </p:childTnLst>
-                    </p:cTn>
-                  </p:par>
-                  <p:par>
-                    <p:cTn id="15" fill="hold">
-                      <p:stCondLst>
-                        <p:cond delay="indefinite"/>
-                      </p:stCondLst>
-                      <p:childTnLst>
-                        <p:par>
-                          <p:cTn id="16" fill="hold">
-                            <p:stCondLst>
-                              <p:cond delay="0"/>
-                            </p:stCondLst>
-                            <p:childTnLst>
-                              <p:par>
-                                <p:cTn id="17" presetID="1" presetClass="entr" presetSubtype="0" fill="hold" nodeType="clickEffect">
-                                  <p:stCondLst>
-                                    <p:cond delay="0"/>
-                                  </p:stCondLst>
-                                  <p:childTnLst>
-                                    <p:set>
-                                      <p:cBhvr>
-                                        <p:cTn id="18" dur="1" fill="hold">
-                                          <p:stCondLst>
-                                            <p:cond delay="0"/>
-                                          </p:stCondLst>
-                                        </p:cTn>
-                                        <p:tgtEl>
-                                          <p:spTgt spid="795">
-                                            <p:txEl>
-                                              <p:pRg st="3" end="3"/>
-                                            </p:txEl>
-                                          </p:spTgt>
-                                        </p:tgtEl>
-                                        <p:attrNameLst>
-                                          <p:attrName>style.visibility</p:attrName>
-                                        </p:attrNameLst>
-                                      </p:cBhvr>
-                                      <p:to>
-                                        <p:strVal val="visible"/>
-                                      </p:to>
-                                    </p:set>
-                                  </p:childTnLst>
-                                </p:cTn>
-                              </p:par>
-                            </p:childTnLst>
-                          </p:cTn>
-                        </p:par>
-                      </p:childTnLst>
-                    </p:cTn>
-                  </p:par>
-                  <p:par>
-                    <p:cTn id="19" fill="hold">
-                      <p:stCondLst>
-                        <p:cond delay="indefinite"/>
-                      </p:stCondLst>
-                      <p:childTnLst>
-                        <p:par>
-                          <p:cTn id="20" fill="hold">
-                            <p:stCondLst>
-                              <p:cond delay="0"/>
-                            </p:stCondLst>
-                            <p:childTnLst>
-                              <p:par>
-                                <p:cTn id="21" presetID="1" presetClass="entr" presetSubtype="0" fill="hold" nodeType="clickEffect">
-                                  <p:stCondLst>
-                                    <p:cond delay="0"/>
-                                  </p:stCondLst>
-                                  <p:childTnLst>
-                                    <p:set>
-                                      <p:cBhvr>
-                                        <p:cTn id="22" dur="1" fill="hold">
-                                          <p:stCondLst>
-                                            <p:cond delay="0"/>
-                                          </p:stCondLst>
-                                        </p:cTn>
-                                        <p:tgtEl>
-                                          <p:spTgt spid="795">
-                                            <p:txEl>
-                                              <p:pRg st="4" end="4"/>
-                                            </p:txEl>
-                                          </p:spTgt>
-                                        </p:tgtEl>
-                                        <p:attrNameLst>
-                                          <p:attrName>style.visibility</p:attrName>
-                                        </p:attrNameLst>
-                                      </p:cBhvr>
-                                      <p:to>
-                                        <p:strVal val="visible"/>
-                                      </p:to>
-                                    </p:set>
-                                  </p:childTnLst>
-                                </p:cTn>
-                              </p:par>
-                            </p:childTnLst>
-                          </p:cTn>
-                        </p:par>
-                      </p:childTnLst>
-                    </p:cTn>
-                  </p:par>
-                  <p:par>
-                    <p:cTn id="23" fill="hold">
-                      <p:stCondLst>
-                        <p:cond delay="indefinite"/>
-                      </p:stCondLst>
-                      <p:childTnLst>
-                        <p:par>
-                          <p:cTn id="24" fill="hold">
-                            <p:stCondLst>
-                              <p:cond delay="0"/>
-                            </p:stCondLst>
-                            <p:childTnLst>
-                              <p:par>
-                                <p:cTn id="25" presetID="1" presetClass="entr" presetSubtype="0" fill="hold" nodeType="clickEffect">
-                                  <p:stCondLst>
-                                    <p:cond delay="0"/>
-                                  </p:stCondLst>
-                                  <p:childTnLst>
-                                    <p:set>
-                                      <p:cBhvr>
-                                        <p:cTn id="26" dur="1" fill="hold">
-                                          <p:stCondLst>
-                                            <p:cond delay="0"/>
-                                          </p:stCondLst>
-                                        </p:cTn>
-                                        <p:tgtEl>
-                                          <p:spTgt spid="795">
-                                            <p:txEl>
-                                              <p:pRg st="5" end="5"/>
-                                            </p:txEl>
-                                          </p:spTgt>
-                                        </p:tgtEl>
-                                        <p:attrNameLst>
-                                          <p:attrName>style.visibility</p:attrName>
-                                        </p:attrNameLst>
-                                      </p:cBhvr>
-                                      <p:to>
-                                        <p:strVal val="visible"/>
-                                      </p:to>
-                                    </p:set>
-                                  </p:childTnLst>
-                                </p:cTn>
-                              </p:par>
-                            </p:childTnLst>
-                          </p:cTn>
-                        </p:par>
-                      </p:childTnLst>
-                    </p:cTn>
-                  </p:par>
-                  <p:par>
-                    <p:cTn id="27" fill="hold">
-                      <p:stCondLst>
-                        <p:cond delay="indefinite"/>
-                      </p:stCondLst>
-                      <p:childTnLst>
-                        <p:par>
-                          <p:cTn id="28" fill="hold">
-                            <p:stCondLst>
-                              <p:cond delay="0"/>
-                            </p:stCondLst>
-                            <p:childTnLst>
-                              <p:par>
-                                <p:cTn id="29" presetID="1" presetClass="entr" presetSubtype="0" fill="hold" nodeType="clickEffect">
-                                  <p:stCondLst>
-                                    <p:cond delay="0"/>
-                                  </p:stCondLst>
-                                  <p:childTnLst>
-                                    <p:set>
-                                      <p:cBhvr>
-                                        <p:cTn id="30" dur="1" fill="hold">
-                                          <p:stCondLst>
-                                            <p:cond delay="0"/>
-                                          </p:stCondLst>
-                                        </p:cTn>
-                                        <p:tgtEl>
-                                          <p:spTgt spid="795">
-                                            <p:txEl>
-                                              <p:pRg st="6" end="6"/>
-                                            </p:txEl>
-                                          </p:spTgt>
-                                        </p:tgtEl>
-                                        <p:attrNameLst>
-                                          <p:attrName>style.visibility</p:attrName>
-                                        </p:attrNameLst>
-                                      </p:cBhvr>
-                                      <p:to>
-                                        <p:strVal val="visible"/>
-                                      </p:to>
-                                    </p:set>
-                                  </p:childTnLst>
-                                </p:cTn>
-                              </p:par>
-                            </p:childTnLst>
-                          </p:cTn>
-                        </p:par>
-                      </p:childTnLst>
-                    </p:cTn>
-                  </p:par>
-                  <p:par>
-                    <p:cTn id="31" fill="hold">
-                      <p:stCondLst>
-                        <p:cond delay="indefinite"/>
-                      </p:stCondLst>
-                      <p:childTnLst>
-                        <p:par>
-                          <p:cTn id="32" fill="hold">
-                            <p:stCondLst>
-                              <p:cond delay="0"/>
-                            </p:stCondLst>
-                            <p:childTnLst>
-                              <p:par>
-                                <p:cTn id="33" presetID="1" presetClass="entr" presetSubtype="0" fill="hold" nodeType="clickEffect">
-                                  <p:stCondLst>
-                                    <p:cond delay="0"/>
-                                  </p:stCondLst>
-                                  <p:childTnLst>
-                                    <p:set>
-                                      <p:cBhvr>
-                                        <p:cTn id="34" dur="1" fill="hold">
-                                          <p:stCondLst>
-                                            <p:cond delay="0"/>
-                                          </p:stCondLst>
-                                        </p:cTn>
-                                        <p:tgtEl>
-                                          <p:spTgt spid="795">
-                                            <p:txEl>
-                                              <p:pRg st="7" end="7"/>
-                                            </p:txEl>
-                                          </p:spTgt>
-                                        </p:tgtEl>
-                                        <p:attrNameLst>
-                                          <p:attrName>style.visibility</p:attrName>
-                                        </p:attrNameLst>
-                                      </p:cBhvr>
-                                      <p:to>
-                                        <p:strVal val="visible"/>
-                                      </p:to>
-                                    </p:set>
-                                  </p:childTnLst>
-                                </p:cTn>
-                              </p:par>
-                            </p:childTnLst>
-                          </p:cTn>
-                        </p:par>
-                      </p:childTnLst>
-                    </p:cTn>
-                  </p:par>
-                  <p:par>
-                    <p:cTn id="35" fill="hold">
-                      <p:stCondLst>
-                        <p:cond delay="indefinite"/>
-                      </p:stCondLst>
-                      <p:childTnLst>
-                        <p:par>
-                          <p:cTn id="36" fill="hold">
-                            <p:stCondLst>
-                              <p:cond delay="0"/>
-                            </p:stCondLst>
-                            <p:childTnLst>
-                              <p:par>
-                                <p:cTn id="37" presetID="1" presetClass="entr" presetSubtype="0" fill="hold" nodeType="clickEffect">
-                                  <p:stCondLst>
-                                    <p:cond delay="0"/>
-                                  </p:stCondLst>
-                                  <p:childTnLst>
-                                    <p:set>
-                                      <p:cBhvr>
-                                        <p:cTn id="38" dur="1" fill="hold">
-                                          <p:stCondLst>
-                                            <p:cond delay="0"/>
-                                          </p:stCondLst>
-                                        </p:cTn>
-                                        <p:tgtEl>
-                                          <p:spTgt spid="795">
-                                            <p:txEl>
-                                              <p:pRg st="8" end="8"/>
-                                            </p:txEl>
-                                          </p:spTgt>
-                                        </p:tgtEl>
-                                        <p:attrNameLst>
-                                          <p:attrName>style.visibility</p:attrName>
-                                        </p:attrNameLst>
-                                      </p:cBhvr>
-                                      <p:to>
-                                        <p:strVal val="visible"/>
-                                      </p:to>
-                                    </p:set>
-                                  </p:childTnLst>
-                                </p:cTn>
-                              </p:par>
-                            </p:childTnLst>
-                          </p:cTn>
-                        </p:par>
-                      </p:childTnLst>
-                    </p:cTn>
-                  </p:par>
-                  <p:par>
-                    <p:cTn id="39" fill="hold">
-                      <p:stCondLst>
-                        <p:cond delay="indefinite"/>
-                      </p:stCondLst>
-                      <p:childTnLst>
-                        <p:par>
-                          <p:cTn id="40" fill="hold">
-                            <p:stCondLst>
-                              <p:cond delay="0"/>
-                            </p:stCondLst>
-                            <p:childTnLst>
-                              <p:par>
-                                <p:cTn id="41" presetID="1" presetClass="entr" presetSubtype="0" fill="hold" nodeType="clickEffect">
-                                  <p:stCondLst>
-                                    <p:cond delay="0"/>
-                                  </p:stCondLst>
-                                  <p:childTnLst>
-                                    <p:set>
-                                      <p:cBhvr>
-                                        <p:cTn id="42" dur="1" fill="hold">
-                                          <p:stCondLst>
-                                            <p:cond delay="0"/>
-                                          </p:stCondLst>
-                                        </p:cTn>
-                                        <p:tgtEl>
-                                          <p:spTgt spid="795">
-                                            <p:txEl>
-                                              <p:pRg st="9" end="9"/>
-                                            </p:txEl>
-                                          </p:spTgt>
-                                        </p:tgtEl>
-                                        <p:attrNameLst>
-                                          <p:attrName>style.visibility</p:attrName>
-                                        </p:attrNameLst>
-                                      </p:cBhvr>
-                                      <p:to>
-                                        <p:strVal val="visible"/>
-                                      </p:to>
-                                    </p:set>
-                                  </p:childTnLst>
-                                </p:cTn>
-                              </p:par>
-                            </p:childTnLst>
-                          </p:cTn>
-                        </p:par>
-                      </p:childTnLst>
-                    </p:cTn>
-                  </p:par>
-                  <p:par>
-                    <p:cTn id="43" fill="hold">
-                      <p:stCondLst>
-                        <p:cond delay="indefinite"/>
-                      </p:stCondLst>
-                      <p:childTnLst>
-                        <p:par>
-                          <p:cTn id="44" fill="hold">
-                            <p:stCondLst>
-                              <p:cond delay="0"/>
-                            </p:stCondLst>
-                            <p:childTnLst>
-                              <p:par>
-                                <p:cTn id="45" presetID="1" presetClass="entr" presetSubtype="0" fill="hold" nodeType="clickEffect">
-                                  <p:stCondLst>
-                                    <p:cond delay="0"/>
-                                  </p:stCondLst>
-                                  <p:childTnLst>
-                                    <p:set>
-                                      <p:cBhvr>
-                                        <p:cTn id="46" dur="1" fill="hold">
-                                          <p:stCondLst>
-                                            <p:cond delay="0"/>
-                                          </p:stCondLst>
-                                        </p:cTn>
-                                        <p:tgtEl>
-                                          <p:spTgt spid="795">
-                                            <p:txEl>
-                                              <p:pRg st="10" end="10"/>
-                                            </p:txEl>
-                                          </p:spTgt>
-                                        </p:tgtEl>
-                                        <p:attrNameLst>
-                                          <p:attrName>style.visibility</p:attrName>
-                                        </p:attrNameLst>
-                                      </p:cBhvr>
-                                      <p:to>
-                                        <p:strVal val="visible"/>
-                                      </p:to>
-                                    </p:set>
-                                  </p:childTnLst>
-                                </p:cTn>
-                              </p:par>
-                            </p:childTnLst>
-                          </p:cTn>
-                        </p:par>
-                      </p:childTnLst>
-                    </p:cTn>
-                  </p:par>
-                  <p:par>
-                    <p:cTn id="47" fill="hold">
-                      <p:stCondLst>
-                        <p:cond delay="indefinite"/>
-                      </p:stCondLst>
-                      <p:childTnLst>
-                        <p:par>
-                          <p:cTn id="48" fill="hold">
-                            <p:stCondLst>
-                              <p:cond delay="0"/>
-                            </p:stCondLst>
-                            <p:childTnLst>
-                              <p:par>
-                                <p:cTn id="49" presetID="1" presetClass="entr" presetSubtype="0" fill="hold" nodeType="clickEffect">
-                                  <p:stCondLst>
-                                    <p:cond delay="0"/>
-                                  </p:stCondLst>
-                                  <p:childTnLst>
-                                    <p:set>
-                                      <p:cBhvr>
-                                        <p:cTn id="50" dur="1" fill="hold">
-                                          <p:stCondLst>
-                                            <p:cond delay="0"/>
-                                          </p:stCondLst>
-                                        </p:cTn>
-                                        <p:tgtEl>
-                                          <p:spTgt spid="795">
-                                            <p:txEl>
-                                              <p:pRg st="11" end="11"/>
-                                            </p:txEl>
-                                          </p:spTgt>
-                                        </p:tgtEl>
-                                        <p:attrNameLst>
-                                          <p:attrName>style.visibility</p:attrName>
-                                        </p:attrNameLst>
-                                      </p:cBhvr>
-                                      <p:to>
-                                        <p:strVal val="visible"/>
-                                      </p:to>
-                                    </p:set>
-                                  </p:childTnLst>
-                                </p:cTn>
-                              </p:par>
-                            </p:childTnLst>
-                          </p:cTn>
-                        </p:par>
-                      </p:childTnLst>
-                    </p:cTn>
-                  </p:par>
-                </p:childTnLst>
-              </p:cTn>
-              <p:prevCondLst>
-                <p:cond evt="onPrev" delay="0">
-                  <p:tgtEl>
-                    <p:sldTgt/>
-                  </p:tgtEl>
-                </p:cond>
-              </p:prevCondLst>
-              <p:nextCondLst>
-                <p:cond evt="onNext" delay="0">
-                  <p:tgtEl>
-                    <p:sldTgt/>
-                  </p:tgtEl>
-                </p:cond>
-              </p:nextCondLst>
-            </p:seq>
-          </p:childTnLst>
-        </p:cTn>
-      </p:par>
-    </p:tnLst>
-  </p:timing>
-</p:sld>
-</file>
-
-<file path=ppt/slides/slide48.xml><?xml version="1.0" encoding="utf-8"?>
-<p:sld xmlns:a="http://schemas.openxmlformats.org/drawingml/2006/main" xmlns:r="http://schemas.openxmlformats.org/officeDocument/2006/relationships" xmlns:p="http://schemas.openxmlformats.org/presentationml/2006/main">
-  <p:cSld>
-    <p:spTree>
-      <p:nvGrpSpPr>
-        <p:cNvPr id="1" name="Shape 799"/>
-        <p:cNvGrpSpPr/>
-        <p:nvPr/>
-      </p:nvGrpSpPr>
-      <p:grpSpPr>
-        <a:xfrm>
-          <a:off x="0" y="0"/>
-          <a:ext cx="0" cy="0"/>
-          <a:chOff x="0" y="0"/>
-          <a:chExt cx="0" cy="0"/>
-        </a:xfrm>
-      </p:grpSpPr>
-      <p:sp>
-        <p:nvSpPr>
-          <p:cNvPr id="800" name="Google Shape;800;p66"/>
-          <p:cNvSpPr txBox="1">
-            <a:spLocks noGrp="1"/>
-          </p:cNvSpPr>
-          <p:nvPr>
-            <p:ph type="title"/>
-          </p:nvPr>
-        </p:nvSpPr>
-        <p:spPr>
-          <a:xfrm>
-            <a:off x="2303464" y="63500"/>
-            <a:ext cx="7583487" cy="1282700"/>
-          </a:xfrm>
-          <a:prstGeom prst="rect">
-            <a:avLst/>
-          </a:prstGeom>
-          <a:noFill/>
-          <a:ln>
-            <a:noFill/>
-          </a:ln>
-        </p:spPr>
-        <p:txBody>
-          <a:bodyPr spcFirstLastPara="1" vert="horz" wrap="square" lIns="91425" tIns="45700" rIns="91425" bIns="45700" rtlCol="0" anchor="ctr" anchorCtr="0">
-            <a:noAutofit/>
-          </a:bodyPr>
-          <a:lstStyle/>
-          <a:p>
-            <a:pPr algn="ctr">
-              <a:spcBef>
-                <a:spcPts val="0"/>
-              </a:spcBef>
-            </a:pPr>
-            <a:r>
-              <a:rPr lang="en-US"/>
-              <a:t>Process Creation</a:t>
-            </a:r>
-            <a:endParaRPr/>
-          </a:p>
-        </p:txBody>
-      </p:sp>
-      <p:sp>
-        <p:nvSpPr>
-          <p:cNvPr id="801" name="Google Shape;801;p66"/>
-          <p:cNvSpPr txBox="1">
-            <a:spLocks noGrp="1"/>
-          </p:cNvSpPr>
-          <p:nvPr>
-            <p:ph type="body" idx="1"/>
-          </p:nvPr>
-        </p:nvSpPr>
-        <p:spPr>
-          <a:xfrm>
-            <a:off x="1104405" y="1600200"/>
-            <a:ext cx="10189029" cy="4953000"/>
-          </a:xfrm>
-          <a:prstGeom prst="rect">
-            <a:avLst/>
-          </a:prstGeom>
-          <a:noFill/>
-          <a:ln>
-            <a:noFill/>
-          </a:ln>
-        </p:spPr>
-        <p:txBody>
-          <a:bodyPr spcFirstLastPara="1" vert="horz" wrap="square" lIns="91425" tIns="45700" rIns="91425" bIns="45700" rtlCol="0" anchor="t" anchorCtr="0">
-            <a:normAutofit/>
-          </a:bodyPr>
-          <a:lstStyle/>
-          <a:p>
-            <a:pPr marL="282575" indent="-282575">
-              <a:spcBef>
-                <a:spcPts val="0"/>
-              </a:spcBef>
-              <a:buClr>
-                <a:schemeClr val="dk2"/>
-              </a:buClr>
-              <a:buSzPts val="2400"/>
-              <a:buNone/>
-            </a:pPr>
-            <a:r>
-              <a:rPr lang="en-US" sz="2400" dirty="0"/>
-              <a:t>Option 2: </a:t>
-            </a:r>
-            <a:r>
-              <a:rPr lang="en-US" sz="2400" dirty="0">
-                <a:solidFill>
-                  <a:srgbClr val="C00000"/>
-                </a:solidFill>
-              </a:rPr>
-              <a:t>Clone an existing process and change it</a:t>
-            </a:r>
-            <a:endParaRPr dirty="0">
-              <a:solidFill>
-                <a:srgbClr val="C00000"/>
-              </a:solidFill>
-            </a:endParaRPr>
-          </a:p>
-          <a:p>
-            <a:pPr marL="577850" lvl="1" indent="-295275">
-              <a:spcBef>
-                <a:spcPts val="600"/>
-              </a:spcBef>
-              <a:buSzPts val="2000"/>
-            </a:pPr>
-            <a:r>
-              <a:rPr lang="en-US" sz="2000" dirty="0"/>
-              <a:t>Example: Unix fork() and exec()</a:t>
-            </a:r>
-            <a:endParaRPr dirty="0"/>
-          </a:p>
-          <a:p>
-            <a:pPr marL="860425" lvl="2" indent="-282575">
-              <a:spcBef>
-                <a:spcPts val="600"/>
-              </a:spcBef>
-              <a:buClr>
-                <a:schemeClr val="dk2"/>
-              </a:buClr>
-              <a:buSzPts val="1800"/>
-            </a:pPr>
-            <a:r>
-              <a:rPr lang="en-US" sz="1800" dirty="0"/>
-              <a:t>Fork(): Clones the calling process</a:t>
-            </a:r>
-            <a:endParaRPr dirty="0"/>
-          </a:p>
-          <a:p>
-            <a:pPr marL="860425" lvl="2" indent="-282575">
-              <a:spcBef>
-                <a:spcPts val="600"/>
-              </a:spcBef>
-              <a:buClr>
-                <a:schemeClr val="dk2"/>
-              </a:buClr>
-              <a:buSzPts val="1800"/>
-            </a:pPr>
-            <a:r>
-              <a:rPr lang="en-US" sz="1800" dirty="0"/>
-              <a:t>Exec(char *file): Overlays file image on calling process</a:t>
-            </a:r>
-            <a:endParaRPr dirty="0"/>
-          </a:p>
-          <a:p>
-            <a:pPr marL="577850" lvl="1" indent="-295275">
-              <a:spcBef>
-                <a:spcPts val="600"/>
-              </a:spcBef>
-              <a:buSzPts val="2000"/>
-            </a:pPr>
-            <a:r>
-              <a:rPr lang="en-US" sz="2000" dirty="0"/>
-              <a:t>Fork() </a:t>
-            </a:r>
-            <a:endParaRPr dirty="0"/>
-          </a:p>
-          <a:p>
-            <a:pPr marL="860425" lvl="2" indent="-282575">
-              <a:spcBef>
-                <a:spcPts val="600"/>
-              </a:spcBef>
-              <a:buClr>
-                <a:schemeClr val="dk2"/>
-              </a:buClr>
-              <a:buSzPts val="1800"/>
-            </a:pPr>
-            <a:r>
-              <a:rPr lang="en-US" sz="1800" dirty="0"/>
-              <a:t>Stop current process and save its state</a:t>
-            </a:r>
-            <a:endParaRPr dirty="0"/>
-          </a:p>
-          <a:p>
-            <a:pPr marL="860425" lvl="2" indent="-282575">
-              <a:spcBef>
-                <a:spcPts val="600"/>
-              </a:spcBef>
-              <a:buClr>
-                <a:schemeClr val="dk2"/>
-              </a:buClr>
-              <a:buSzPts val="1800"/>
-            </a:pPr>
-            <a:r>
-              <a:rPr lang="en-US" sz="1800" dirty="0"/>
-              <a:t>Make copy of code, data, stack, and PCB</a:t>
-            </a:r>
-            <a:endParaRPr dirty="0"/>
-          </a:p>
-          <a:p>
-            <a:pPr marL="860425" lvl="2" indent="-282575">
-              <a:spcBef>
-                <a:spcPts val="600"/>
-              </a:spcBef>
-              <a:buClr>
-                <a:schemeClr val="dk2"/>
-              </a:buClr>
-              <a:buSzPts val="1800"/>
-            </a:pPr>
-            <a:r>
-              <a:rPr lang="en-US" sz="1800" dirty="0"/>
-              <a:t>Add new PCB to ready list</a:t>
-            </a:r>
-            <a:endParaRPr dirty="0"/>
-          </a:p>
-          <a:p>
-            <a:pPr marL="860425" lvl="2" indent="-282575">
-              <a:spcBef>
-                <a:spcPts val="600"/>
-              </a:spcBef>
-              <a:buClr>
-                <a:srgbClr val="333333"/>
-              </a:buClr>
-              <a:buSzPts val="1800"/>
-            </a:pPr>
-            <a:r>
-              <a:rPr lang="en-US" sz="1800" dirty="0">
-                <a:solidFill>
-                  <a:srgbClr val="C00000"/>
-                </a:solidFill>
-              </a:rPr>
-              <a:t>Any changes needed to child process? Yes!</a:t>
-            </a:r>
-            <a:endParaRPr dirty="0">
-              <a:solidFill>
-                <a:srgbClr val="C00000"/>
-              </a:solidFill>
-            </a:endParaRPr>
-          </a:p>
-          <a:p>
-            <a:pPr marL="577850" lvl="1" indent="-295275">
-              <a:spcBef>
-                <a:spcPts val="600"/>
-              </a:spcBef>
-              <a:buSzPts val="2000"/>
-            </a:pPr>
-            <a:r>
-              <a:rPr lang="en-US" sz="2000" dirty="0"/>
-              <a:t>Exec(char *file)</a:t>
-            </a:r>
-            <a:endParaRPr dirty="0"/>
-          </a:p>
-          <a:p>
-            <a:pPr marL="860425" lvl="2" indent="-282575">
-              <a:spcBef>
-                <a:spcPts val="600"/>
-              </a:spcBef>
-              <a:buClr>
-                <a:schemeClr val="dk2"/>
-              </a:buClr>
-              <a:buSzPts val="1800"/>
-            </a:pPr>
-            <a:r>
-              <a:rPr lang="en-US" sz="1800" dirty="0"/>
-              <a:t>Replace current data and code segments with those in specified file</a:t>
-            </a:r>
-            <a:endParaRPr dirty="0"/>
-          </a:p>
-          <a:p>
-            <a:pPr marL="577850" lvl="1" indent="-295275">
-              <a:spcBef>
-                <a:spcPts val="600"/>
-              </a:spcBef>
-              <a:buSzPts val="2000"/>
-            </a:pPr>
-            <a:r>
-              <a:rPr lang="en-US" sz="2000" dirty="0"/>
-              <a:t>Advantages: Flexible, clean, simple</a:t>
-            </a:r>
-            <a:endParaRPr dirty="0"/>
-          </a:p>
-          <a:p>
-            <a:pPr marL="577850" lvl="1" indent="-295275">
-              <a:spcBef>
-                <a:spcPts val="600"/>
-              </a:spcBef>
-              <a:buSzPts val="2000"/>
-            </a:pPr>
-            <a:r>
-              <a:rPr lang="en-US" sz="2000" dirty="0"/>
-              <a:t>Disadvantages: Wasteful to perform copy and then overwrite of memory</a:t>
-            </a:r>
-            <a:endParaRPr dirty="0"/>
-          </a:p>
-        </p:txBody>
-      </p:sp>
-    </p:spTree>
-    <p:extLst>
-      <p:ext uri="{BB962C8B-B14F-4D97-AF65-F5344CB8AC3E}">
-        <p14:creationId xmlns:p14="http://schemas.microsoft.com/office/powerpoint/2010/main" val="2510845797"/>
-      </p:ext>
-    </p:extLst>
-  </p:cSld>
-  <p:clrMapOvr>
-    <a:masterClrMapping/>
-  </p:clrMapOvr>
-  <p:timing>
-    <p:tnLst>
-      <p:par>
-        <p:cTn id="1" dur="indefinite" restart="never" nodeType="tmRoot">
-          <p:childTnLst>
-            <p:seq concurrent="1" nextAc="seek">
-              <p:cTn id="2" dur="indefinite" nodeType="mainSeq">
-                <p:childTnLst>
-                  <p:par>
-                    <p:cTn id="3" fill="hold">
-                      <p:stCondLst>
-                        <p:cond delay="indefinite"/>
-                      </p:stCondLst>
-                      <p:childTnLst>
-                        <p:par>
-                          <p:cTn id="4" fill="hold">
-                            <p:stCondLst>
-                              <p:cond delay="0"/>
-                            </p:stCondLst>
-                            <p:childTnLst>
-                              <p:par>
-                                <p:cTn id="5" presetID="1" presetClass="entr" presetSubtype="0" fill="hold" nodeType="clickEffect">
-                                  <p:stCondLst>
-                                    <p:cond delay="0"/>
-                                  </p:stCondLst>
-                                  <p:childTnLst>
-                                    <p:set>
-                                      <p:cBhvr>
-                                        <p:cTn id="6" dur="1" fill="hold">
-                                          <p:stCondLst>
-                                            <p:cond delay="0"/>
-                                          </p:stCondLst>
-                                        </p:cTn>
-                                        <p:tgtEl>
-                                          <p:spTgt spid="801">
-                                            <p:txEl>
-                                              <p:pRg st="0" end="0"/>
-                                            </p:txEl>
-                                          </p:spTgt>
-                                        </p:tgtEl>
-                                        <p:attrNameLst>
-                                          <p:attrName>style.visibility</p:attrName>
-                                        </p:attrNameLst>
-                                      </p:cBhvr>
-                                      <p:to>
-                                        <p:strVal val="visible"/>
-                                      </p:to>
-                                    </p:set>
-                                  </p:childTnLst>
-                                </p:cTn>
-                              </p:par>
-                            </p:childTnLst>
-                          </p:cTn>
-                        </p:par>
-                      </p:childTnLst>
-                    </p:cTn>
-                  </p:par>
-                  <p:par>
-                    <p:cTn id="7" fill="hold">
-                      <p:stCondLst>
-                        <p:cond delay="indefinite"/>
-                      </p:stCondLst>
-                      <p:childTnLst>
-                        <p:par>
-                          <p:cTn id="8" fill="hold">
-                            <p:stCondLst>
-                              <p:cond delay="0"/>
-                            </p:stCondLst>
-                            <p:childTnLst>
-                              <p:par>
-                                <p:cTn id="9" presetID="1" presetClass="entr" presetSubtype="0" fill="hold" nodeType="clickEffect">
-                                  <p:stCondLst>
-                                    <p:cond delay="0"/>
-                                  </p:stCondLst>
-                                  <p:childTnLst>
-                                    <p:set>
-                                      <p:cBhvr>
-                                        <p:cTn id="10" dur="1" fill="hold">
-                                          <p:stCondLst>
-                                            <p:cond delay="0"/>
-                                          </p:stCondLst>
-                                        </p:cTn>
-                                        <p:tgtEl>
-                                          <p:spTgt spid="801">
-                                            <p:txEl>
-                                              <p:pRg st="1" end="1"/>
-                                            </p:txEl>
-                                          </p:spTgt>
-                                        </p:tgtEl>
-                                        <p:attrNameLst>
-                                          <p:attrName>style.visibility</p:attrName>
-                                        </p:attrNameLst>
-                                      </p:cBhvr>
-                                      <p:to>
-                                        <p:strVal val="visible"/>
-                                      </p:to>
-                                    </p:set>
-                                  </p:childTnLst>
-                                </p:cTn>
-                              </p:par>
-                            </p:childTnLst>
-                          </p:cTn>
-                        </p:par>
-                      </p:childTnLst>
-                    </p:cTn>
-                  </p:par>
-                  <p:par>
-                    <p:cTn id="11" fill="hold">
-                      <p:stCondLst>
-                        <p:cond delay="indefinite"/>
-                      </p:stCondLst>
-                      <p:childTnLst>
-                        <p:par>
-                          <p:cTn id="12" fill="hold">
-                            <p:stCondLst>
-                              <p:cond delay="0"/>
-                            </p:stCondLst>
-                            <p:childTnLst>
-                              <p:par>
-                                <p:cTn id="13" presetID="1" presetClass="entr" presetSubtype="0" fill="hold" nodeType="clickEffect">
-                                  <p:stCondLst>
-                                    <p:cond delay="0"/>
-                                  </p:stCondLst>
-                                  <p:childTnLst>
-                                    <p:set>
-                                      <p:cBhvr>
-                                        <p:cTn id="14" dur="1" fill="hold">
-                                          <p:stCondLst>
-                                            <p:cond delay="0"/>
-                                          </p:stCondLst>
-                                        </p:cTn>
-                                        <p:tgtEl>
-                                          <p:spTgt spid="801">
-                                            <p:txEl>
-                                              <p:pRg st="2" end="2"/>
-                                            </p:txEl>
-                                          </p:spTgt>
-                                        </p:tgtEl>
-                                        <p:attrNameLst>
-                                          <p:attrName>style.visibility</p:attrName>
-                                        </p:attrNameLst>
-                                      </p:cBhvr>
-                                      <p:to>
-                                        <p:strVal val="visible"/>
-                                      </p:to>
-                                    </p:set>
-                                  </p:childTnLst>
-                                </p:cTn>
-                              </p:par>
-                            </p:childTnLst>
-                          </p:cTn>
-                        </p:par>
-                      </p:childTnLst>
-                    </p:cTn>
-                  </p:par>
-                  <p:par>
-                    <p:cTn id="15" fill="hold">
-                      <p:stCondLst>
-                        <p:cond delay="indefinite"/>
-                      </p:stCondLst>
-                      <p:childTnLst>
-                        <p:par>
-                          <p:cTn id="16" fill="hold">
-                            <p:stCondLst>
-                              <p:cond delay="0"/>
-                            </p:stCondLst>
-                            <p:childTnLst>
-                              <p:par>
-                                <p:cTn id="17" presetID="1" presetClass="entr" presetSubtype="0" fill="hold" nodeType="clickEffect">
-                                  <p:stCondLst>
-                                    <p:cond delay="0"/>
-                                  </p:stCondLst>
-                                  <p:childTnLst>
-                                    <p:set>
-                                      <p:cBhvr>
-                                        <p:cTn id="18" dur="1" fill="hold">
-                                          <p:stCondLst>
-                                            <p:cond delay="0"/>
-                                          </p:stCondLst>
-                                        </p:cTn>
-                                        <p:tgtEl>
-                                          <p:spTgt spid="801">
-                                            <p:txEl>
-                                              <p:pRg st="3" end="3"/>
-                                            </p:txEl>
-                                          </p:spTgt>
-                                        </p:tgtEl>
-                                        <p:attrNameLst>
-                                          <p:attrName>style.visibility</p:attrName>
-                                        </p:attrNameLst>
-                                      </p:cBhvr>
-                                      <p:to>
-                                        <p:strVal val="visible"/>
-                                      </p:to>
-                                    </p:set>
-                                  </p:childTnLst>
-                                </p:cTn>
-                              </p:par>
-                            </p:childTnLst>
-                          </p:cTn>
-                        </p:par>
-                      </p:childTnLst>
-                    </p:cTn>
-                  </p:par>
-                  <p:par>
-                    <p:cTn id="19" fill="hold">
-                      <p:stCondLst>
-                        <p:cond delay="indefinite"/>
-                      </p:stCondLst>
-                      <p:childTnLst>
-                        <p:par>
-                          <p:cTn id="20" fill="hold">
-                            <p:stCondLst>
-                              <p:cond delay="0"/>
-                            </p:stCondLst>
-                            <p:childTnLst>
-                              <p:par>
-                                <p:cTn id="21" presetID="1" presetClass="entr" presetSubtype="0" fill="hold" nodeType="clickEffect">
-                                  <p:stCondLst>
-                                    <p:cond delay="0"/>
-                                  </p:stCondLst>
-                                  <p:childTnLst>
-                                    <p:set>
-                                      <p:cBhvr>
-                                        <p:cTn id="22" dur="1" fill="hold">
-                                          <p:stCondLst>
-                                            <p:cond delay="0"/>
-                                          </p:stCondLst>
-                                        </p:cTn>
-                                        <p:tgtEl>
-                                          <p:spTgt spid="801">
-                                            <p:txEl>
-                                              <p:pRg st="4" end="4"/>
-                                            </p:txEl>
-                                          </p:spTgt>
-                                        </p:tgtEl>
-                                        <p:attrNameLst>
-                                          <p:attrName>style.visibility</p:attrName>
-                                        </p:attrNameLst>
-                                      </p:cBhvr>
-                                      <p:to>
-                                        <p:strVal val="visible"/>
-                                      </p:to>
-                                    </p:set>
-                                  </p:childTnLst>
-                                </p:cTn>
-                              </p:par>
-                            </p:childTnLst>
-                          </p:cTn>
-                        </p:par>
-                      </p:childTnLst>
-                    </p:cTn>
-                  </p:par>
-                  <p:par>
-                    <p:cTn id="23" fill="hold">
-                      <p:stCondLst>
-                        <p:cond delay="indefinite"/>
-                      </p:stCondLst>
-                      <p:childTnLst>
-                        <p:par>
-                          <p:cTn id="24" fill="hold">
-                            <p:stCondLst>
-                              <p:cond delay="0"/>
-                            </p:stCondLst>
-                            <p:childTnLst>
-                              <p:par>
-                                <p:cTn id="25" presetID="1" presetClass="entr" presetSubtype="0" fill="hold" nodeType="clickEffect">
-                                  <p:stCondLst>
-                                    <p:cond delay="0"/>
-                                  </p:stCondLst>
-                                  <p:childTnLst>
-                                    <p:set>
-                                      <p:cBhvr>
-                                        <p:cTn id="26" dur="1" fill="hold">
-                                          <p:stCondLst>
-                                            <p:cond delay="0"/>
-                                          </p:stCondLst>
-                                        </p:cTn>
-                                        <p:tgtEl>
-                                          <p:spTgt spid="801">
-                                            <p:txEl>
-                                              <p:pRg st="5" end="5"/>
-                                            </p:txEl>
-                                          </p:spTgt>
-                                        </p:tgtEl>
-                                        <p:attrNameLst>
-                                          <p:attrName>style.visibility</p:attrName>
-                                        </p:attrNameLst>
-                                      </p:cBhvr>
-                                      <p:to>
-                                        <p:strVal val="visible"/>
-                                      </p:to>
-                                    </p:set>
-                                  </p:childTnLst>
-                                </p:cTn>
-                              </p:par>
-                            </p:childTnLst>
-                          </p:cTn>
-                        </p:par>
-                      </p:childTnLst>
-                    </p:cTn>
-                  </p:par>
-                  <p:par>
-                    <p:cTn id="27" fill="hold">
-                      <p:stCondLst>
-                        <p:cond delay="indefinite"/>
-                      </p:stCondLst>
-                      <p:childTnLst>
-                        <p:par>
-                          <p:cTn id="28" fill="hold">
-                            <p:stCondLst>
-                              <p:cond delay="0"/>
-                            </p:stCondLst>
-                            <p:childTnLst>
-                              <p:par>
-                                <p:cTn id="29" presetID="1" presetClass="entr" presetSubtype="0" fill="hold" nodeType="clickEffect">
-                                  <p:stCondLst>
-                                    <p:cond delay="0"/>
-                                  </p:stCondLst>
-                                  <p:childTnLst>
-                                    <p:set>
-                                      <p:cBhvr>
-                                        <p:cTn id="30" dur="1" fill="hold">
-                                          <p:stCondLst>
-                                            <p:cond delay="0"/>
-                                          </p:stCondLst>
-                                        </p:cTn>
-                                        <p:tgtEl>
-                                          <p:spTgt spid="801">
-                                            <p:txEl>
-                                              <p:pRg st="6" end="6"/>
-                                            </p:txEl>
-                                          </p:spTgt>
-                                        </p:tgtEl>
-                                        <p:attrNameLst>
-                                          <p:attrName>style.visibility</p:attrName>
-                                        </p:attrNameLst>
-                                      </p:cBhvr>
-                                      <p:to>
-                                        <p:strVal val="visible"/>
-                                      </p:to>
-                                    </p:set>
-                                  </p:childTnLst>
-                                </p:cTn>
-                              </p:par>
-                            </p:childTnLst>
-                          </p:cTn>
-                        </p:par>
-                      </p:childTnLst>
-                    </p:cTn>
-                  </p:par>
-                  <p:par>
-                    <p:cTn id="31" fill="hold">
-                      <p:stCondLst>
-                        <p:cond delay="indefinite"/>
-                      </p:stCondLst>
-                      <p:childTnLst>
-                        <p:par>
-                          <p:cTn id="32" fill="hold">
-                            <p:stCondLst>
-                              <p:cond delay="0"/>
-                            </p:stCondLst>
-                            <p:childTnLst>
-                              <p:par>
-                                <p:cTn id="33" presetID="1" presetClass="entr" presetSubtype="0" fill="hold" nodeType="clickEffect">
-                                  <p:stCondLst>
-                                    <p:cond delay="0"/>
-                                  </p:stCondLst>
-                                  <p:childTnLst>
-                                    <p:set>
-                                      <p:cBhvr>
-                                        <p:cTn id="34" dur="1" fill="hold">
-                                          <p:stCondLst>
-                                            <p:cond delay="0"/>
-                                          </p:stCondLst>
-                                        </p:cTn>
-                                        <p:tgtEl>
-                                          <p:spTgt spid="801">
-                                            <p:txEl>
-                                              <p:pRg st="7" end="7"/>
-                                            </p:txEl>
-                                          </p:spTgt>
-                                        </p:tgtEl>
-                                        <p:attrNameLst>
-                                          <p:attrName>style.visibility</p:attrName>
-                                        </p:attrNameLst>
-                                      </p:cBhvr>
-                                      <p:to>
-                                        <p:strVal val="visible"/>
-                                      </p:to>
-                                    </p:set>
-                                  </p:childTnLst>
-                                </p:cTn>
-                              </p:par>
-                            </p:childTnLst>
-                          </p:cTn>
-                        </p:par>
-                      </p:childTnLst>
-                    </p:cTn>
-                  </p:par>
-                  <p:par>
-                    <p:cTn id="35" fill="hold">
-                      <p:stCondLst>
-                        <p:cond delay="indefinite"/>
-                      </p:stCondLst>
-                      <p:childTnLst>
-                        <p:par>
-                          <p:cTn id="36" fill="hold">
-                            <p:stCondLst>
-                              <p:cond delay="0"/>
-                            </p:stCondLst>
-                            <p:childTnLst>
-                              <p:par>
-                                <p:cTn id="37" presetID="1" presetClass="entr" presetSubtype="0" fill="hold" nodeType="clickEffect">
-                                  <p:stCondLst>
-                                    <p:cond delay="0"/>
-                                  </p:stCondLst>
-                                  <p:childTnLst>
-                                    <p:set>
-                                      <p:cBhvr>
-                                        <p:cTn id="38" dur="1" fill="hold">
-                                          <p:stCondLst>
-                                            <p:cond delay="0"/>
-                                          </p:stCondLst>
-                                        </p:cTn>
-                                        <p:tgtEl>
-                                          <p:spTgt spid="801">
-                                            <p:txEl>
-                                              <p:pRg st="8" end="8"/>
-                                            </p:txEl>
-                                          </p:spTgt>
-                                        </p:tgtEl>
-                                        <p:attrNameLst>
-                                          <p:attrName>style.visibility</p:attrName>
-                                        </p:attrNameLst>
-                                      </p:cBhvr>
-                                      <p:to>
-                                        <p:strVal val="visible"/>
-                                      </p:to>
-                                    </p:set>
-                                  </p:childTnLst>
-                                </p:cTn>
-                              </p:par>
-                            </p:childTnLst>
-                          </p:cTn>
-                        </p:par>
-                      </p:childTnLst>
-                    </p:cTn>
-                  </p:par>
-                  <p:par>
-                    <p:cTn id="39" fill="hold">
-                      <p:stCondLst>
-                        <p:cond delay="indefinite"/>
-                      </p:stCondLst>
-                      <p:childTnLst>
-                        <p:par>
-                          <p:cTn id="40" fill="hold">
-                            <p:stCondLst>
-                              <p:cond delay="0"/>
-                            </p:stCondLst>
-                            <p:childTnLst>
-                              <p:par>
-                                <p:cTn id="41" presetID="1" presetClass="entr" presetSubtype="0" fill="hold" nodeType="clickEffect">
-                                  <p:stCondLst>
-                                    <p:cond delay="0"/>
-                                  </p:stCondLst>
-                                  <p:childTnLst>
-                                    <p:set>
-                                      <p:cBhvr>
-                                        <p:cTn id="42" dur="1" fill="hold">
-                                          <p:stCondLst>
-                                            <p:cond delay="0"/>
-                                          </p:stCondLst>
-                                        </p:cTn>
-                                        <p:tgtEl>
-                                          <p:spTgt spid="801">
-                                            <p:txEl>
-                                              <p:pRg st="9" end="9"/>
-                                            </p:txEl>
-                                          </p:spTgt>
-                                        </p:tgtEl>
-                                        <p:attrNameLst>
-                                          <p:attrName>style.visibility</p:attrName>
-                                        </p:attrNameLst>
-                                      </p:cBhvr>
-                                      <p:to>
-                                        <p:strVal val="visible"/>
-                                      </p:to>
-                                    </p:set>
-                                  </p:childTnLst>
-                                </p:cTn>
-                              </p:par>
-                            </p:childTnLst>
-                          </p:cTn>
-                        </p:par>
-                      </p:childTnLst>
-                    </p:cTn>
-                  </p:par>
-                  <p:par>
-                    <p:cTn id="43" fill="hold">
-                      <p:stCondLst>
-                        <p:cond delay="indefinite"/>
-                      </p:stCondLst>
-                      <p:childTnLst>
-                        <p:par>
-                          <p:cTn id="44" fill="hold">
-                            <p:stCondLst>
-                              <p:cond delay="0"/>
-                            </p:stCondLst>
-                            <p:childTnLst>
-                              <p:par>
-                                <p:cTn id="45" presetID="1" presetClass="entr" presetSubtype="0" fill="hold" nodeType="clickEffect">
-                                  <p:stCondLst>
-                                    <p:cond delay="0"/>
-                                  </p:stCondLst>
-                                  <p:childTnLst>
-                                    <p:set>
-                                      <p:cBhvr>
-                                        <p:cTn id="46" dur="1" fill="hold">
-                                          <p:stCondLst>
-                                            <p:cond delay="0"/>
-                                          </p:stCondLst>
-                                        </p:cTn>
-                                        <p:tgtEl>
-                                          <p:spTgt spid="801">
-                                            <p:txEl>
-                                              <p:pRg st="10" end="10"/>
-                                            </p:txEl>
-                                          </p:spTgt>
-                                        </p:tgtEl>
-                                        <p:attrNameLst>
-                                          <p:attrName>style.visibility</p:attrName>
-                                        </p:attrNameLst>
-                                      </p:cBhvr>
-                                      <p:to>
-                                        <p:strVal val="visible"/>
-                                      </p:to>
-                                    </p:set>
-                                  </p:childTnLst>
-                                </p:cTn>
-                              </p:par>
-                            </p:childTnLst>
-                          </p:cTn>
-                        </p:par>
-                      </p:childTnLst>
-                    </p:cTn>
-                  </p:par>
-                  <p:par>
-                    <p:cTn id="47" fill="hold">
-                      <p:stCondLst>
-                        <p:cond delay="indefinite"/>
-                      </p:stCondLst>
-                      <p:childTnLst>
-                        <p:par>
-                          <p:cTn id="48" fill="hold">
-                            <p:stCondLst>
-                              <p:cond delay="0"/>
-                            </p:stCondLst>
-                            <p:childTnLst>
-                              <p:par>
-                                <p:cTn id="49" presetID="1" presetClass="entr" presetSubtype="0" fill="hold" nodeType="clickEffect">
-                                  <p:stCondLst>
-                                    <p:cond delay="0"/>
-                                  </p:stCondLst>
-                                  <p:childTnLst>
-                                    <p:set>
-                                      <p:cBhvr>
-                                        <p:cTn id="50" dur="1" fill="hold">
-                                          <p:stCondLst>
-                                            <p:cond delay="0"/>
-                                          </p:stCondLst>
-                                        </p:cTn>
-                                        <p:tgtEl>
-                                          <p:spTgt spid="801">
-                                            <p:txEl>
-                                              <p:pRg st="11" end="11"/>
-                                            </p:txEl>
-                                          </p:spTgt>
-                                        </p:tgtEl>
-                                        <p:attrNameLst>
-                                          <p:attrName>style.visibility</p:attrName>
-                                        </p:attrNameLst>
-                                      </p:cBhvr>
-                                      <p:to>
-                                        <p:strVal val="visible"/>
-                                      </p:to>
-                                    </p:set>
-                                  </p:childTnLst>
-                                </p:cTn>
-                              </p:par>
-                            </p:childTnLst>
-                          </p:cTn>
-                        </p:par>
-                      </p:childTnLst>
-                    </p:cTn>
-                  </p:par>
-                  <p:par>
-                    <p:cTn id="51" fill="hold">
-                      <p:stCondLst>
-                        <p:cond delay="indefinite"/>
-                      </p:stCondLst>
-                      <p:childTnLst>
-                        <p:par>
-                          <p:cTn id="52" fill="hold">
-                            <p:stCondLst>
-                              <p:cond delay="0"/>
-                            </p:stCondLst>
-                            <p:childTnLst>
-                              <p:par>
-                                <p:cTn id="53" presetID="1" presetClass="entr" presetSubtype="0" fill="hold" nodeType="clickEffect">
-                                  <p:stCondLst>
-                                    <p:cond delay="0"/>
-                                  </p:stCondLst>
-                                  <p:childTnLst>
-                                    <p:set>
-                                      <p:cBhvr>
-                                        <p:cTn id="54" dur="1" fill="hold">
-                                          <p:stCondLst>
-                                            <p:cond delay="0"/>
-                                          </p:stCondLst>
-                                        </p:cTn>
-                                        <p:tgtEl>
-                                          <p:spTgt spid="801">
-                                            <p:txEl>
-                                              <p:pRg st="12" end="12"/>
-                                            </p:txEl>
-                                          </p:spTgt>
-                                        </p:tgtEl>
-                                        <p:attrNameLst>
-                                          <p:attrName>style.visibility</p:attrName>
-                                        </p:attrNameLst>
-                                      </p:cBhvr>
-                                      <p:to>
-                                        <p:strVal val="visible"/>
-                                      </p:to>
-                                    </p:set>
-                                  </p:childTnLst>
-                                </p:cTn>
-                              </p:par>
-                            </p:childTnLst>
-                          </p:cTn>
-                        </p:par>
-                      </p:childTnLst>
-                    </p:cTn>
-                  </p:par>
-                </p:childTnLst>
-              </p:cTn>
-              <p:prevCondLst>
-                <p:cond evt="onPrev" delay="0">
-                  <p:tgtEl>
-                    <p:sldTgt/>
-                  </p:tgtEl>
-                </p:cond>
-              </p:prevCondLst>
-              <p:nextCondLst>
-                <p:cond evt="onNext" delay="0">
-                  <p:tgtEl>
-                    <p:sldTgt/>
-                  </p:tgtEl>
-                </p:cond>
-              </p:nextCondLst>
-            </p:seq>
-          </p:childTnLst>
-        </p:cTn>
-      </p:par>
-    </p:tnLst>
-  </p:timing>
-</p:sld>
-</file>
-
-<file path=ppt/slides/slide49.xml><?xml version="1.0" encoding="utf-8"?>
-<p:sld xmlns:a="http://schemas.openxmlformats.org/drawingml/2006/main" xmlns:r="http://schemas.openxmlformats.org/officeDocument/2006/relationships" xmlns:p="http://schemas.openxmlformats.org/presentationml/2006/main">
-  <p:cSld>
-    <p:spTree>
-      <p:nvGrpSpPr>
-        <p:cNvPr id="1" name="Shape 805"/>
-        <p:cNvGrpSpPr/>
-        <p:nvPr/>
-      </p:nvGrpSpPr>
-      <p:grpSpPr>
-        <a:xfrm>
-          <a:off x="0" y="0"/>
-          <a:ext cx="0" cy="0"/>
-          <a:chOff x="0" y="0"/>
-          <a:chExt cx="0" cy="0"/>
-        </a:xfrm>
-      </p:grpSpPr>
-      <p:sp>
-        <p:nvSpPr>
-          <p:cNvPr id="806" name="Google Shape;806;p67"/>
-          <p:cNvSpPr txBox="1">
-            <a:spLocks noGrp="1"/>
-          </p:cNvSpPr>
-          <p:nvPr>
-            <p:ph type="title"/>
-          </p:nvPr>
-        </p:nvSpPr>
-        <p:spPr>
-          <a:xfrm>
-            <a:off x="2303464" y="63500"/>
-            <a:ext cx="7583487" cy="1282700"/>
-          </a:xfrm>
-          <a:prstGeom prst="rect">
-            <a:avLst/>
-          </a:prstGeom>
-          <a:noFill/>
-          <a:ln>
-            <a:noFill/>
-          </a:ln>
-        </p:spPr>
-        <p:txBody>
-          <a:bodyPr spcFirstLastPara="1" vert="horz" wrap="square" lIns="91425" tIns="45700" rIns="91425" bIns="45700" rtlCol="0" anchor="ctr" anchorCtr="0">
-            <a:noAutofit/>
-          </a:bodyPr>
-          <a:lstStyle/>
-          <a:p>
-            <a:pPr algn="ctr">
-              <a:spcBef>
-                <a:spcPts val="0"/>
-              </a:spcBef>
-            </a:pPr>
-            <a:r>
-              <a:rPr lang="en-US"/>
-              <a:t>Unix Process Creation </a:t>
-            </a:r>
-            <a:endParaRPr/>
-          </a:p>
-        </p:txBody>
-      </p:sp>
-      <p:sp>
-        <p:nvSpPr>
-          <p:cNvPr id="807" name="Google Shape;807;p67"/>
-          <p:cNvSpPr txBox="1">
-            <a:spLocks noGrp="1"/>
-          </p:cNvSpPr>
-          <p:nvPr>
-            <p:ph type="body" idx="4294967295"/>
-          </p:nvPr>
-        </p:nvSpPr>
-        <p:spPr>
-          <a:xfrm>
-            <a:off x="1452748" y="1346200"/>
-            <a:ext cx="8991600" cy="5181600"/>
-          </a:xfrm>
-          <a:prstGeom prst="rect">
-            <a:avLst/>
-          </a:prstGeom>
-          <a:noFill/>
-          <a:ln>
-            <a:noFill/>
-          </a:ln>
-        </p:spPr>
-        <p:txBody>
-          <a:bodyPr spcFirstLastPara="1" vert="horz" wrap="square" lIns="91425" tIns="45700" rIns="91425" bIns="45700" rtlCol="0" anchor="t" anchorCtr="0">
-            <a:noAutofit/>
-          </a:bodyPr>
-          <a:lstStyle/>
-          <a:p>
-            <a:pPr marL="282575" indent="-282575">
-              <a:spcBef>
-                <a:spcPts val="0"/>
-              </a:spcBef>
-              <a:buClr>
-                <a:schemeClr val="dk2"/>
-              </a:buClr>
-              <a:buSzPts val="2000"/>
-              <a:buNone/>
-            </a:pPr>
-            <a:r>
-              <a:rPr lang="en-US" sz="2000" dirty="0"/>
-              <a:t>Fork/exec crucial to how the user’s shell is implemented!</a:t>
-            </a:r>
-            <a:endParaRPr dirty="0"/>
-          </a:p>
-          <a:p>
-            <a:pPr marL="282575" indent="-282575">
-              <a:spcBef>
-                <a:spcPts val="2000"/>
-              </a:spcBef>
-              <a:buClr>
-                <a:schemeClr val="dk2"/>
-              </a:buClr>
-              <a:buSzPts val="1800"/>
-              <a:buNone/>
-            </a:pPr>
-            <a:endParaRPr sz="1800" dirty="0"/>
-          </a:p>
-          <a:p>
-            <a:pPr marL="283464" indent="-282575">
-              <a:spcBef>
-                <a:spcPts val="0"/>
-              </a:spcBef>
-              <a:buClr>
-                <a:schemeClr val="dk2"/>
-              </a:buClr>
-              <a:buSzPts val="1800"/>
-              <a:buNone/>
-            </a:pPr>
-            <a:r>
-              <a:rPr lang="en-US" sz="1800" dirty="0">
-                <a:latin typeface="Courier"/>
-                <a:ea typeface="Courier"/>
-                <a:cs typeface="Courier"/>
-                <a:sym typeface="Courier"/>
-              </a:rPr>
-              <a:t>While (1) {</a:t>
-            </a:r>
-            <a:endParaRPr dirty="0"/>
-          </a:p>
-          <a:p>
-            <a:pPr marL="283464" indent="-282575">
-              <a:spcBef>
-                <a:spcPts val="0"/>
-              </a:spcBef>
-              <a:buClr>
-                <a:schemeClr val="dk2"/>
-              </a:buClr>
-              <a:buSzPts val="1800"/>
-              <a:buNone/>
-            </a:pPr>
-            <a:r>
-              <a:rPr lang="en-US" sz="1800" dirty="0">
-                <a:latin typeface="Courier"/>
-                <a:ea typeface="Courier"/>
-                <a:cs typeface="Courier"/>
-                <a:sym typeface="Courier"/>
-              </a:rPr>
-              <a:t>	Char *</a:t>
-            </a:r>
-            <a:r>
-              <a:rPr lang="en-US" sz="1800" dirty="0" err="1">
-                <a:latin typeface="Courier"/>
-                <a:ea typeface="Courier"/>
-                <a:cs typeface="Courier"/>
-                <a:sym typeface="Courier"/>
-              </a:rPr>
-              <a:t>cmd</a:t>
-            </a:r>
-            <a:r>
-              <a:rPr lang="en-US" sz="1800" dirty="0">
-                <a:latin typeface="Courier"/>
-                <a:ea typeface="Courier"/>
-                <a:cs typeface="Courier"/>
-                <a:sym typeface="Courier"/>
-              </a:rPr>
-              <a:t> = </a:t>
-            </a:r>
-            <a:r>
-              <a:rPr lang="en-US" sz="1800" dirty="0" err="1">
-                <a:latin typeface="Courier"/>
-                <a:ea typeface="Courier"/>
-                <a:cs typeface="Courier"/>
-                <a:sym typeface="Courier"/>
-              </a:rPr>
-              <a:t>getcmd</a:t>
-            </a:r>
-            <a:r>
-              <a:rPr lang="en-US" sz="1800" dirty="0">
-                <a:latin typeface="Courier"/>
-                <a:ea typeface="Courier"/>
-                <a:cs typeface="Courier"/>
-                <a:sym typeface="Courier"/>
-              </a:rPr>
-              <a:t>();</a:t>
-            </a:r>
-            <a:endParaRPr dirty="0"/>
-          </a:p>
-          <a:p>
-            <a:pPr marL="283464" indent="-282575">
-              <a:spcBef>
-                <a:spcPts val="0"/>
-              </a:spcBef>
-              <a:buClr>
-                <a:schemeClr val="dk2"/>
-              </a:buClr>
-              <a:buSzPts val="1800"/>
-              <a:buNone/>
-            </a:pPr>
-            <a:r>
-              <a:rPr lang="en-US" sz="1800" dirty="0">
-                <a:latin typeface="Courier"/>
-                <a:ea typeface="Courier"/>
-                <a:cs typeface="Courier"/>
-                <a:sym typeface="Courier"/>
-              </a:rPr>
-              <a:t>	Int </a:t>
-            </a:r>
-            <a:r>
-              <a:rPr lang="en-US" sz="1800" dirty="0" err="1">
-                <a:latin typeface="Courier"/>
-                <a:ea typeface="Courier"/>
-                <a:cs typeface="Courier"/>
-                <a:sym typeface="Courier"/>
-              </a:rPr>
-              <a:t>retval</a:t>
-            </a:r>
-            <a:r>
-              <a:rPr lang="en-US" sz="1800" dirty="0">
-                <a:latin typeface="Courier"/>
-                <a:ea typeface="Courier"/>
-                <a:cs typeface="Courier"/>
-                <a:sym typeface="Courier"/>
-              </a:rPr>
-              <a:t> = fork();</a:t>
-            </a:r>
-            <a:endParaRPr dirty="0"/>
-          </a:p>
-          <a:p>
-            <a:pPr marL="283464" indent="-282575">
-              <a:spcBef>
-                <a:spcPts val="0"/>
-              </a:spcBef>
-              <a:buClr>
-                <a:schemeClr val="dk2"/>
-              </a:buClr>
-              <a:buSzPts val="1800"/>
-              <a:buNone/>
-            </a:pPr>
-            <a:r>
-              <a:rPr lang="en-US" sz="1800" dirty="0">
-                <a:latin typeface="Courier"/>
-                <a:ea typeface="Courier"/>
-                <a:cs typeface="Courier"/>
-                <a:sym typeface="Courier"/>
-              </a:rPr>
-              <a:t>	If (</a:t>
-            </a:r>
-            <a:r>
-              <a:rPr lang="en-US" sz="1800" dirty="0" err="1">
-                <a:latin typeface="Courier"/>
-                <a:ea typeface="Courier"/>
-                <a:cs typeface="Courier"/>
-                <a:sym typeface="Courier"/>
-              </a:rPr>
-              <a:t>retval</a:t>
-            </a:r>
-            <a:r>
-              <a:rPr lang="en-US" sz="1800" dirty="0">
-                <a:latin typeface="Courier"/>
-                <a:ea typeface="Courier"/>
-                <a:cs typeface="Courier"/>
-                <a:sym typeface="Courier"/>
-              </a:rPr>
-              <a:t> == 0) {</a:t>
-            </a:r>
-            <a:endParaRPr dirty="0"/>
-          </a:p>
-          <a:p>
-            <a:pPr marL="283464" indent="-282575">
-              <a:spcBef>
-                <a:spcPts val="0"/>
-              </a:spcBef>
-              <a:buClr>
-                <a:schemeClr val="dk2"/>
-              </a:buClr>
-              <a:buSzPts val="1800"/>
-              <a:buNone/>
-            </a:pPr>
-            <a:r>
-              <a:rPr lang="en-US" sz="1800" dirty="0">
-                <a:latin typeface="Courier"/>
-                <a:ea typeface="Courier"/>
-                <a:cs typeface="Courier"/>
-                <a:sym typeface="Courier"/>
-              </a:rPr>
-              <a:t>		// This is the child process</a:t>
-            </a:r>
-            <a:endParaRPr dirty="0"/>
-          </a:p>
-          <a:p>
-            <a:pPr marL="283464" indent="-282575">
-              <a:spcBef>
-                <a:spcPts val="0"/>
-              </a:spcBef>
-              <a:buClr>
-                <a:schemeClr val="dk2"/>
-              </a:buClr>
-              <a:buSzPts val="1800"/>
-              <a:buNone/>
-            </a:pPr>
-            <a:r>
-              <a:rPr lang="en-US" sz="1800" dirty="0">
-                <a:latin typeface="Courier"/>
-                <a:ea typeface="Courier"/>
-                <a:cs typeface="Courier"/>
-                <a:sym typeface="Courier"/>
-              </a:rPr>
-              <a:t>		// Setup the child’s process environment here</a:t>
-            </a:r>
-            <a:endParaRPr dirty="0"/>
-          </a:p>
-          <a:p>
-            <a:pPr marL="283464" indent="-282575">
-              <a:spcBef>
-                <a:spcPts val="0"/>
-              </a:spcBef>
-              <a:buClr>
-                <a:schemeClr val="dk2"/>
-              </a:buClr>
-              <a:buSzPts val="1800"/>
-              <a:buNone/>
-            </a:pPr>
-            <a:r>
-              <a:rPr lang="en-US" sz="1800" dirty="0">
-                <a:latin typeface="Courier"/>
-                <a:ea typeface="Courier"/>
-                <a:cs typeface="Courier"/>
-                <a:sym typeface="Courier"/>
-              </a:rPr>
-              <a:t>		// E.g., where is standard I/O, how to handle signals?</a:t>
-            </a:r>
-            <a:endParaRPr dirty="0"/>
-          </a:p>
-          <a:p>
-            <a:pPr marL="283464" indent="-282575">
-              <a:spcBef>
-                <a:spcPts val="0"/>
-              </a:spcBef>
-              <a:buClr>
-                <a:schemeClr val="dk2"/>
-              </a:buClr>
-              <a:buSzPts val="1800"/>
-              <a:buNone/>
-            </a:pPr>
-            <a:r>
-              <a:rPr lang="en-US" sz="1800" dirty="0">
-                <a:latin typeface="Courier"/>
-                <a:ea typeface="Courier"/>
-                <a:cs typeface="Courier"/>
-                <a:sym typeface="Courier"/>
-              </a:rPr>
-              <a:t>		exec(</a:t>
-            </a:r>
-            <a:r>
-              <a:rPr lang="en-US" sz="1800" dirty="0" err="1">
-                <a:latin typeface="Courier"/>
-                <a:ea typeface="Courier"/>
-                <a:cs typeface="Courier"/>
-                <a:sym typeface="Courier"/>
-              </a:rPr>
-              <a:t>cmd</a:t>
-            </a:r>
-            <a:r>
-              <a:rPr lang="en-US" sz="1800" dirty="0">
-                <a:latin typeface="Courier"/>
-                <a:ea typeface="Courier"/>
-                <a:cs typeface="Courier"/>
-                <a:sym typeface="Courier"/>
-              </a:rPr>
-              <a:t>);</a:t>
-            </a:r>
-            <a:endParaRPr dirty="0"/>
-          </a:p>
-          <a:p>
-            <a:pPr marL="282575" indent="-282575">
-              <a:spcBef>
-                <a:spcPts val="0"/>
-              </a:spcBef>
-              <a:buClr>
-                <a:schemeClr val="dk2"/>
-              </a:buClr>
-              <a:buSzPts val="1800"/>
-              <a:buNone/>
-            </a:pPr>
-            <a:r>
-              <a:rPr lang="en-US" sz="1800" dirty="0">
-                <a:latin typeface="Courier"/>
-                <a:ea typeface="Courier"/>
-                <a:cs typeface="Courier"/>
-                <a:sym typeface="Courier"/>
-              </a:rPr>
-              <a:t>		// exec does not return if it succeeds</a:t>
-            </a:r>
-            <a:endParaRPr dirty="0"/>
-          </a:p>
-          <a:p>
-            <a:pPr marL="282575" indent="-282575">
-              <a:spcBef>
-                <a:spcPts val="0"/>
-              </a:spcBef>
-              <a:buClr>
-                <a:schemeClr val="dk2"/>
-              </a:buClr>
-              <a:buSzPts val="1800"/>
-              <a:buNone/>
-            </a:pPr>
-            <a:r>
-              <a:rPr lang="en-US" sz="1800" dirty="0">
-                <a:latin typeface="Courier"/>
-                <a:ea typeface="Courier"/>
-                <a:cs typeface="Courier"/>
-                <a:sym typeface="Courier"/>
-              </a:rPr>
-              <a:t>		</a:t>
-            </a:r>
-            <a:r>
-              <a:rPr lang="en-US" sz="1800" dirty="0" err="1">
-                <a:latin typeface="Courier"/>
-                <a:ea typeface="Courier"/>
-                <a:cs typeface="Courier"/>
-                <a:sym typeface="Courier"/>
-              </a:rPr>
-              <a:t>printf</a:t>
-            </a:r>
-            <a:r>
-              <a:rPr lang="en-US" sz="1800" dirty="0">
-                <a:latin typeface="Courier"/>
-                <a:ea typeface="Courier"/>
-                <a:cs typeface="Courier"/>
-                <a:sym typeface="Courier"/>
-              </a:rPr>
-              <a:t>(“ERROR: Could not execute %s\n”, </a:t>
-            </a:r>
-            <a:r>
-              <a:rPr lang="en-US" sz="1800" dirty="0" err="1">
-                <a:latin typeface="Courier"/>
-                <a:ea typeface="Courier"/>
-                <a:cs typeface="Courier"/>
-                <a:sym typeface="Courier"/>
-              </a:rPr>
-              <a:t>cmd</a:t>
-            </a:r>
-            <a:r>
-              <a:rPr lang="en-US" sz="1800" dirty="0">
-                <a:latin typeface="Courier"/>
-                <a:ea typeface="Courier"/>
-                <a:cs typeface="Courier"/>
-                <a:sym typeface="Courier"/>
-              </a:rPr>
-              <a:t>);</a:t>
-            </a:r>
-            <a:endParaRPr dirty="0"/>
-          </a:p>
-          <a:p>
-            <a:pPr marL="282575" indent="-282575">
-              <a:spcBef>
-                <a:spcPts val="0"/>
-              </a:spcBef>
-              <a:buClr>
-                <a:schemeClr val="dk2"/>
-              </a:buClr>
-              <a:buSzPts val="1800"/>
-              <a:buNone/>
-            </a:pPr>
-            <a:r>
-              <a:rPr lang="en-US" sz="1800" dirty="0">
-                <a:latin typeface="Courier"/>
-                <a:ea typeface="Courier"/>
-                <a:cs typeface="Courier"/>
-                <a:sym typeface="Courier"/>
-              </a:rPr>
-              <a:t>		exit(1);</a:t>
-            </a:r>
-            <a:endParaRPr dirty="0"/>
-          </a:p>
-          <a:p>
-            <a:pPr marL="282575" indent="-282575">
-              <a:spcBef>
-                <a:spcPts val="0"/>
-              </a:spcBef>
-              <a:buClr>
-                <a:schemeClr val="dk2"/>
-              </a:buClr>
-              <a:buSzPts val="1800"/>
-              <a:buNone/>
-            </a:pPr>
-            <a:r>
-              <a:rPr lang="en-US" sz="1800" dirty="0">
-                <a:latin typeface="Courier"/>
-                <a:ea typeface="Courier"/>
-                <a:cs typeface="Courier"/>
-                <a:sym typeface="Courier"/>
-              </a:rPr>
-              <a:t>	} else {</a:t>
-            </a:r>
-            <a:endParaRPr dirty="0"/>
-          </a:p>
-          <a:p>
-            <a:pPr marL="282575" indent="-282575">
-              <a:spcBef>
-                <a:spcPts val="0"/>
-              </a:spcBef>
-              <a:buClr>
-                <a:schemeClr val="dk2"/>
-              </a:buClr>
-              <a:buSzPts val="1800"/>
-              <a:buNone/>
-            </a:pPr>
-            <a:r>
-              <a:rPr lang="en-US" sz="1800" dirty="0"/>
-              <a:t>		</a:t>
-            </a:r>
-            <a:r>
-              <a:rPr lang="en-US" sz="1800" dirty="0">
-                <a:latin typeface="Courier"/>
-                <a:ea typeface="Courier"/>
-                <a:cs typeface="Courier"/>
-                <a:sym typeface="Courier"/>
-              </a:rPr>
-              <a:t>// This is the parent process; Wait for child to finish</a:t>
-            </a:r>
-            <a:endParaRPr dirty="0"/>
-          </a:p>
-          <a:p>
-            <a:pPr marL="282575" indent="-282575">
-              <a:spcBef>
-                <a:spcPts val="0"/>
-              </a:spcBef>
-              <a:buClr>
-                <a:schemeClr val="dk2"/>
-              </a:buClr>
-              <a:buSzPts val="1800"/>
-              <a:buNone/>
-            </a:pPr>
-            <a:r>
-              <a:rPr lang="en-US" sz="1800" dirty="0">
-                <a:latin typeface="Courier"/>
-                <a:ea typeface="Courier"/>
-                <a:cs typeface="Courier"/>
-                <a:sym typeface="Courier"/>
-              </a:rPr>
-              <a:t>		int </a:t>
-            </a:r>
-            <a:r>
-              <a:rPr lang="en-US" sz="1800" dirty="0" err="1">
-                <a:latin typeface="Courier"/>
-                <a:ea typeface="Courier"/>
-                <a:cs typeface="Courier"/>
-                <a:sym typeface="Courier"/>
-              </a:rPr>
-              <a:t>pid</a:t>
-            </a:r>
-            <a:r>
-              <a:rPr lang="en-US" sz="1800" dirty="0">
-                <a:latin typeface="Courier"/>
-                <a:ea typeface="Courier"/>
-                <a:cs typeface="Courier"/>
-                <a:sym typeface="Courier"/>
-              </a:rPr>
-              <a:t> = </a:t>
-            </a:r>
-            <a:r>
-              <a:rPr lang="en-US" sz="1800" dirty="0" err="1">
-                <a:latin typeface="Courier"/>
-                <a:ea typeface="Courier"/>
-                <a:cs typeface="Courier"/>
-                <a:sym typeface="Courier"/>
-              </a:rPr>
-              <a:t>retval</a:t>
-            </a:r>
-            <a:r>
-              <a:rPr lang="en-US" sz="1800" dirty="0">
-                <a:latin typeface="Courier"/>
-                <a:ea typeface="Courier"/>
-                <a:cs typeface="Courier"/>
-                <a:sym typeface="Courier"/>
-              </a:rPr>
-              <a:t>;</a:t>
-            </a:r>
-            <a:endParaRPr dirty="0"/>
-          </a:p>
-          <a:p>
-            <a:pPr marL="282575" indent="-282575">
-              <a:spcBef>
-                <a:spcPts val="0"/>
-              </a:spcBef>
-              <a:buClr>
-                <a:schemeClr val="dk2"/>
-              </a:buClr>
-              <a:buSzPts val="1800"/>
-              <a:buNone/>
-            </a:pPr>
-            <a:r>
-              <a:rPr lang="en-US" sz="1800" dirty="0">
-                <a:latin typeface="Courier"/>
-                <a:ea typeface="Courier"/>
-                <a:cs typeface="Courier"/>
-                <a:sym typeface="Courier"/>
-              </a:rPr>
-              <a:t>		wait(</a:t>
-            </a:r>
-            <a:r>
-              <a:rPr lang="en-US" sz="1800" dirty="0" err="1">
-                <a:latin typeface="Courier"/>
-                <a:ea typeface="Courier"/>
-                <a:cs typeface="Courier"/>
-                <a:sym typeface="Courier"/>
-              </a:rPr>
-              <a:t>pid</a:t>
-            </a:r>
-            <a:r>
-              <a:rPr lang="en-US" sz="1800" dirty="0">
-                <a:latin typeface="Courier"/>
-                <a:ea typeface="Courier"/>
-                <a:cs typeface="Courier"/>
-                <a:sym typeface="Courier"/>
-              </a:rPr>
-              <a:t>);</a:t>
-            </a:r>
-            <a:endParaRPr dirty="0"/>
-          </a:p>
-          <a:p>
-            <a:pPr marL="282575" indent="-282575">
-              <a:spcBef>
-                <a:spcPts val="0"/>
-              </a:spcBef>
-              <a:buClr>
-                <a:schemeClr val="dk2"/>
-              </a:buClr>
-              <a:buSzPts val="1800"/>
-              <a:buNone/>
-            </a:pPr>
-            <a:r>
-              <a:rPr lang="en-US" sz="1800" dirty="0">
-                <a:latin typeface="Courier"/>
-                <a:ea typeface="Courier"/>
-                <a:cs typeface="Courier"/>
-                <a:sym typeface="Courier"/>
-              </a:rPr>
-              <a:t>	}</a:t>
-            </a:r>
-            <a:endParaRPr dirty="0"/>
-          </a:p>
-          <a:p>
-            <a:pPr marL="282575" indent="-282575">
-              <a:spcBef>
-                <a:spcPts val="0"/>
-              </a:spcBef>
-              <a:buClr>
-                <a:schemeClr val="dk2"/>
-              </a:buClr>
-              <a:buSzPts val="1800"/>
-              <a:buNone/>
-            </a:pPr>
-            <a:r>
-              <a:rPr lang="en-US" sz="1800" dirty="0">
-                <a:latin typeface="Courier"/>
-                <a:ea typeface="Courier"/>
-                <a:cs typeface="Courier"/>
-                <a:sym typeface="Courier"/>
-              </a:rPr>
-              <a:t>}</a:t>
-            </a:r>
-            <a:endParaRPr dirty="0"/>
-          </a:p>
-          <a:p>
-            <a:pPr marL="282575" indent="-282575">
-              <a:spcBef>
-                <a:spcPts val="2000"/>
-              </a:spcBef>
-              <a:buClr>
-                <a:schemeClr val="dk2"/>
-              </a:buClr>
-              <a:buSzPts val="1800"/>
-              <a:buNone/>
-            </a:pPr>
-            <a:r>
-              <a:rPr lang="en-US" sz="1800" dirty="0">
-                <a:latin typeface="Courier"/>
-                <a:ea typeface="Courier"/>
-                <a:cs typeface="Courier"/>
-                <a:sym typeface="Courier"/>
-              </a:rPr>
-              <a:t>	</a:t>
-            </a:r>
-            <a:endParaRPr dirty="0"/>
-          </a:p>
-          <a:p>
-            <a:pPr marL="282575" indent="-282575">
-              <a:spcBef>
-                <a:spcPts val="2000"/>
-              </a:spcBef>
-              <a:buClr>
-                <a:schemeClr val="dk2"/>
-              </a:buClr>
-              <a:buSzPts val="1600"/>
-              <a:buNone/>
-            </a:pPr>
-            <a:r>
-              <a:rPr lang="en-US" sz="1600" dirty="0"/>
-              <a:t>	</a:t>
-            </a:r>
-            <a:endParaRPr dirty="0"/>
-          </a:p>
-        </p:txBody>
-      </p:sp>
-    </p:spTree>
-    <p:extLst>
-      <p:ext uri="{BB962C8B-B14F-4D97-AF65-F5344CB8AC3E}">
-        <p14:creationId xmlns:p14="http://schemas.microsoft.com/office/powerpoint/2010/main" val="3789101084"/>
-      </p:ext>
-    </p:extLst>
-  </p:cSld>
-  <p:clrMapOvr>
-    <a:masterClrMapping/>
-  </p:clrMapOvr>
-</p:sld>
-</file>
-
 <file path=ppt/slides/slide5.xml><?xml version="1.0" encoding="utf-8"?>
 <p:sld xmlns:a="http://schemas.openxmlformats.org/drawingml/2006/main" xmlns:r="http://schemas.openxmlformats.org/officeDocument/2006/relationships" xmlns:p="http://schemas.openxmlformats.org/presentationml/2006/main">
   <p:cSld>
@@ -44385,1000 +38997,6 @@
 </p:sld>
 </file>
 
-<file path=ppt/slides/slide50.xml><?xml version="1.0" encoding="utf-8"?>
-<p:sld xmlns:a="http://schemas.openxmlformats.org/drawingml/2006/main" xmlns:r="http://schemas.openxmlformats.org/officeDocument/2006/relationships" xmlns:p="http://schemas.openxmlformats.org/presentationml/2006/main" show="0">
-  <p:cSld>
-    <p:spTree>
-      <p:nvGrpSpPr>
-        <p:cNvPr id="1" name="Shape 596"/>
-        <p:cNvGrpSpPr/>
-        <p:nvPr/>
-      </p:nvGrpSpPr>
-      <p:grpSpPr>
-        <a:xfrm>
-          <a:off x="0" y="0"/>
-          <a:ext cx="0" cy="0"/>
-          <a:chOff x="0" y="0"/>
-          <a:chExt cx="0" cy="0"/>
-        </a:xfrm>
-      </p:grpSpPr>
-      <p:sp>
-        <p:nvSpPr>
-          <p:cNvPr id="597" name="Google Shape;597;p41"/>
-          <p:cNvSpPr txBox="1">
-            <a:spLocks noGrp="1"/>
-          </p:cNvSpPr>
-          <p:nvPr>
-            <p:ph type="title"/>
-          </p:nvPr>
-        </p:nvSpPr>
-        <p:spPr>
-          <a:xfrm>
-            <a:off x="2303464" y="63500"/>
-            <a:ext cx="7583487" cy="1282700"/>
-          </a:xfrm>
-          <a:prstGeom prst="rect">
-            <a:avLst/>
-          </a:prstGeom>
-          <a:noFill/>
-          <a:ln>
-            <a:noFill/>
-          </a:ln>
-        </p:spPr>
-        <p:txBody>
-          <a:bodyPr spcFirstLastPara="1" vert="horz" wrap="square" lIns="91425" tIns="45700" rIns="91425" bIns="45700" rtlCol="0" anchor="ctr" anchorCtr="0">
-            <a:noAutofit/>
-          </a:bodyPr>
-          <a:lstStyle/>
-          <a:p>
-            <a:pPr algn="ctr">
-              <a:spcBef>
-                <a:spcPts val="0"/>
-              </a:spcBef>
-            </a:pPr>
-            <a:r>
-              <a:rPr lang="en-US"/>
-              <a:t>Stack Detour </a:t>
-            </a:r>
-            <a:endParaRPr/>
-          </a:p>
-        </p:txBody>
-      </p:sp>
-      <p:pic>
-        <p:nvPicPr>
-          <p:cNvPr id="598" name="Google Shape;598;p41"/>
-          <p:cNvPicPr preferRelativeResize="0"/>
-          <p:nvPr/>
-        </p:nvPicPr>
-        <p:blipFill rotWithShape="1">
-          <a:blip r:embed="rId3">
-            <a:alphaModFix/>
-          </a:blip>
-          <a:srcRect/>
-          <a:stretch/>
-        </p:blipFill>
-        <p:spPr>
-          <a:xfrm>
-            <a:off x="1905000" y="1534624"/>
-            <a:ext cx="8229600" cy="5259876"/>
-          </a:xfrm>
-          <a:prstGeom prst="rect">
-            <a:avLst/>
-          </a:prstGeom>
-          <a:noFill/>
-          <a:ln>
-            <a:noFill/>
-          </a:ln>
-        </p:spPr>
-      </p:pic>
-    </p:spTree>
-  </p:cSld>
-  <p:clrMapOvr>
-    <a:masterClrMapping/>
-  </p:clrMapOvr>
-</p:sld>
-</file>
-
-<file path=ppt/slides/slide51.xml><?xml version="1.0" encoding="utf-8"?>
-<p:sld xmlns:a="http://schemas.openxmlformats.org/drawingml/2006/main" xmlns:r="http://schemas.openxmlformats.org/officeDocument/2006/relationships" xmlns:p="http://schemas.openxmlformats.org/presentationml/2006/main" show="0">
-  <p:cSld>
-    <p:spTree>
-      <p:nvGrpSpPr>
-        <p:cNvPr id="1" name="Shape 603"/>
-        <p:cNvGrpSpPr/>
-        <p:nvPr/>
-      </p:nvGrpSpPr>
-      <p:grpSpPr>
-        <a:xfrm>
-          <a:off x="0" y="0"/>
-          <a:ext cx="0" cy="0"/>
-          <a:chOff x="0" y="0"/>
-          <a:chExt cx="0" cy="0"/>
-        </a:xfrm>
-      </p:grpSpPr>
-      <p:sp>
-        <p:nvSpPr>
-          <p:cNvPr id="604" name="Google Shape;604;p42"/>
-          <p:cNvSpPr txBox="1">
-            <a:spLocks noGrp="1"/>
-          </p:cNvSpPr>
-          <p:nvPr>
-            <p:ph type="title"/>
-          </p:nvPr>
-        </p:nvSpPr>
-        <p:spPr>
-          <a:xfrm>
-            <a:off x="2303464" y="63500"/>
-            <a:ext cx="7583487" cy="1282700"/>
-          </a:xfrm>
-          <a:prstGeom prst="rect">
-            <a:avLst/>
-          </a:prstGeom>
-          <a:noFill/>
-          <a:ln>
-            <a:noFill/>
-          </a:ln>
-        </p:spPr>
-        <p:txBody>
-          <a:bodyPr spcFirstLastPara="1" vert="horz" wrap="square" lIns="91425" tIns="45700" rIns="91425" bIns="45700" rtlCol="0" anchor="ctr" anchorCtr="0">
-            <a:noAutofit/>
-          </a:bodyPr>
-          <a:lstStyle/>
-          <a:p>
-            <a:pPr algn="ctr">
-              <a:spcBef>
-                <a:spcPts val="0"/>
-              </a:spcBef>
-            </a:pPr>
-            <a:r>
-              <a:rPr lang="en-US"/>
-              <a:t>Stack Detour </a:t>
-            </a:r>
-            <a:endParaRPr/>
-          </a:p>
-        </p:txBody>
-      </p:sp>
-      <p:pic>
-        <p:nvPicPr>
-          <p:cNvPr id="605" name="Google Shape;605;p42"/>
-          <p:cNvPicPr preferRelativeResize="0"/>
-          <p:nvPr/>
-        </p:nvPicPr>
-        <p:blipFill rotWithShape="1">
-          <a:blip r:embed="rId3">
-            <a:alphaModFix/>
-          </a:blip>
-          <a:srcRect/>
-          <a:stretch/>
-        </p:blipFill>
-        <p:spPr>
-          <a:xfrm>
-            <a:off x="1524001" y="1524001"/>
-            <a:ext cx="4724400" cy="5187895"/>
-          </a:xfrm>
-          <a:prstGeom prst="rect">
-            <a:avLst/>
-          </a:prstGeom>
-          <a:noFill/>
-          <a:ln>
-            <a:noFill/>
-          </a:ln>
-        </p:spPr>
-      </p:pic>
-      <p:pic>
-        <p:nvPicPr>
-          <p:cNvPr id="606" name="Google Shape;606;p42"/>
-          <p:cNvPicPr preferRelativeResize="0"/>
-          <p:nvPr/>
-        </p:nvPicPr>
-        <p:blipFill rotWithShape="1">
-          <a:blip r:embed="rId4">
-            <a:alphaModFix/>
-          </a:blip>
-          <a:srcRect/>
-          <a:stretch/>
-        </p:blipFill>
-        <p:spPr>
-          <a:xfrm>
-            <a:off x="6400800" y="1762097"/>
-            <a:ext cx="4076700" cy="4711700"/>
-          </a:xfrm>
-          <a:prstGeom prst="rect">
-            <a:avLst/>
-          </a:prstGeom>
-          <a:noFill/>
-          <a:ln>
-            <a:noFill/>
-          </a:ln>
-        </p:spPr>
-      </p:pic>
-    </p:spTree>
-  </p:cSld>
-  <p:clrMapOvr>
-    <a:masterClrMapping/>
-  </p:clrMapOvr>
-</p:sld>
-</file>
-
-<file path=ppt/slides/slide52.xml><?xml version="1.0" encoding="utf-8"?>
-<p:sld xmlns:a="http://schemas.openxmlformats.org/drawingml/2006/main" xmlns:r="http://schemas.openxmlformats.org/officeDocument/2006/relationships" xmlns:p="http://schemas.openxmlformats.org/presentationml/2006/main" show="0">
-  <p:cSld>
-    <p:spTree>
-      <p:nvGrpSpPr>
-        <p:cNvPr id="1" name="Shape 611"/>
-        <p:cNvGrpSpPr/>
-        <p:nvPr/>
-      </p:nvGrpSpPr>
-      <p:grpSpPr>
-        <a:xfrm>
-          <a:off x="0" y="0"/>
-          <a:ext cx="0" cy="0"/>
-          <a:chOff x="0" y="0"/>
-          <a:chExt cx="0" cy="0"/>
-        </a:xfrm>
-      </p:grpSpPr>
-      <p:sp>
-        <p:nvSpPr>
-          <p:cNvPr id="612" name="Google Shape;612;p43"/>
-          <p:cNvSpPr txBox="1">
-            <a:spLocks noGrp="1"/>
-          </p:cNvSpPr>
-          <p:nvPr>
-            <p:ph type="title"/>
-          </p:nvPr>
-        </p:nvSpPr>
-        <p:spPr>
-          <a:xfrm>
-            <a:off x="2303464" y="63500"/>
-            <a:ext cx="7583487" cy="1282700"/>
-          </a:xfrm>
-          <a:prstGeom prst="rect">
-            <a:avLst/>
-          </a:prstGeom>
-          <a:noFill/>
-          <a:ln>
-            <a:noFill/>
-          </a:ln>
-        </p:spPr>
-        <p:txBody>
-          <a:bodyPr spcFirstLastPara="1" vert="horz" wrap="square" lIns="91425" tIns="45700" rIns="91425" bIns="45700" rtlCol="0" anchor="ctr" anchorCtr="0">
-            <a:noAutofit/>
-          </a:bodyPr>
-          <a:lstStyle/>
-          <a:p>
-            <a:pPr algn="ctr">
-              <a:spcBef>
-                <a:spcPts val="0"/>
-              </a:spcBef>
-            </a:pPr>
-            <a:r>
-              <a:rPr lang="en-US"/>
-              <a:t>Stack Detour </a:t>
-            </a:r>
-            <a:endParaRPr/>
-          </a:p>
-        </p:txBody>
-      </p:sp>
-      <p:pic>
-        <p:nvPicPr>
-          <p:cNvPr id="613" name="Google Shape;613;p43"/>
-          <p:cNvPicPr preferRelativeResize="0"/>
-          <p:nvPr/>
-        </p:nvPicPr>
-        <p:blipFill rotWithShape="1">
-          <a:blip r:embed="rId3">
-            <a:alphaModFix/>
-          </a:blip>
-          <a:srcRect/>
-          <a:stretch/>
-        </p:blipFill>
-        <p:spPr>
-          <a:xfrm>
-            <a:off x="1524001" y="1524001"/>
-            <a:ext cx="4724400" cy="5187895"/>
-          </a:xfrm>
-          <a:prstGeom prst="rect">
-            <a:avLst/>
-          </a:prstGeom>
-          <a:noFill/>
-          <a:ln>
-            <a:noFill/>
-          </a:ln>
-        </p:spPr>
-      </p:pic>
-      <p:pic>
-        <p:nvPicPr>
-          <p:cNvPr id="614" name="Google Shape;614;p43"/>
-          <p:cNvPicPr preferRelativeResize="0"/>
-          <p:nvPr/>
-        </p:nvPicPr>
-        <p:blipFill rotWithShape="1">
-          <a:blip r:embed="rId4">
-            <a:alphaModFix/>
-          </a:blip>
-          <a:srcRect/>
-          <a:stretch/>
-        </p:blipFill>
-        <p:spPr>
-          <a:xfrm>
-            <a:off x="6400800" y="1762097"/>
-            <a:ext cx="4076700" cy="4711700"/>
-          </a:xfrm>
-          <a:prstGeom prst="rect">
-            <a:avLst/>
-          </a:prstGeom>
-          <a:noFill/>
-          <a:ln>
-            <a:noFill/>
-          </a:ln>
-        </p:spPr>
-      </p:pic>
-    </p:spTree>
-  </p:cSld>
-  <p:clrMapOvr>
-    <a:masterClrMapping/>
-  </p:clrMapOvr>
-</p:sld>
-</file>
-
-<file path=ppt/slides/slide53.xml><?xml version="1.0" encoding="utf-8"?>
-<p:sld xmlns:a="http://schemas.openxmlformats.org/drawingml/2006/main" xmlns:r="http://schemas.openxmlformats.org/officeDocument/2006/relationships" xmlns:p="http://schemas.openxmlformats.org/presentationml/2006/main" show="0">
-  <p:cSld>
-    <p:spTree>
-      <p:nvGrpSpPr>
-        <p:cNvPr id="1" name="Shape 619"/>
-        <p:cNvGrpSpPr/>
-        <p:nvPr/>
-      </p:nvGrpSpPr>
-      <p:grpSpPr>
-        <a:xfrm>
-          <a:off x="0" y="0"/>
-          <a:ext cx="0" cy="0"/>
-          <a:chOff x="0" y="0"/>
-          <a:chExt cx="0" cy="0"/>
-        </a:xfrm>
-      </p:grpSpPr>
-      <p:sp>
-        <p:nvSpPr>
-          <p:cNvPr id="620" name="Google Shape;620;p44"/>
-          <p:cNvSpPr txBox="1">
-            <a:spLocks noGrp="1"/>
-          </p:cNvSpPr>
-          <p:nvPr>
-            <p:ph type="title"/>
-          </p:nvPr>
-        </p:nvSpPr>
-        <p:spPr>
-          <a:xfrm>
-            <a:off x="2303464" y="63500"/>
-            <a:ext cx="7583487" cy="1282700"/>
-          </a:xfrm>
-          <a:prstGeom prst="rect">
-            <a:avLst/>
-          </a:prstGeom>
-          <a:noFill/>
-          <a:ln>
-            <a:noFill/>
-          </a:ln>
-        </p:spPr>
-        <p:txBody>
-          <a:bodyPr spcFirstLastPara="1" vert="horz" wrap="square" lIns="91425" tIns="45700" rIns="91425" bIns="45700" rtlCol="0" anchor="ctr" anchorCtr="0">
-            <a:noAutofit/>
-          </a:bodyPr>
-          <a:lstStyle/>
-          <a:p>
-            <a:pPr algn="ctr">
-              <a:spcBef>
-                <a:spcPts val="0"/>
-              </a:spcBef>
-            </a:pPr>
-            <a:r>
-              <a:rPr lang="en-US"/>
-              <a:t>Stack Detour </a:t>
-            </a:r>
-            <a:endParaRPr/>
-          </a:p>
-        </p:txBody>
-      </p:sp>
-      <p:pic>
-        <p:nvPicPr>
-          <p:cNvPr id="621" name="Google Shape;621;p44"/>
-          <p:cNvPicPr preferRelativeResize="0"/>
-          <p:nvPr/>
-        </p:nvPicPr>
-        <p:blipFill rotWithShape="1">
-          <a:blip r:embed="rId3">
-            <a:alphaModFix/>
-          </a:blip>
-          <a:srcRect/>
-          <a:stretch/>
-        </p:blipFill>
-        <p:spPr>
-          <a:xfrm>
-            <a:off x="1905000" y="1391872"/>
-            <a:ext cx="7583488" cy="5413514"/>
-          </a:xfrm>
-          <a:prstGeom prst="rect">
-            <a:avLst/>
-          </a:prstGeom>
-          <a:noFill/>
-          <a:ln>
-            <a:noFill/>
-          </a:ln>
-        </p:spPr>
-      </p:pic>
-    </p:spTree>
-  </p:cSld>
-  <p:clrMapOvr>
-    <a:masterClrMapping/>
-  </p:clrMapOvr>
-</p:sld>
-</file>
-
-<file path=ppt/slides/slide54.xml><?xml version="1.0" encoding="utf-8"?>
-<p:sld xmlns:a="http://schemas.openxmlformats.org/drawingml/2006/main" xmlns:r="http://schemas.openxmlformats.org/officeDocument/2006/relationships" xmlns:p="http://schemas.openxmlformats.org/presentationml/2006/main" show="0">
-  <p:cSld>
-    <p:spTree>
-      <p:nvGrpSpPr>
-        <p:cNvPr id="1" name="Shape 626"/>
-        <p:cNvGrpSpPr/>
-        <p:nvPr/>
-      </p:nvGrpSpPr>
-      <p:grpSpPr>
-        <a:xfrm>
-          <a:off x="0" y="0"/>
-          <a:ext cx="0" cy="0"/>
-          <a:chOff x="0" y="0"/>
-          <a:chExt cx="0" cy="0"/>
-        </a:xfrm>
-      </p:grpSpPr>
-      <p:sp>
-        <p:nvSpPr>
-          <p:cNvPr id="627" name="Google Shape;627;p45"/>
-          <p:cNvSpPr txBox="1">
-            <a:spLocks noGrp="1"/>
-          </p:cNvSpPr>
-          <p:nvPr>
-            <p:ph type="title"/>
-          </p:nvPr>
-        </p:nvSpPr>
-        <p:spPr>
-          <a:xfrm>
-            <a:off x="2303464" y="63500"/>
-            <a:ext cx="7583487" cy="1282700"/>
-          </a:xfrm>
-          <a:prstGeom prst="rect">
-            <a:avLst/>
-          </a:prstGeom>
-          <a:noFill/>
-          <a:ln>
-            <a:noFill/>
-          </a:ln>
-        </p:spPr>
-        <p:txBody>
-          <a:bodyPr spcFirstLastPara="1" vert="horz" wrap="square" lIns="91425" tIns="45700" rIns="91425" bIns="45700" rtlCol="0" anchor="ctr" anchorCtr="0">
-            <a:noAutofit/>
-          </a:bodyPr>
-          <a:lstStyle/>
-          <a:p>
-            <a:pPr algn="ctr">
-              <a:spcBef>
-                <a:spcPts val="0"/>
-              </a:spcBef>
-            </a:pPr>
-            <a:r>
-              <a:rPr lang="en-US"/>
-              <a:t>Stack Detour </a:t>
-            </a:r>
-            <a:endParaRPr/>
-          </a:p>
-        </p:txBody>
-      </p:sp>
-      <p:pic>
-        <p:nvPicPr>
-          <p:cNvPr id="628" name="Google Shape;628;p45"/>
-          <p:cNvPicPr preferRelativeResize="0"/>
-          <p:nvPr/>
-        </p:nvPicPr>
-        <p:blipFill rotWithShape="1">
-          <a:blip r:embed="rId3">
-            <a:alphaModFix/>
-          </a:blip>
-          <a:srcRect/>
-          <a:stretch/>
-        </p:blipFill>
-        <p:spPr>
-          <a:xfrm>
-            <a:off x="1491343" y="1311535"/>
-            <a:ext cx="9144000" cy="5477522"/>
-          </a:xfrm>
-          <a:prstGeom prst="rect">
-            <a:avLst/>
-          </a:prstGeom>
-          <a:noFill/>
-          <a:ln>
-            <a:noFill/>
-          </a:ln>
-        </p:spPr>
-      </p:pic>
-    </p:spTree>
-  </p:cSld>
-  <p:clrMapOvr>
-    <a:masterClrMapping/>
-  </p:clrMapOvr>
-</p:sld>
-</file>
-
-<file path=ppt/slides/slide55.xml><?xml version="1.0" encoding="utf-8"?>
-<p:sld xmlns:a="http://schemas.openxmlformats.org/drawingml/2006/main" xmlns:r="http://schemas.openxmlformats.org/officeDocument/2006/relationships" xmlns:p="http://schemas.openxmlformats.org/presentationml/2006/main" show="0">
-  <p:cSld>
-    <p:spTree>
-      <p:nvGrpSpPr>
-        <p:cNvPr id="1" name="Shape 633"/>
-        <p:cNvGrpSpPr/>
-        <p:nvPr/>
-      </p:nvGrpSpPr>
-      <p:grpSpPr>
-        <a:xfrm>
-          <a:off x="0" y="0"/>
-          <a:ext cx="0" cy="0"/>
-          <a:chOff x="0" y="0"/>
-          <a:chExt cx="0" cy="0"/>
-        </a:xfrm>
-      </p:grpSpPr>
-      <p:sp>
-        <p:nvSpPr>
-          <p:cNvPr id="634" name="Google Shape;634;p46"/>
-          <p:cNvSpPr txBox="1">
-            <a:spLocks noGrp="1"/>
-          </p:cNvSpPr>
-          <p:nvPr>
-            <p:ph type="title"/>
-          </p:nvPr>
-        </p:nvSpPr>
-        <p:spPr>
-          <a:xfrm>
-            <a:off x="2303464" y="63500"/>
-            <a:ext cx="7583487" cy="1282700"/>
-          </a:xfrm>
-          <a:prstGeom prst="rect">
-            <a:avLst/>
-          </a:prstGeom>
-          <a:noFill/>
-          <a:ln>
-            <a:noFill/>
-          </a:ln>
-        </p:spPr>
-        <p:txBody>
-          <a:bodyPr spcFirstLastPara="1" vert="horz" wrap="square" lIns="91425" tIns="45700" rIns="91425" bIns="45700" rtlCol="0" anchor="ctr" anchorCtr="0">
-            <a:noAutofit/>
-          </a:bodyPr>
-          <a:lstStyle/>
-          <a:p>
-            <a:pPr algn="ctr">
-              <a:spcBef>
-                <a:spcPts val="0"/>
-              </a:spcBef>
-            </a:pPr>
-            <a:r>
-              <a:rPr lang="en-US"/>
-              <a:t>Stack Detour </a:t>
-            </a:r>
-            <a:endParaRPr/>
-          </a:p>
-        </p:txBody>
-      </p:sp>
-      <p:pic>
-        <p:nvPicPr>
-          <p:cNvPr id="635" name="Google Shape;635;p46"/>
-          <p:cNvPicPr preferRelativeResize="0"/>
-          <p:nvPr/>
-        </p:nvPicPr>
-        <p:blipFill rotWithShape="1">
-          <a:blip r:embed="rId3">
-            <a:alphaModFix/>
-          </a:blip>
-          <a:srcRect/>
-          <a:stretch/>
-        </p:blipFill>
-        <p:spPr>
-          <a:xfrm>
-            <a:off x="2303463" y="1608870"/>
-            <a:ext cx="7162800" cy="5073944"/>
-          </a:xfrm>
-          <a:prstGeom prst="rect">
-            <a:avLst/>
-          </a:prstGeom>
-          <a:noFill/>
-          <a:ln>
-            <a:noFill/>
-          </a:ln>
-        </p:spPr>
-      </p:pic>
-    </p:spTree>
-  </p:cSld>
-  <p:clrMapOvr>
-    <a:masterClrMapping/>
-  </p:clrMapOvr>
-</p:sld>
-</file>
-
-<file path=ppt/slides/slide56.xml><?xml version="1.0" encoding="utf-8"?>
-<p:sld xmlns:a="http://schemas.openxmlformats.org/drawingml/2006/main" xmlns:r="http://schemas.openxmlformats.org/officeDocument/2006/relationships" xmlns:p="http://schemas.openxmlformats.org/presentationml/2006/main" show="0">
-  <p:cSld>
-    <p:spTree>
-      <p:nvGrpSpPr>
-        <p:cNvPr id="1" name="Shape 647"/>
-        <p:cNvGrpSpPr/>
-        <p:nvPr/>
-      </p:nvGrpSpPr>
-      <p:grpSpPr>
-        <a:xfrm>
-          <a:off x="0" y="0"/>
-          <a:ext cx="0" cy="0"/>
-          <a:chOff x="0" y="0"/>
-          <a:chExt cx="0" cy="0"/>
-        </a:xfrm>
-      </p:grpSpPr>
-      <p:sp>
-        <p:nvSpPr>
-          <p:cNvPr id="648" name="Google Shape;648;p48"/>
-          <p:cNvSpPr txBox="1">
-            <a:spLocks noGrp="1"/>
-          </p:cNvSpPr>
-          <p:nvPr>
-            <p:ph type="title"/>
-          </p:nvPr>
-        </p:nvSpPr>
-        <p:spPr>
-          <a:xfrm>
-            <a:off x="2303464" y="63500"/>
-            <a:ext cx="7583487" cy="1282700"/>
-          </a:xfrm>
-          <a:prstGeom prst="rect">
-            <a:avLst/>
-          </a:prstGeom>
-          <a:noFill/>
-          <a:ln>
-            <a:noFill/>
-          </a:ln>
-        </p:spPr>
-        <p:txBody>
-          <a:bodyPr spcFirstLastPara="1" vert="horz" wrap="square" lIns="91425" tIns="45700" rIns="91425" bIns="45700" rtlCol="0" anchor="ctr" anchorCtr="0">
-            <a:noAutofit/>
-          </a:bodyPr>
-          <a:lstStyle/>
-          <a:p>
-            <a:pPr algn="ctr">
-              <a:spcBef>
-                <a:spcPts val="0"/>
-              </a:spcBef>
-            </a:pPr>
-            <a:r>
-              <a:rPr lang="en-US"/>
-              <a:t>Stack Detour </a:t>
-            </a:r>
-            <a:endParaRPr/>
-          </a:p>
-        </p:txBody>
-      </p:sp>
-      <p:pic>
-        <p:nvPicPr>
-          <p:cNvPr id="649" name="Google Shape;649;p48"/>
-          <p:cNvPicPr preferRelativeResize="0"/>
-          <p:nvPr/>
-        </p:nvPicPr>
-        <p:blipFill rotWithShape="1">
-          <a:blip r:embed="rId3">
-            <a:alphaModFix/>
-          </a:blip>
-          <a:srcRect/>
-          <a:stretch/>
-        </p:blipFill>
-        <p:spPr>
-          <a:xfrm>
-            <a:off x="2057401" y="1430750"/>
-            <a:ext cx="7467600" cy="5448300"/>
-          </a:xfrm>
-          <a:prstGeom prst="rect">
-            <a:avLst/>
-          </a:prstGeom>
-          <a:noFill/>
-          <a:ln>
-            <a:noFill/>
-          </a:ln>
-        </p:spPr>
-      </p:pic>
-    </p:spTree>
-  </p:cSld>
-  <p:clrMapOvr>
-    <a:masterClrMapping/>
-  </p:clrMapOvr>
-</p:sld>
-</file>
-
-<file path=ppt/slides/slide57.xml><?xml version="1.0" encoding="utf-8"?>
-<p:sld xmlns:a="http://schemas.openxmlformats.org/drawingml/2006/main" xmlns:r="http://schemas.openxmlformats.org/officeDocument/2006/relationships" xmlns:p="http://schemas.openxmlformats.org/presentationml/2006/main" show="0">
-  <p:cSld>
-    <p:spTree>
-      <p:nvGrpSpPr>
-        <p:cNvPr id="1" name="Shape 654"/>
-        <p:cNvGrpSpPr/>
-        <p:nvPr/>
-      </p:nvGrpSpPr>
-      <p:grpSpPr>
-        <a:xfrm>
-          <a:off x="0" y="0"/>
-          <a:ext cx="0" cy="0"/>
-          <a:chOff x="0" y="0"/>
-          <a:chExt cx="0" cy="0"/>
-        </a:xfrm>
-      </p:grpSpPr>
-      <p:sp>
-        <p:nvSpPr>
-          <p:cNvPr id="655" name="Google Shape;655;p49"/>
-          <p:cNvSpPr txBox="1">
-            <a:spLocks noGrp="1"/>
-          </p:cNvSpPr>
-          <p:nvPr>
-            <p:ph type="title"/>
-          </p:nvPr>
-        </p:nvSpPr>
-        <p:spPr>
-          <a:xfrm>
-            <a:off x="2303464" y="63500"/>
-            <a:ext cx="7583487" cy="1282700"/>
-          </a:xfrm>
-          <a:prstGeom prst="rect">
-            <a:avLst/>
-          </a:prstGeom>
-          <a:noFill/>
-          <a:ln>
-            <a:noFill/>
-          </a:ln>
-        </p:spPr>
-        <p:txBody>
-          <a:bodyPr spcFirstLastPara="1" vert="horz" wrap="square" lIns="91425" tIns="45700" rIns="91425" bIns="45700" rtlCol="0" anchor="ctr" anchorCtr="0">
-            <a:noAutofit/>
-          </a:bodyPr>
-          <a:lstStyle/>
-          <a:p>
-            <a:pPr algn="ctr">
-              <a:spcBef>
-                <a:spcPts val="0"/>
-              </a:spcBef>
-            </a:pPr>
-            <a:r>
-              <a:rPr lang="en-US"/>
-              <a:t>Stack Detour </a:t>
-            </a:r>
-            <a:endParaRPr/>
-          </a:p>
-        </p:txBody>
-      </p:sp>
-      <p:pic>
-        <p:nvPicPr>
-          <p:cNvPr id="656" name="Google Shape;656;p49"/>
-          <p:cNvPicPr preferRelativeResize="0"/>
-          <p:nvPr/>
-        </p:nvPicPr>
-        <p:blipFill rotWithShape="1">
-          <a:blip r:embed="rId3">
-            <a:alphaModFix/>
-          </a:blip>
-          <a:srcRect/>
-          <a:stretch/>
-        </p:blipFill>
-        <p:spPr>
-          <a:xfrm>
-            <a:off x="2495550" y="1324430"/>
-            <a:ext cx="7391400" cy="5403207"/>
-          </a:xfrm>
-          <a:prstGeom prst="rect">
-            <a:avLst/>
-          </a:prstGeom>
-          <a:noFill/>
-          <a:ln>
-            <a:noFill/>
-          </a:ln>
-        </p:spPr>
-      </p:pic>
-    </p:spTree>
-  </p:cSld>
-  <p:clrMapOvr>
-    <a:masterClrMapping/>
-  </p:clrMapOvr>
-</p:sld>
-</file>
-
-<file path=ppt/slides/slide58.xml><?xml version="1.0" encoding="utf-8"?>
-<p:sld xmlns:a="http://schemas.openxmlformats.org/drawingml/2006/main" xmlns:r="http://schemas.openxmlformats.org/officeDocument/2006/relationships" xmlns:p="http://schemas.openxmlformats.org/presentationml/2006/main" show="0">
-  <p:cSld>
-    <p:spTree>
-      <p:nvGrpSpPr>
-        <p:cNvPr id="1" name="Shape 640"/>
-        <p:cNvGrpSpPr/>
-        <p:nvPr/>
-      </p:nvGrpSpPr>
-      <p:grpSpPr>
-        <a:xfrm>
-          <a:off x="0" y="0"/>
-          <a:ext cx="0" cy="0"/>
-          <a:chOff x="0" y="0"/>
-          <a:chExt cx="0" cy="0"/>
-        </a:xfrm>
-      </p:grpSpPr>
-      <p:sp>
-        <p:nvSpPr>
-          <p:cNvPr id="641" name="Google Shape;641;p47"/>
-          <p:cNvSpPr txBox="1">
-            <a:spLocks noGrp="1"/>
-          </p:cNvSpPr>
-          <p:nvPr>
-            <p:ph type="title"/>
-          </p:nvPr>
-        </p:nvSpPr>
-        <p:spPr>
-          <a:xfrm>
-            <a:off x="2303464" y="63500"/>
-            <a:ext cx="7583487" cy="1282700"/>
-          </a:xfrm>
-          <a:prstGeom prst="rect">
-            <a:avLst/>
-          </a:prstGeom>
-          <a:noFill/>
-          <a:ln>
-            <a:noFill/>
-          </a:ln>
-        </p:spPr>
-        <p:txBody>
-          <a:bodyPr spcFirstLastPara="1" vert="horz" wrap="square" lIns="91425" tIns="45700" rIns="91425" bIns="45700" rtlCol="0" anchor="ctr" anchorCtr="0">
-            <a:noAutofit/>
-          </a:bodyPr>
-          <a:lstStyle/>
-          <a:p>
-            <a:pPr algn="ctr">
-              <a:spcBef>
-                <a:spcPts val="0"/>
-              </a:spcBef>
-            </a:pPr>
-            <a:r>
-              <a:rPr lang="en-US"/>
-              <a:t>Stack Detour </a:t>
-            </a:r>
-            <a:endParaRPr/>
-          </a:p>
-        </p:txBody>
-      </p:sp>
-      <p:pic>
-        <p:nvPicPr>
-          <p:cNvPr id="642" name="Google Shape;642;p47"/>
-          <p:cNvPicPr preferRelativeResize="0"/>
-          <p:nvPr/>
-        </p:nvPicPr>
-        <p:blipFill rotWithShape="1">
-          <a:blip r:embed="rId3">
-            <a:alphaModFix/>
-          </a:blip>
-          <a:srcRect/>
-          <a:stretch/>
-        </p:blipFill>
-        <p:spPr>
-          <a:xfrm>
-            <a:off x="2303463" y="1527586"/>
-            <a:ext cx="7583486" cy="5330414"/>
-          </a:xfrm>
-          <a:prstGeom prst="rect">
-            <a:avLst/>
-          </a:prstGeom>
-          <a:noFill/>
-          <a:ln>
-            <a:noFill/>
-          </a:ln>
-        </p:spPr>
-      </p:pic>
-    </p:spTree>
-  </p:cSld>
-  <p:clrMapOvr>
-    <a:masterClrMapping/>
-  </p:clrMapOvr>
-</p:sld>
-</file>
-
-<file path=ppt/slides/slide59.xml><?xml version="1.0" encoding="utf-8"?>
-<p:sld xmlns:a="http://schemas.openxmlformats.org/drawingml/2006/main" xmlns:r="http://schemas.openxmlformats.org/officeDocument/2006/relationships" xmlns:p="http://schemas.openxmlformats.org/presentationml/2006/main" show="0">
-  <p:cSld>
-    <p:spTree>
-      <p:nvGrpSpPr>
-        <p:cNvPr id="1" name="Shape 661"/>
-        <p:cNvGrpSpPr/>
-        <p:nvPr/>
-      </p:nvGrpSpPr>
-      <p:grpSpPr>
-        <a:xfrm>
-          <a:off x="0" y="0"/>
-          <a:ext cx="0" cy="0"/>
-          <a:chOff x="0" y="0"/>
-          <a:chExt cx="0" cy="0"/>
-        </a:xfrm>
-      </p:grpSpPr>
-      <p:sp>
-        <p:nvSpPr>
-          <p:cNvPr id="662" name="Google Shape;662;p50"/>
-          <p:cNvSpPr txBox="1">
-            <a:spLocks noGrp="1"/>
-          </p:cNvSpPr>
-          <p:nvPr>
-            <p:ph type="title"/>
-          </p:nvPr>
-        </p:nvSpPr>
-        <p:spPr>
-          <a:xfrm>
-            <a:off x="2303464" y="63500"/>
-            <a:ext cx="7583487" cy="1282700"/>
-          </a:xfrm>
-          <a:prstGeom prst="rect">
-            <a:avLst/>
-          </a:prstGeom>
-          <a:noFill/>
-          <a:ln>
-            <a:noFill/>
-          </a:ln>
-        </p:spPr>
-        <p:txBody>
-          <a:bodyPr spcFirstLastPara="1" vert="horz" wrap="square" lIns="91425" tIns="45700" rIns="91425" bIns="45700" rtlCol="0" anchor="ctr" anchorCtr="0">
-            <a:noAutofit/>
-          </a:bodyPr>
-          <a:lstStyle/>
-          <a:p>
-            <a:pPr algn="ctr">
-              <a:spcBef>
-                <a:spcPts val="0"/>
-              </a:spcBef>
-            </a:pPr>
-            <a:r>
-              <a:rPr lang="en-US"/>
-              <a:t>Stack Detour </a:t>
-            </a:r>
-            <a:endParaRPr/>
-          </a:p>
-        </p:txBody>
-      </p:sp>
-      <p:pic>
-        <p:nvPicPr>
-          <p:cNvPr id="663" name="Google Shape;663;p50"/>
-          <p:cNvPicPr preferRelativeResize="0"/>
-          <p:nvPr/>
-        </p:nvPicPr>
-        <p:blipFill rotWithShape="1">
-          <a:blip r:embed="rId3">
-            <a:alphaModFix/>
-          </a:blip>
-          <a:srcRect/>
-          <a:stretch/>
-        </p:blipFill>
-        <p:spPr>
-          <a:xfrm>
-            <a:off x="2265364" y="1399716"/>
-            <a:ext cx="7583487" cy="5447398"/>
-          </a:xfrm>
-          <a:prstGeom prst="rect">
-            <a:avLst/>
-          </a:prstGeom>
-          <a:noFill/>
-          <a:ln>
-            <a:noFill/>
-          </a:ln>
-        </p:spPr>
-      </p:pic>
-    </p:spTree>
-  </p:cSld>
-  <p:clrMapOvr>
-    <a:masterClrMapping/>
-  </p:clrMapOvr>
-</p:sld>
-</file>
-
 <file path=ppt/slides/slide6.xml><?xml version="1.0" encoding="utf-8"?>
 <p:sld xmlns:a="http://schemas.openxmlformats.org/drawingml/2006/main" xmlns:r="http://schemas.openxmlformats.org/officeDocument/2006/relationships" xmlns:p="http://schemas.openxmlformats.org/presentationml/2006/main">
   <p:cSld>
@@ -46348,1402 +39966,6 @@
         </p:txBody>
       </p:sp>
     </p:spTree>
-  </p:cSld>
-  <p:clrMapOvr>
-    <a:masterClrMapping/>
-  </p:clrMapOvr>
-</p:sld>
-</file>
-
-<file path=ppt/slides/slide60.xml><?xml version="1.0" encoding="utf-8"?>
-<p:sld xmlns:a="http://schemas.openxmlformats.org/drawingml/2006/main" xmlns:r="http://schemas.openxmlformats.org/officeDocument/2006/relationships" xmlns:p="http://schemas.openxmlformats.org/presentationml/2006/main" show="0">
-  <p:cSld>
-    <p:spTree>
-      <p:nvGrpSpPr>
-        <p:cNvPr id="1" name="Shape 668"/>
-        <p:cNvGrpSpPr/>
-        <p:nvPr/>
-      </p:nvGrpSpPr>
-      <p:grpSpPr>
-        <a:xfrm>
-          <a:off x="0" y="0"/>
-          <a:ext cx="0" cy="0"/>
-          <a:chOff x="0" y="0"/>
-          <a:chExt cx="0" cy="0"/>
-        </a:xfrm>
-      </p:grpSpPr>
-      <p:sp>
-        <p:nvSpPr>
-          <p:cNvPr id="669" name="Google Shape;669;p51"/>
-          <p:cNvSpPr txBox="1">
-            <a:spLocks noGrp="1"/>
-          </p:cNvSpPr>
-          <p:nvPr>
-            <p:ph type="title"/>
-          </p:nvPr>
-        </p:nvSpPr>
-        <p:spPr>
-          <a:xfrm>
-            <a:off x="2303464" y="63500"/>
-            <a:ext cx="7583487" cy="1282700"/>
-          </a:xfrm>
-          <a:prstGeom prst="rect">
-            <a:avLst/>
-          </a:prstGeom>
-          <a:noFill/>
-          <a:ln>
-            <a:noFill/>
-          </a:ln>
-        </p:spPr>
-        <p:txBody>
-          <a:bodyPr spcFirstLastPara="1" vert="horz" wrap="square" lIns="91425" tIns="45700" rIns="91425" bIns="45700" rtlCol="0" anchor="ctr" anchorCtr="0">
-            <a:noAutofit/>
-          </a:bodyPr>
-          <a:lstStyle/>
-          <a:p>
-            <a:pPr algn="ctr">
-              <a:spcBef>
-                <a:spcPts val="0"/>
-              </a:spcBef>
-            </a:pPr>
-            <a:r>
-              <a:rPr lang="en-US"/>
-              <a:t>Stack Detour </a:t>
-            </a:r>
-            <a:endParaRPr/>
-          </a:p>
-        </p:txBody>
-      </p:sp>
-      <p:pic>
-        <p:nvPicPr>
-          <p:cNvPr id="670" name="Google Shape;670;p51"/>
-          <p:cNvPicPr preferRelativeResize="0"/>
-          <p:nvPr/>
-        </p:nvPicPr>
-        <p:blipFill rotWithShape="1">
-          <a:blip r:embed="rId3">
-            <a:alphaModFix/>
-          </a:blip>
-          <a:srcRect/>
-          <a:stretch/>
-        </p:blipFill>
-        <p:spPr>
-          <a:xfrm>
-            <a:off x="1981201" y="1346200"/>
-            <a:ext cx="7415539" cy="5448300"/>
-          </a:xfrm>
-          <a:prstGeom prst="rect">
-            <a:avLst/>
-          </a:prstGeom>
-          <a:noFill/>
-          <a:ln>
-            <a:noFill/>
-          </a:ln>
-        </p:spPr>
-      </p:pic>
-    </p:spTree>
-  </p:cSld>
-  <p:clrMapOvr>
-    <a:masterClrMapping/>
-  </p:clrMapOvr>
-</p:sld>
-</file>
-
-<file path=ppt/slides/slide61.xml><?xml version="1.0" encoding="utf-8"?>
-<p:sld xmlns:a="http://schemas.openxmlformats.org/drawingml/2006/main" xmlns:r="http://schemas.openxmlformats.org/officeDocument/2006/relationships" xmlns:p="http://schemas.openxmlformats.org/presentationml/2006/main" show="0">
-  <p:cSld>
-    <p:spTree>
-      <p:nvGrpSpPr>
-        <p:cNvPr id="1" name="Shape 675"/>
-        <p:cNvGrpSpPr/>
-        <p:nvPr/>
-      </p:nvGrpSpPr>
-      <p:grpSpPr>
-        <a:xfrm>
-          <a:off x="0" y="0"/>
-          <a:ext cx="0" cy="0"/>
-          <a:chOff x="0" y="0"/>
-          <a:chExt cx="0" cy="0"/>
-        </a:xfrm>
-      </p:grpSpPr>
-      <p:sp>
-        <p:nvSpPr>
-          <p:cNvPr id="676" name="Google Shape;676;p52"/>
-          <p:cNvSpPr txBox="1">
-            <a:spLocks noGrp="1"/>
-          </p:cNvSpPr>
-          <p:nvPr>
-            <p:ph type="title"/>
-          </p:nvPr>
-        </p:nvSpPr>
-        <p:spPr>
-          <a:xfrm>
-            <a:off x="2303464" y="63500"/>
-            <a:ext cx="7583487" cy="1282700"/>
-          </a:xfrm>
-          <a:prstGeom prst="rect">
-            <a:avLst/>
-          </a:prstGeom>
-          <a:noFill/>
-          <a:ln>
-            <a:noFill/>
-          </a:ln>
-        </p:spPr>
-        <p:txBody>
-          <a:bodyPr spcFirstLastPara="1" vert="horz" wrap="square" lIns="91425" tIns="45700" rIns="91425" bIns="45700" rtlCol="0" anchor="ctr" anchorCtr="0">
-            <a:noAutofit/>
-          </a:bodyPr>
-          <a:lstStyle/>
-          <a:p>
-            <a:pPr algn="ctr">
-              <a:spcBef>
-                <a:spcPts val="0"/>
-              </a:spcBef>
-            </a:pPr>
-            <a:r>
-              <a:rPr lang="en-US"/>
-              <a:t>Stack Detour </a:t>
-            </a:r>
-            <a:endParaRPr/>
-          </a:p>
-        </p:txBody>
-      </p:sp>
-      <p:pic>
-        <p:nvPicPr>
-          <p:cNvPr id="677" name="Google Shape;677;p52"/>
-          <p:cNvPicPr preferRelativeResize="0"/>
-          <p:nvPr/>
-        </p:nvPicPr>
-        <p:blipFill rotWithShape="1">
-          <a:blip r:embed="rId3">
-            <a:alphaModFix/>
-          </a:blip>
-          <a:srcRect/>
-          <a:stretch/>
-        </p:blipFill>
-        <p:spPr>
-          <a:xfrm>
-            <a:off x="2303463" y="1568346"/>
-            <a:ext cx="7315200" cy="5226154"/>
-          </a:xfrm>
-          <a:prstGeom prst="rect">
-            <a:avLst/>
-          </a:prstGeom>
-          <a:noFill/>
-          <a:ln>
-            <a:noFill/>
-          </a:ln>
-        </p:spPr>
-      </p:pic>
-    </p:spTree>
-  </p:cSld>
-  <p:clrMapOvr>
-    <a:masterClrMapping/>
-  </p:clrMapOvr>
-</p:sld>
-</file>
-
-<file path=ppt/slides/slide62.xml><?xml version="1.0" encoding="utf-8"?>
-<p:sld xmlns:a="http://schemas.openxmlformats.org/drawingml/2006/main" xmlns:r="http://schemas.openxmlformats.org/officeDocument/2006/relationships" xmlns:p="http://schemas.openxmlformats.org/presentationml/2006/main" show="0">
-  <p:cSld>
-    <p:spTree>
-      <p:nvGrpSpPr>
-        <p:cNvPr id="1" name="Shape 681"/>
-        <p:cNvGrpSpPr/>
-        <p:nvPr/>
-      </p:nvGrpSpPr>
-      <p:grpSpPr>
-        <a:xfrm>
-          <a:off x="0" y="0"/>
-          <a:ext cx="0" cy="0"/>
-          <a:chOff x="0" y="0"/>
-          <a:chExt cx="0" cy="0"/>
-        </a:xfrm>
-      </p:grpSpPr>
-      <p:sp>
-        <p:nvSpPr>
-          <p:cNvPr id="682" name="Google Shape;682;p53"/>
-          <p:cNvSpPr txBox="1">
-            <a:spLocks noGrp="1"/>
-          </p:cNvSpPr>
-          <p:nvPr>
-            <p:ph type="title"/>
-          </p:nvPr>
-        </p:nvSpPr>
-        <p:spPr>
-          <a:xfrm>
-            <a:off x="2303464" y="63500"/>
-            <a:ext cx="7583487" cy="1282700"/>
-          </a:xfrm>
-          <a:prstGeom prst="rect">
-            <a:avLst/>
-          </a:prstGeom>
-          <a:noFill/>
-          <a:ln>
-            <a:noFill/>
-          </a:ln>
-        </p:spPr>
-        <p:txBody>
-          <a:bodyPr spcFirstLastPara="1" vert="horz" wrap="square" lIns="91425" tIns="45700" rIns="91425" bIns="45700" rtlCol="0" anchor="ctr" anchorCtr="0">
-            <a:noAutofit/>
-          </a:bodyPr>
-          <a:lstStyle/>
-          <a:p>
-            <a:pPr algn="ctr">
-              <a:spcBef>
-                <a:spcPts val="0"/>
-              </a:spcBef>
-            </a:pPr>
-            <a:r>
-              <a:rPr lang="en-US"/>
-              <a:t>Q4: What Context must be Saved?</a:t>
-            </a:r>
-            <a:endParaRPr/>
-          </a:p>
-        </p:txBody>
-      </p:sp>
-      <p:sp>
-        <p:nvSpPr>
-          <p:cNvPr id="683" name="Google Shape;683;p53"/>
-          <p:cNvSpPr/>
-          <p:nvPr/>
-        </p:nvSpPr>
-        <p:spPr>
-          <a:xfrm>
-            <a:off x="1512815" y="1518822"/>
-            <a:ext cx="9164782" cy="5262979"/>
-          </a:xfrm>
-          <a:prstGeom prst="rect">
-            <a:avLst/>
-          </a:prstGeom>
-          <a:solidFill>
-            <a:schemeClr val="lt1"/>
-          </a:solidFill>
-          <a:ln w="12700" cap="flat" cmpd="sng">
-            <a:solidFill>
-              <a:schemeClr val="lt1"/>
-            </a:solidFill>
-            <a:prstDash val="solid"/>
-            <a:round/>
-            <a:headEnd type="none" w="sm" len="sm"/>
-            <a:tailEnd type="none" w="sm" len="sm"/>
-          </a:ln>
-        </p:spPr>
-        <p:txBody>
-          <a:bodyPr spcFirstLastPara="1" wrap="square" lIns="252000" tIns="45700" rIns="91425" bIns="45700" anchor="ctr" anchorCtr="0">
-            <a:spAutoFit/>
-          </a:bodyPr>
-          <a:lstStyle/>
-          <a:p>
-            <a:r>
-              <a:rPr lang="en-US" sz="1600">
-                <a:solidFill>
-                  <a:srgbClr val="00B0F0"/>
-                </a:solidFill>
-                <a:latin typeface="Courier New"/>
-                <a:ea typeface="Courier New"/>
-                <a:cs typeface="Courier New"/>
-                <a:sym typeface="Courier New"/>
-              </a:rPr>
-              <a:t>// the registers will save and restore</a:t>
-            </a:r>
-            <a:endParaRPr/>
-          </a:p>
-          <a:p>
-            <a:r>
-              <a:rPr lang="en-US" sz="1600">
-                <a:solidFill>
-                  <a:srgbClr val="00B0F0"/>
-                </a:solidFill>
-                <a:latin typeface="Courier New"/>
-                <a:ea typeface="Courier New"/>
-                <a:cs typeface="Courier New"/>
-                <a:sym typeface="Courier New"/>
-              </a:rPr>
-              <a:t>// to stop and subsequently restart a process</a:t>
-            </a:r>
-            <a:endParaRPr/>
-          </a:p>
-          <a:p>
-            <a:r>
-              <a:rPr lang="en-US" sz="1600">
-                <a:solidFill>
-                  <a:srgbClr val="00B050"/>
-                </a:solidFill>
-                <a:latin typeface="Courier New"/>
-                <a:ea typeface="Courier New"/>
-                <a:cs typeface="Courier New"/>
-                <a:sym typeface="Courier New"/>
-              </a:rPr>
-              <a:t>struct </a:t>
-            </a:r>
-            <a:r>
-              <a:rPr lang="en-US" sz="1600">
-                <a:solidFill>
-                  <a:srgbClr val="000000"/>
-                </a:solidFill>
-                <a:latin typeface="Courier New"/>
-                <a:ea typeface="Courier New"/>
-                <a:cs typeface="Courier New"/>
-                <a:sym typeface="Courier New"/>
-              </a:rPr>
-              <a:t>context {</a:t>
-            </a:r>
-            <a:endParaRPr/>
-          </a:p>
-          <a:p>
-            <a:r>
-              <a:rPr lang="en-US" sz="1600">
-                <a:solidFill>
-                  <a:srgbClr val="000000"/>
-                </a:solidFill>
-                <a:latin typeface="Courier New"/>
-                <a:ea typeface="Courier New"/>
-                <a:cs typeface="Courier New"/>
-                <a:sym typeface="Courier New"/>
-              </a:rPr>
-              <a:t>    </a:t>
-            </a:r>
-            <a:r>
-              <a:rPr lang="en-US" sz="1600">
-                <a:solidFill>
-                  <a:srgbClr val="00B050"/>
-                </a:solidFill>
-                <a:latin typeface="Courier New"/>
-                <a:ea typeface="Courier New"/>
-                <a:cs typeface="Courier New"/>
-                <a:sym typeface="Courier New"/>
-              </a:rPr>
-              <a:t>int</a:t>
-            </a:r>
-            <a:r>
-              <a:rPr lang="en-US" sz="1600">
-                <a:solidFill>
-                  <a:srgbClr val="000000"/>
-                </a:solidFill>
-                <a:latin typeface="Courier New"/>
-                <a:ea typeface="Courier New"/>
-                <a:cs typeface="Courier New"/>
-                <a:sym typeface="Courier New"/>
-              </a:rPr>
-              <a:t> eip;	</a:t>
-            </a:r>
-            <a:r>
-              <a:rPr lang="en-US" sz="1600">
-                <a:solidFill>
-                  <a:srgbClr val="00B0F0"/>
-                </a:solidFill>
-                <a:latin typeface="Courier New"/>
-                <a:ea typeface="Courier New"/>
-                <a:cs typeface="Courier New"/>
-                <a:sym typeface="Courier New"/>
-              </a:rPr>
-              <a:t>// Index pointer register</a:t>
-            </a:r>
-            <a:endParaRPr/>
-          </a:p>
-          <a:p>
-            <a:r>
-              <a:rPr lang="en-US" sz="1600">
-                <a:solidFill>
-                  <a:srgbClr val="000000"/>
-                </a:solidFill>
-                <a:latin typeface="Courier New"/>
-                <a:ea typeface="Courier New"/>
-                <a:cs typeface="Courier New"/>
-                <a:sym typeface="Courier New"/>
-              </a:rPr>
-              <a:t>   </a:t>
-            </a:r>
-            <a:r>
-              <a:rPr lang="en-US" sz="1600">
-                <a:solidFill>
-                  <a:srgbClr val="00B050"/>
-                </a:solidFill>
-                <a:latin typeface="Courier New"/>
-                <a:ea typeface="Courier New"/>
-                <a:cs typeface="Courier New"/>
-                <a:sym typeface="Courier New"/>
-              </a:rPr>
-              <a:t> int </a:t>
-            </a:r>
-            <a:r>
-              <a:rPr lang="en-US" sz="1600">
-                <a:solidFill>
-                  <a:srgbClr val="000000"/>
-                </a:solidFill>
-                <a:latin typeface="Courier New"/>
-                <a:ea typeface="Courier New"/>
-                <a:cs typeface="Courier New"/>
-                <a:sym typeface="Courier New"/>
-              </a:rPr>
-              <a:t>esp;	</a:t>
-            </a:r>
-            <a:r>
-              <a:rPr lang="en-US" sz="1600">
-                <a:solidFill>
-                  <a:srgbClr val="00B0F0"/>
-                </a:solidFill>
-                <a:latin typeface="Courier New"/>
-                <a:ea typeface="Courier New"/>
-                <a:cs typeface="Courier New"/>
-                <a:sym typeface="Courier New"/>
-              </a:rPr>
-              <a:t>// Stack pointer register</a:t>
-            </a:r>
-            <a:endParaRPr/>
-          </a:p>
-          <a:p>
-            <a:r>
-              <a:rPr lang="en-US" sz="1600">
-                <a:solidFill>
-                  <a:srgbClr val="000000"/>
-                </a:solidFill>
-                <a:latin typeface="Courier New"/>
-                <a:ea typeface="Courier New"/>
-                <a:cs typeface="Courier New"/>
-                <a:sym typeface="Courier New"/>
-              </a:rPr>
-              <a:t>    </a:t>
-            </a:r>
-            <a:r>
-              <a:rPr lang="en-US" sz="1600">
-                <a:solidFill>
-                  <a:srgbClr val="00B050"/>
-                </a:solidFill>
-                <a:latin typeface="Courier New"/>
-                <a:ea typeface="Courier New"/>
-                <a:cs typeface="Courier New"/>
-                <a:sym typeface="Courier New"/>
-              </a:rPr>
-              <a:t>int </a:t>
-            </a:r>
-            <a:r>
-              <a:rPr lang="en-US" sz="1600">
-                <a:solidFill>
-                  <a:srgbClr val="000000"/>
-                </a:solidFill>
-                <a:latin typeface="Courier New"/>
-                <a:ea typeface="Courier New"/>
-                <a:cs typeface="Courier New"/>
-                <a:sym typeface="Courier New"/>
-              </a:rPr>
-              <a:t>ebx;	</a:t>
-            </a:r>
-            <a:r>
-              <a:rPr lang="en-US" sz="1600">
-                <a:solidFill>
-                  <a:srgbClr val="00B0F0"/>
-                </a:solidFill>
-                <a:latin typeface="Courier New"/>
-                <a:ea typeface="Courier New"/>
-                <a:cs typeface="Courier New"/>
-                <a:sym typeface="Courier New"/>
-              </a:rPr>
-              <a:t>// Called the base register</a:t>
-            </a:r>
-            <a:endParaRPr/>
-          </a:p>
-          <a:p>
-            <a:r>
-              <a:rPr lang="en-US" sz="1600">
-                <a:solidFill>
-                  <a:srgbClr val="000000"/>
-                </a:solidFill>
-                <a:latin typeface="Courier New"/>
-                <a:ea typeface="Courier New"/>
-                <a:cs typeface="Courier New"/>
-                <a:sym typeface="Courier New"/>
-              </a:rPr>
-              <a:t>    </a:t>
-            </a:r>
-            <a:r>
-              <a:rPr lang="en-US" sz="1600">
-                <a:solidFill>
-                  <a:srgbClr val="00B050"/>
-                </a:solidFill>
-                <a:latin typeface="Courier New"/>
-                <a:ea typeface="Courier New"/>
-                <a:cs typeface="Courier New"/>
-                <a:sym typeface="Courier New"/>
-              </a:rPr>
-              <a:t>int</a:t>
-            </a:r>
-            <a:r>
-              <a:rPr lang="en-US" sz="1600">
-                <a:solidFill>
-                  <a:srgbClr val="000000"/>
-                </a:solidFill>
-                <a:latin typeface="Courier New"/>
-                <a:ea typeface="Courier New"/>
-                <a:cs typeface="Courier New"/>
-                <a:sym typeface="Courier New"/>
-              </a:rPr>
-              <a:t> ecx;	</a:t>
-            </a:r>
-            <a:r>
-              <a:rPr lang="en-US" sz="1600">
-                <a:solidFill>
-                  <a:srgbClr val="00B0F0"/>
-                </a:solidFill>
-                <a:latin typeface="Courier New"/>
-                <a:ea typeface="Courier New"/>
-                <a:cs typeface="Courier New"/>
-                <a:sym typeface="Courier New"/>
-              </a:rPr>
-              <a:t>// Called the counter register</a:t>
-            </a:r>
-            <a:endParaRPr/>
-          </a:p>
-          <a:p>
-            <a:r>
-              <a:rPr lang="en-US" sz="1600">
-                <a:solidFill>
-                  <a:srgbClr val="000000"/>
-                </a:solidFill>
-                <a:latin typeface="Courier New"/>
-                <a:ea typeface="Courier New"/>
-                <a:cs typeface="Courier New"/>
-                <a:sym typeface="Courier New"/>
-              </a:rPr>
-              <a:t>    </a:t>
-            </a:r>
-            <a:r>
-              <a:rPr lang="en-US" sz="1600">
-                <a:solidFill>
-                  <a:srgbClr val="00B050"/>
-                </a:solidFill>
-                <a:latin typeface="Courier New"/>
-                <a:ea typeface="Courier New"/>
-                <a:cs typeface="Courier New"/>
-                <a:sym typeface="Courier New"/>
-              </a:rPr>
-              <a:t>int </a:t>
-            </a:r>
-            <a:r>
-              <a:rPr lang="en-US" sz="1600">
-                <a:solidFill>
-                  <a:srgbClr val="000000"/>
-                </a:solidFill>
-                <a:latin typeface="Courier New"/>
-                <a:ea typeface="Courier New"/>
-                <a:cs typeface="Courier New"/>
-                <a:sym typeface="Courier New"/>
-              </a:rPr>
-              <a:t>edx;	</a:t>
-            </a:r>
-            <a:r>
-              <a:rPr lang="en-US" sz="1600">
-                <a:solidFill>
-                  <a:srgbClr val="00B0F0"/>
-                </a:solidFill>
-                <a:latin typeface="Courier New"/>
-                <a:ea typeface="Courier New"/>
-                <a:cs typeface="Courier New"/>
-                <a:sym typeface="Courier New"/>
-              </a:rPr>
-              <a:t>// Called the data register</a:t>
-            </a:r>
-            <a:endParaRPr/>
-          </a:p>
-          <a:p>
-            <a:r>
-              <a:rPr lang="en-US" sz="1600">
-                <a:solidFill>
-                  <a:srgbClr val="000000"/>
-                </a:solidFill>
-                <a:latin typeface="Courier New"/>
-                <a:ea typeface="Courier New"/>
-                <a:cs typeface="Courier New"/>
-                <a:sym typeface="Courier New"/>
-              </a:rPr>
-              <a:t>    </a:t>
-            </a:r>
-            <a:r>
-              <a:rPr lang="en-US" sz="1600">
-                <a:solidFill>
-                  <a:srgbClr val="00B050"/>
-                </a:solidFill>
-                <a:latin typeface="Courier New"/>
-                <a:ea typeface="Courier New"/>
-                <a:cs typeface="Courier New"/>
-                <a:sym typeface="Courier New"/>
-              </a:rPr>
-              <a:t>int</a:t>
-            </a:r>
-            <a:r>
-              <a:rPr lang="en-US" sz="1600">
-                <a:solidFill>
-                  <a:srgbClr val="000000"/>
-                </a:solidFill>
-                <a:latin typeface="Courier New"/>
-                <a:ea typeface="Courier New"/>
-                <a:cs typeface="Courier New"/>
-                <a:sym typeface="Courier New"/>
-              </a:rPr>
-              <a:t> esi;	</a:t>
-            </a:r>
-            <a:r>
-              <a:rPr lang="en-US" sz="1600">
-                <a:solidFill>
-                  <a:srgbClr val="00B0F0"/>
-                </a:solidFill>
-                <a:latin typeface="Courier New"/>
-                <a:ea typeface="Courier New"/>
-                <a:cs typeface="Courier New"/>
-                <a:sym typeface="Courier New"/>
-              </a:rPr>
-              <a:t>// Source index register</a:t>
-            </a:r>
-            <a:endParaRPr/>
-          </a:p>
-          <a:p>
-            <a:r>
-              <a:rPr lang="en-US" sz="1600">
-                <a:solidFill>
-                  <a:srgbClr val="000000"/>
-                </a:solidFill>
-                <a:latin typeface="Courier New"/>
-                <a:ea typeface="Courier New"/>
-                <a:cs typeface="Courier New"/>
-                <a:sym typeface="Courier New"/>
-              </a:rPr>
-              <a:t>   </a:t>
-            </a:r>
-            <a:r>
-              <a:rPr lang="en-US" sz="1600">
-                <a:solidFill>
-                  <a:srgbClr val="00B050"/>
-                </a:solidFill>
-                <a:latin typeface="Courier New"/>
-                <a:ea typeface="Courier New"/>
-                <a:cs typeface="Courier New"/>
-                <a:sym typeface="Courier New"/>
-              </a:rPr>
-              <a:t> int </a:t>
-            </a:r>
-            <a:r>
-              <a:rPr lang="en-US" sz="1600">
-                <a:solidFill>
-                  <a:srgbClr val="000000"/>
-                </a:solidFill>
-                <a:latin typeface="Courier New"/>
-                <a:ea typeface="Courier New"/>
-                <a:cs typeface="Courier New"/>
-                <a:sym typeface="Courier New"/>
-              </a:rPr>
-              <a:t>edi;	</a:t>
-            </a:r>
-            <a:r>
-              <a:rPr lang="en-US" sz="1600">
-                <a:solidFill>
-                  <a:srgbClr val="00B0F0"/>
-                </a:solidFill>
-                <a:latin typeface="Courier New"/>
-                <a:ea typeface="Courier New"/>
-                <a:cs typeface="Courier New"/>
-                <a:sym typeface="Courier New"/>
-              </a:rPr>
-              <a:t>// Destination index register</a:t>
-            </a:r>
-            <a:endParaRPr/>
-          </a:p>
-          <a:p>
-            <a:r>
-              <a:rPr lang="en-US" sz="1600">
-                <a:solidFill>
-                  <a:srgbClr val="000000"/>
-                </a:solidFill>
-                <a:latin typeface="Courier New"/>
-                <a:ea typeface="Courier New"/>
-                <a:cs typeface="Courier New"/>
-                <a:sym typeface="Courier New"/>
-              </a:rPr>
-              <a:t>    </a:t>
-            </a:r>
-            <a:r>
-              <a:rPr lang="en-US" sz="1600">
-                <a:solidFill>
-                  <a:srgbClr val="00B050"/>
-                </a:solidFill>
-                <a:latin typeface="Courier New"/>
-                <a:ea typeface="Courier New"/>
-                <a:cs typeface="Courier New"/>
-                <a:sym typeface="Courier New"/>
-              </a:rPr>
-              <a:t>int </a:t>
-            </a:r>
-            <a:r>
-              <a:rPr lang="en-US" sz="1600">
-                <a:solidFill>
-                  <a:srgbClr val="000000"/>
-                </a:solidFill>
-                <a:latin typeface="Courier New"/>
-                <a:ea typeface="Courier New"/>
-                <a:cs typeface="Courier New"/>
-                <a:sym typeface="Courier New"/>
-              </a:rPr>
-              <a:t>ebp;	</a:t>
-            </a:r>
-            <a:r>
-              <a:rPr lang="en-US" sz="1600">
-                <a:solidFill>
-                  <a:srgbClr val="00B0F0"/>
-                </a:solidFill>
-                <a:latin typeface="Courier New"/>
-                <a:ea typeface="Courier New"/>
-                <a:cs typeface="Courier New"/>
-                <a:sym typeface="Courier New"/>
-              </a:rPr>
-              <a:t>// Stack base pointer register</a:t>
-            </a:r>
-            <a:endParaRPr/>
-          </a:p>
-          <a:p>
-            <a:r>
-              <a:rPr lang="en-US" sz="1600">
-                <a:solidFill>
-                  <a:srgbClr val="000000"/>
-                </a:solidFill>
-                <a:latin typeface="Courier New"/>
-                <a:ea typeface="Courier New"/>
-                <a:cs typeface="Courier New"/>
-                <a:sym typeface="Courier New"/>
-              </a:rPr>
-              <a:t>};</a:t>
-            </a:r>
-            <a:endParaRPr/>
-          </a:p>
-          <a:p>
-            <a:endParaRPr sz="1600">
-              <a:solidFill>
-                <a:srgbClr val="000000"/>
-              </a:solidFill>
-              <a:latin typeface="Courier New"/>
-              <a:ea typeface="Courier New"/>
-              <a:cs typeface="Courier New"/>
-              <a:sym typeface="Courier New"/>
-            </a:endParaRPr>
-          </a:p>
-          <a:p>
-            <a:r>
-              <a:rPr lang="en-US" sz="1600">
-                <a:solidFill>
-                  <a:srgbClr val="00B0F0"/>
-                </a:solidFill>
-                <a:latin typeface="Courier New"/>
-                <a:ea typeface="Courier New"/>
-                <a:cs typeface="Courier New"/>
-                <a:sym typeface="Courier New"/>
-              </a:rPr>
-              <a:t>// the different states a process can be in</a:t>
-            </a:r>
-            <a:endParaRPr/>
-          </a:p>
-          <a:p>
-            <a:r>
-              <a:rPr lang="en-US" sz="1600">
-                <a:solidFill>
-                  <a:srgbClr val="00B050"/>
-                </a:solidFill>
-                <a:latin typeface="Courier New"/>
-                <a:ea typeface="Courier New"/>
-                <a:cs typeface="Courier New"/>
-                <a:sym typeface="Courier New"/>
-              </a:rPr>
-              <a:t>enum</a:t>
-            </a:r>
-            <a:r>
-              <a:rPr lang="en-US" sz="1600">
-                <a:solidFill>
-                  <a:srgbClr val="000000"/>
-                </a:solidFill>
-                <a:latin typeface="Courier New"/>
-                <a:ea typeface="Courier New"/>
-                <a:cs typeface="Courier New"/>
-                <a:sym typeface="Courier New"/>
-              </a:rPr>
-              <a:t> proc_state { UNUSED, EMBRYO, SLEEPING,</a:t>
-            </a:r>
-            <a:endParaRPr/>
-          </a:p>
-          <a:p>
-            <a:r>
-              <a:rPr lang="en-US" sz="1600">
-                <a:solidFill>
-                  <a:srgbClr val="000000"/>
-                </a:solidFill>
-                <a:latin typeface="Courier New"/>
-                <a:ea typeface="Courier New"/>
-                <a:cs typeface="Courier New"/>
-                <a:sym typeface="Courier New"/>
-              </a:rPr>
-              <a:t>                  RUNNABLE, RUNNING, ZOMBIE };</a:t>
-            </a:r>
-            <a:endParaRPr/>
-          </a:p>
-          <a:p>
-            <a:endParaRPr sz="1600">
-              <a:solidFill>
-                <a:srgbClr val="000000"/>
-              </a:solidFill>
-              <a:latin typeface="Courier New"/>
-              <a:ea typeface="Courier New"/>
-              <a:cs typeface="Courier New"/>
-              <a:sym typeface="Courier New"/>
-            </a:endParaRPr>
-          </a:p>
-          <a:p>
-            <a:endParaRPr sz="1600">
-              <a:solidFill>
-                <a:srgbClr val="000000"/>
-              </a:solidFill>
-              <a:latin typeface="Courier New"/>
-              <a:ea typeface="Courier New"/>
-              <a:cs typeface="Courier New"/>
-              <a:sym typeface="Courier New"/>
-            </a:endParaRPr>
-          </a:p>
-          <a:p>
-            <a:endParaRPr sz="1600">
-              <a:solidFill>
-                <a:srgbClr val="000000"/>
-              </a:solidFill>
-              <a:latin typeface="Courier New"/>
-              <a:ea typeface="Courier New"/>
-              <a:cs typeface="Courier New"/>
-              <a:sym typeface="Courier New"/>
-            </a:endParaRPr>
-          </a:p>
-          <a:p>
-            <a:endParaRPr sz="1600">
-              <a:solidFill>
-                <a:srgbClr val="000000"/>
-              </a:solidFill>
-              <a:latin typeface="Courier New"/>
-              <a:ea typeface="Courier New"/>
-              <a:cs typeface="Courier New"/>
-              <a:sym typeface="Courier New"/>
-            </a:endParaRPr>
-          </a:p>
-          <a:p>
-            <a:endParaRPr sz="1600">
-              <a:solidFill>
-                <a:srgbClr val="000000"/>
-              </a:solidFill>
-              <a:latin typeface="Courier New"/>
-              <a:ea typeface="Courier New"/>
-              <a:cs typeface="Courier New"/>
-              <a:sym typeface="Courier New"/>
-            </a:endParaRPr>
-          </a:p>
-        </p:txBody>
-      </p:sp>
-    </p:spTree>
-  </p:cSld>
-  <p:clrMapOvr>
-    <a:masterClrMapping/>
-  </p:clrMapOvr>
-</p:sld>
-</file>
-
-<file path=ppt/slides/slide63.xml><?xml version="1.0" encoding="utf-8"?>
-<p:sld xmlns:a="http://schemas.openxmlformats.org/drawingml/2006/main" xmlns:r="http://schemas.openxmlformats.org/officeDocument/2006/relationships" xmlns:p="http://schemas.openxmlformats.org/presentationml/2006/main" show="0">
-  <p:cSld>
-    <p:spTree>
-      <p:nvGrpSpPr>
-        <p:cNvPr id="1" name="Shape 687"/>
-        <p:cNvGrpSpPr/>
-        <p:nvPr/>
-      </p:nvGrpSpPr>
-      <p:grpSpPr>
-        <a:xfrm>
-          <a:off x="0" y="0"/>
-          <a:ext cx="0" cy="0"/>
-          <a:chOff x="0" y="0"/>
-          <a:chExt cx="0" cy="0"/>
-        </a:xfrm>
-      </p:grpSpPr>
-      <p:sp>
-        <p:nvSpPr>
-          <p:cNvPr id="688" name="Google Shape;688;p54"/>
-          <p:cNvSpPr txBox="1">
-            <a:spLocks noGrp="1"/>
-          </p:cNvSpPr>
-          <p:nvPr>
-            <p:ph type="title"/>
-          </p:nvPr>
-        </p:nvSpPr>
-        <p:spPr>
-          <a:xfrm>
-            <a:off x="2303464" y="63500"/>
-            <a:ext cx="7583487" cy="1282700"/>
-          </a:xfrm>
-          <a:prstGeom prst="rect">
-            <a:avLst/>
-          </a:prstGeom>
-          <a:noFill/>
-          <a:ln>
-            <a:noFill/>
-          </a:ln>
-        </p:spPr>
-        <p:txBody>
-          <a:bodyPr spcFirstLastPara="1" vert="horz" wrap="square" lIns="91425" tIns="45700" rIns="91425" bIns="45700" rtlCol="0" anchor="ctr" anchorCtr="0">
-            <a:noAutofit/>
-          </a:bodyPr>
-          <a:lstStyle/>
-          <a:p>
-            <a:pPr algn="ctr">
-              <a:spcBef>
-                <a:spcPts val="0"/>
-              </a:spcBef>
-            </a:pPr>
-            <a:r>
-              <a:rPr lang="en-US"/>
-              <a:t>Q4: What Context must be Saved?</a:t>
-            </a:r>
-            <a:endParaRPr/>
-          </a:p>
-        </p:txBody>
-      </p:sp>
-      <p:pic>
-        <p:nvPicPr>
-          <p:cNvPr id="689" name="Google Shape;689;p54"/>
-          <p:cNvPicPr preferRelativeResize="0"/>
-          <p:nvPr/>
-        </p:nvPicPr>
-        <p:blipFill rotWithShape="1">
-          <a:blip r:embed="rId3">
-            <a:alphaModFix/>
-          </a:blip>
-          <a:srcRect/>
-          <a:stretch/>
-        </p:blipFill>
-        <p:spPr>
-          <a:xfrm>
-            <a:off x="1523206" y="1464422"/>
-            <a:ext cx="9144000" cy="3929156"/>
-          </a:xfrm>
-          <a:prstGeom prst="rect">
-            <a:avLst/>
-          </a:prstGeom>
-          <a:noFill/>
-          <a:ln>
-            <a:noFill/>
-          </a:ln>
-        </p:spPr>
-      </p:pic>
-    </p:spTree>
-  </p:cSld>
-  <p:clrMapOvr>
-    <a:masterClrMapping/>
-  </p:clrMapOvr>
-</p:sld>
-</file>
-
-<file path=ppt/slides/slide64.xml><?xml version="1.0" encoding="utf-8"?>
-<p:sld xmlns:a="http://schemas.openxmlformats.org/drawingml/2006/main" xmlns:r="http://schemas.openxmlformats.org/officeDocument/2006/relationships" xmlns:p="http://schemas.openxmlformats.org/presentationml/2006/main" show="0">
-  <p:cSld>
-    <p:spTree>
-      <p:nvGrpSpPr>
-        <p:cNvPr id="1" name="Shape 693"/>
-        <p:cNvGrpSpPr/>
-        <p:nvPr/>
-      </p:nvGrpSpPr>
-      <p:grpSpPr>
-        <a:xfrm>
-          <a:off x="0" y="0"/>
-          <a:ext cx="0" cy="0"/>
-          <a:chOff x="0" y="0"/>
-          <a:chExt cx="0" cy="0"/>
-        </a:xfrm>
-      </p:grpSpPr>
-      <p:sp>
-        <p:nvSpPr>
-          <p:cNvPr id="694" name="Google Shape;694;p55"/>
-          <p:cNvSpPr txBox="1">
-            <a:spLocks noGrp="1"/>
-          </p:cNvSpPr>
-          <p:nvPr>
-            <p:ph type="title"/>
-          </p:nvPr>
-        </p:nvSpPr>
-        <p:spPr>
-          <a:xfrm>
-            <a:off x="2303464" y="63500"/>
-            <a:ext cx="7583487" cy="1282700"/>
-          </a:xfrm>
-          <a:prstGeom prst="rect">
-            <a:avLst/>
-          </a:prstGeom>
-          <a:noFill/>
-          <a:ln>
-            <a:noFill/>
-          </a:ln>
-        </p:spPr>
-        <p:txBody>
-          <a:bodyPr spcFirstLastPara="1" vert="horz" wrap="square" lIns="91425" tIns="45700" rIns="91425" bIns="45700" rtlCol="0" anchor="ctr" anchorCtr="0">
-            <a:noAutofit/>
-          </a:bodyPr>
-          <a:lstStyle/>
-          <a:p>
-            <a:pPr algn="ctr">
-              <a:spcBef>
-                <a:spcPts val="0"/>
-              </a:spcBef>
-            </a:pPr>
-            <a:r>
-              <a:rPr lang="en-US"/>
-              <a:t>Q4: What Context must be Saved?</a:t>
-            </a:r>
-            <a:endParaRPr/>
-          </a:p>
-        </p:txBody>
-      </p:sp>
-      <p:pic>
-        <p:nvPicPr>
-          <p:cNvPr id="695" name="Google Shape;695;p55"/>
-          <p:cNvPicPr preferRelativeResize="0"/>
-          <p:nvPr/>
-        </p:nvPicPr>
-        <p:blipFill rotWithShape="1">
-          <a:blip r:embed="rId3">
-            <a:alphaModFix/>
-          </a:blip>
-          <a:srcRect/>
-          <a:stretch/>
-        </p:blipFill>
-        <p:spPr>
-          <a:xfrm>
-            <a:off x="1551710" y="1378506"/>
-            <a:ext cx="9116291" cy="5479495"/>
-          </a:xfrm>
-          <a:prstGeom prst="rect">
-            <a:avLst/>
-          </a:prstGeom>
-          <a:noFill/>
-          <a:ln>
-            <a:noFill/>
-          </a:ln>
-        </p:spPr>
-      </p:pic>
-    </p:spTree>
-  </p:cSld>
-  <p:clrMapOvr>
-    <a:masterClrMapping/>
-  </p:clrMapOvr>
-</p:sld>
-</file>
-
-<file path=ppt/slides/slide65.xml><?xml version="1.0" encoding="utf-8"?>
-<p:sld xmlns:a="http://schemas.openxmlformats.org/drawingml/2006/main" xmlns:r="http://schemas.openxmlformats.org/officeDocument/2006/relationships" xmlns:p="http://schemas.openxmlformats.org/presentationml/2006/main" show="0">
-  <p:cSld>
-    <p:spTree>
-      <p:nvGrpSpPr>
-        <p:cNvPr id="1" name="Shape 783"/>
-        <p:cNvGrpSpPr/>
-        <p:nvPr/>
-      </p:nvGrpSpPr>
-      <p:grpSpPr>
-        <a:xfrm>
-          <a:off x="0" y="0"/>
-          <a:ext cx="0" cy="0"/>
-          <a:chOff x="0" y="0"/>
-          <a:chExt cx="0" cy="0"/>
-        </a:xfrm>
-      </p:grpSpPr>
-      <p:sp>
-        <p:nvSpPr>
-          <p:cNvPr id="784" name="Google Shape;784;p64"/>
-          <p:cNvSpPr txBox="1">
-            <a:spLocks noGrp="1"/>
-          </p:cNvSpPr>
-          <p:nvPr>
-            <p:ph type="ctrTitle"/>
-          </p:nvPr>
-        </p:nvSpPr>
-        <p:spPr>
-          <a:xfrm>
-            <a:off x="2209800" y="2057400"/>
-            <a:ext cx="7772400" cy="1143000"/>
-          </a:xfrm>
-          <a:prstGeom prst="rect">
-            <a:avLst/>
-          </a:prstGeom>
-          <a:noFill/>
-          <a:ln>
-            <a:noFill/>
-          </a:ln>
-        </p:spPr>
-        <p:txBody>
-          <a:bodyPr spcFirstLastPara="1" vert="horz" wrap="square" lIns="91425" tIns="45700" rIns="91425" bIns="45700" rtlCol="0" anchor="b" anchorCtr="0">
-            <a:noAutofit/>
-          </a:bodyPr>
-          <a:lstStyle/>
-          <a:p>
-            <a:pPr>
-              <a:spcBef>
-                <a:spcPts val="0"/>
-              </a:spcBef>
-            </a:pPr>
-            <a:r>
-              <a:rPr lang="en-US"/>
-              <a:t>Virtualization: </a:t>
-            </a:r>
-            <a:br>
-              <a:rPr lang="en-US"/>
-            </a:br>
-            <a:r>
-              <a:rPr lang="en-US"/>
-              <a:t>The CPU</a:t>
-            </a:r>
-            <a:endParaRPr/>
-          </a:p>
-        </p:txBody>
-      </p:sp>
-      <p:sp>
-        <p:nvSpPr>
-          <p:cNvPr id="785" name="Google Shape;785;p64"/>
-          <p:cNvSpPr txBox="1"/>
-          <p:nvPr/>
-        </p:nvSpPr>
-        <p:spPr>
-          <a:xfrm>
-            <a:off x="3466306" y="54859"/>
-            <a:ext cx="5257800" cy="830997"/>
-          </a:xfrm>
-          <a:prstGeom prst="rect">
-            <a:avLst/>
-          </a:prstGeom>
-          <a:noFill/>
-          <a:ln>
-            <a:noFill/>
-          </a:ln>
-        </p:spPr>
-        <p:txBody>
-          <a:bodyPr spcFirstLastPara="1" wrap="square" lIns="91425" tIns="45700" rIns="91425" bIns="45700" anchor="t" anchorCtr="0">
-            <a:spAutoFit/>
-          </a:bodyPr>
-          <a:lstStyle/>
-          <a:p>
-            <a:pPr algn="ctr"/>
-            <a:r>
-              <a:rPr lang="en-US" sz="2400">
-                <a:solidFill>
-                  <a:schemeClr val="lt1"/>
-                </a:solidFill>
-                <a:latin typeface="Gill Sans"/>
-                <a:ea typeface="Gill Sans"/>
-                <a:cs typeface="Gill Sans"/>
-                <a:sym typeface="Gill Sans"/>
-              </a:rPr>
-              <a:t>RUTGERS UNIVERSITY</a:t>
-            </a:r>
-            <a:br>
-              <a:rPr lang="en-US" sz="2400">
-                <a:solidFill>
-                  <a:schemeClr val="lt1"/>
-                </a:solidFill>
-                <a:latin typeface="Gill Sans"/>
-                <a:ea typeface="Gill Sans"/>
-                <a:cs typeface="Gill Sans"/>
-                <a:sym typeface="Gill Sans"/>
-              </a:rPr>
-            </a:br>
-            <a:r>
-              <a:rPr lang="en-US" sz="2400">
-                <a:solidFill>
-                  <a:schemeClr val="lt1"/>
-                </a:solidFill>
-                <a:latin typeface="Gill Sans"/>
-                <a:ea typeface="Gill Sans"/>
-                <a:cs typeface="Gill Sans"/>
-                <a:sym typeface="Gill Sans"/>
-              </a:rPr>
-              <a:t>Computer Sciences Department</a:t>
-            </a:r>
-            <a:endParaRPr/>
-          </a:p>
-        </p:txBody>
-      </p:sp>
-      <p:sp>
-        <p:nvSpPr>
-          <p:cNvPr id="786" name="Google Shape;786;p64"/>
-          <p:cNvSpPr txBox="1"/>
-          <p:nvPr/>
-        </p:nvSpPr>
-        <p:spPr>
-          <a:xfrm>
-            <a:off x="1752600" y="1143001"/>
-            <a:ext cx="4572000" cy="461665"/>
-          </a:xfrm>
-          <a:prstGeom prst="rect">
-            <a:avLst/>
-          </a:prstGeom>
-          <a:noFill/>
-          <a:ln>
-            <a:noFill/>
-          </a:ln>
-        </p:spPr>
-        <p:txBody>
-          <a:bodyPr spcFirstLastPara="1" wrap="square" lIns="91425" tIns="45700" rIns="91425" bIns="45700" anchor="t" anchorCtr="0">
-            <a:spAutoFit/>
-          </a:bodyPr>
-          <a:lstStyle/>
-          <a:p>
-            <a:r>
-              <a:rPr lang="en-US" sz="2400">
-                <a:solidFill>
-                  <a:schemeClr val="lt1"/>
-                </a:solidFill>
-                <a:latin typeface="Gill Sans"/>
-                <a:ea typeface="Gill Sans"/>
-                <a:cs typeface="Gill Sans"/>
-                <a:sym typeface="Gill Sans"/>
-              </a:rPr>
-              <a:t>CS 416 Operating Systems Design</a:t>
-            </a:r>
-            <a:endParaRPr/>
-          </a:p>
-        </p:txBody>
-      </p:sp>
-      <p:sp>
-        <p:nvSpPr>
-          <p:cNvPr id="787" name="Google Shape;787;p64"/>
-          <p:cNvSpPr txBox="1"/>
-          <p:nvPr/>
-        </p:nvSpPr>
-        <p:spPr>
-          <a:xfrm>
-            <a:off x="7772401" y="1225951"/>
-            <a:ext cx="2438399" cy="461665"/>
-          </a:xfrm>
-          <a:prstGeom prst="rect">
-            <a:avLst/>
-          </a:prstGeom>
-          <a:noFill/>
-          <a:ln>
-            <a:noFill/>
-          </a:ln>
-        </p:spPr>
-        <p:txBody>
-          <a:bodyPr spcFirstLastPara="1" wrap="square" lIns="91425" tIns="45700" rIns="91425" bIns="45700" anchor="t" anchorCtr="0">
-            <a:spAutoFit/>
-          </a:bodyPr>
-          <a:lstStyle/>
-          <a:p>
-            <a:pPr algn="r"/>
-            <a:r>
-              <a:rPr lang="en-US" sz="2400">
-                <a:solidFill>
-                  <a:schemeClr val="lt1"/>
-                </a:solidFill>
-                <a:latin typeface="Gill Sans"/>
-                <a:ea typeface="Gill Sans"/>
-                <a:cs typeface="Gill Sans"/>
-                <a:sym typeface="Gill Sans"/>
-              </a:rPr>
-              <a:t>Sudarsun Kannan</a:t>
-            </a:r>
-            <a:endParaRPr/>
-          </a:p>
-        </p:txBody>
-      </p:sp>
-      <p:sp>
-        <p:nvSpPr>
-          <p:cNvPr id="788" name="Google Shape;788;p64"/>
-          <p:cNvSpPr txBox="1">
-            <a:spLocks noGrp="1"/>
-          </p:cNvSpPr>
-          <p:nvPr>
-            <p:ph type="subTitle" idx="1"/>
-          </p:nvPr>
-        </p:nvSpPr>
-        <p:spPr>
-          <a:xfrm>
-            <a:off x="2303464" y="3478306"/>
-            <a:ext cx="7583487" cy="1752600"/>
-          </a:xfrm>
-          <a:prstGeom prst="rect">
-            <a:avLst/>
-          </a:prstGeom>
-          <a:noFill/>
-          <a:ln>
-            <a:noFill/>
-          </a:ln>
-        </p:spPr>
-        <p:txBody>
-          <a:bodyPr spcFirstLastPara="1" vert="horz" wrap="square" lIns="91425" tIns="45700" rIns="91425" bIns="45700" rtlCol="0" anchor="t" anchorCtr="0">
-            <a:normAutofit/>
-          </a:bodyPr>
-          <a:lstStyle/>
-          <a:p>
-            <a:pPr>
-              <a:spcBef>
-                <a:spcPts val="0"/>
-              </a:spcBef>
-              <a:buClr>
-                <a:schemeClr val="dk2"/>
-              </a:buClr>
-              <a:buSzPts val="1800"/>
-            </a:pPr>
-            <a:endParaRPr/>
-          </a:p>
-        </p:txBody>
-      </p:sp>
-      <p:sp>
-        <p:nvSpPr>
-          <p:cNvPr id="789" name="Google Shape;789;p64"/>
-          <p:cNvSpPr txBox="1"/>
-          <p:nvPr/>
-        </p:nvSpPr>
-        <p:spPr>
-          <a:xfrm>
-            <a:off x="1553818" y="6553200"/>
-            <a:ext cx="12191999" cy="941302"/>
-          </a:xfrm>
-          <a:prstGeom prst="rect">
-            <a:avLst/>
-          </a:prstGeom>
-          <a:noFill/>
-          <a:ln>
-            <a:noFill/>
-          </a:ln>
-        </p:spPr>
-        <p:txBody>
-          <a:bodyPr spcFirstLastPara="1" wrap="square" lIns="97525" tIns="48750" rIns="97525" bIns="48750" anchor="t" anchorCtr="0">
-            <a:noAutofit/>
-          </a:bodyPr>
-          <a:lstStyle/>
-          <a:p>
-            <a:pPr>
-              <a:buClr>
-                <a:schemeClr val="dk2"/>
-              </a:buClr>
-              <a:buSzPts val="1200"/>
-            </a:pPr>
-            <a:r>
-              <a:rPr lang="en-US" sz="1200">
-                <a:solidFill>
-                  <a:schemeClr val="dk2"/>
-                </a:solidFill>
-                <a:latin typeface="Gill Sans"/>
-                <a:ea typeface="Gill Sans"/>
-                <a:cs typeface="Gill Sans"/>
-                <a:sym typeface="Gill Sans"/>
-              </a:rPr>
-              <a:t>Disclaimer: Materials derived, reused, and modified from OSTEP book and lectures of Prof. Andrea and Remzi Arpaci-Dusseau and Prof. Yojip Won</a:t>
-            </a:r>
-            <a:endParaRPr/>
-          </a:p>
-        </p:txBody>
-      </p:sp>
-    </p:spTree>
-    <p:extLst>
-      <p:ext uri="{BB962C8B-B14F-4D97-AF65-F5344CB8AC3E}">
-        <p14:creationId xmlns:p14="http://schemas.microsoft.com/office/powerpoint/2010/main" val="2976407620"/>
-      </p:ext>
-    </p:extLst>
   </p:cSld>
   <p:clrMapOvr>
     <a:masterClrMapping/>
